--- a/se_prog/slides/02_DatatypesExpressionsMethods.pptx
+++ b/se_prog/slides/02_DatatypesExpressionsMethods.pptx
@@ -9,34 +9,34 @@
   </p:notesMasterIdLst>
   <p:sldIdLst>
     <p:sldId id="342" r:id="rId2"/>
-    <p:sldId id="343" r:id="rId3"/>
-    <p:sldId id="303" r:id="rId4"/>
-    <p:sldId id="304" r:id="rId5"/>
-    <p:sldId id="339" r:id="rId6"/>
-    <p:sldId id="315" r:id="rId7"/>
-    <p:sldId id="316" r:id="rId8"/>
-    <p:sldId id="317" r:id="rId9"/>
-    <p:sldId id="318" r:id="rId10"/>
-    <p:sldId id="322" r:id="rId11"/>
-    <p:sldId id="321" r:id="rId12"/>
-    <p:sldId id="323" r:id="rId13"/>
-    <p:sldId id="324" r:id="rId14"/>
-    <p:sldId id="345" r:id="rId15"/>
-    <p:sldId id="320" r:id="rId16"/>
-    <p:sldId id="325" r:id="rId17"/>
-    <p:sldId id="346" r:id="rId18"/>
-    <p:sldId id="347" r:id="rId19"/>
-    <p:sldId id="348" r:id="rId20"/>
-    <p:sldId id="349" r:id="rId21"/>
-    <p:sldId id="350" r:id="rId22"/>
-    <p:sldId id="351" r:id="rId23"/>
-    <p:sldId id="352" r:id="rId24"/>
-    <p:sldId id="353" r:id="rId25"/>
-    <p:sldId id="354" r:id="rId26"/>
-    <p:sldId id="355" r:id="rId27"/>
-    <p:sldId id="356" r:id="rId28"/>
-    <p:sldId id="357" r:id="rId29"/>
-    <p:sldId id="328" r:id="rId30"/>
+    <p:sldId id="359" r:id="rId3"/>
+    <p:sldId id="343" r:id="rId4"/>
+    <p:sldId id="303" r:id="rId5"/>
+    <p:sldId id="304" r:id="rId6"/>
+    <p:sldId id="339" r:id="rId7"/>
+    <p:sldId id="315" r:id="rId8"/>
+    <p:sldId id="316" r:id="rId9"/>
+    <p:sldId id="317" r:id="rId10"/>
+    <p:sldId id="318" r:id="rId11"/>
+    <p:sldId id="322" r:id="rId12"/>
+    <p:sldId id="321" r:id="rId13"/>
+    <p:sldId id="323" r:id="rId14"/>
+    <p:sldId id="324" r:id="rId15"/>
+    <p:sldId id="345" r:id="rId16"/>
+    <p:sldId id="320" r:id="rId17"/>
+    <p:sldId id="325" r:id="rId18"/>
+    <p:sldId id="346" r:id="rId19"/>
+    <p:sldId id="347" r:id="rId20"/>
+    <p:sldId id="348" r:id="rId21"/>
+    <p:sldId id="349" r:id="rId22"/>
+    <p:sldId id="350" r:id="rId23"/>
+    <p:sldId id="351" r:id="rId24"/>
+    <p:sldId id="352" r:id="rId25"/>
+    <p:sldId id="353" r:id="rId26"/>
+    <p:sldId id="354" r:id="rId27"/>
+    <p:sldId id="355" r:id="rId28"/>
+    <p:sldId id="356" r:id="rId29"/>
+    <p:sldId id="357" r:id="rId30"/>
     <p:sldId id="331" r:id="rId31"/>
     <p:sldId id="300" r:id="rId32"/>
     <p:sldId id="358" r:id="rId33"/>
@@ -307,7 +307,7 @@
               <a:pPr>
                 <a:defRPr/>
               </a:pPr>
-              <a:t>10.09.2019</a:t>
+              <a:t>14.10.2019</a:t>
             </a:fld>
             <a:endParaRPr lang="de-DE"/>
           </a:p>
@@ -1039,7 +1039,7 @@
                   <a:spcPct val="0"/>
                 </a:spcAft>
               </a:pPr>
-              <a:t>11</a:t>
+              <a:t>12</a:t>
             </a:fld>
             <a:endParaRPr lang="de-DE">
               <a:cs typeface="Arial" charset="0"/>
@@ -1228,7 +1228,7 @@
                   <a:spcPct val="0"/>
                 </a:spcAft>
               </a:pPr>
-              <a:t>12</a:t>
+              <a:t>13</a:t>
             </a:fld>
             <a:endParaRPr lang="de-DE">
               <a:cs typeface="Arial" charset="0"/>
@@ -1447,7 +1447,7 @@
                   <a:spcPct val="0"/>
                 </a:spcAft>
               </a:pPr>
-              <a:t>13</a:t>
+              <a:t>14</a:t>
             </a:fld>
             <a:endParaRPr lang="de-DE">
               <a:cs typeface="Arial" charset="0"/>
@@ -1628,7 +1628,7 @@
                   <a:spcPct val="0"/>
                 </a:spcAft>
               </a:pPr>
-              <a:t>15</a:t>
+              <a:t>16</a:t>
             </a:fld>
             <a:endParaRPr lang="de-DE">
               <a:cs typeface="Arial" charset="0"/>
@@ -1790,7 +1790,7 @@
                   <a:spcPct val="0"/>
                 </a:spcAft>
               </a:pPr>
-              <a:t>16</a:t>
+              <a:t>17</a:t>
             </a:fld>
             <a:endParaRPr lang="de-DE">
               <a:cs typeface="Arial" charset="0"/>
@@ -1952,7 +1952,7 @@
                   <a:spcPct val="0"/>
                 </a:spcAft>
               </a:pPr>
-              <a:t>17</a:t>
+              <a:t>18</a:t>
             </a:fld>
             <a:endParaRPr lang="de-DE">
               <a:cs typeface="Arial" charset="0"/>
@@ -2222,7 +2222,7 @@
                   <a:spcPct val="0"/>
                 </a:spcAft>
               </a:pPr>
-              <a:t>18</a:t>
+              <a:t>19</a:t>
             </a:fld>
             <a:endParaRPr lang="de-DE">
               <a:cs typeface="Arial" charset="0"/>
@@ -2384,7 +2384,7 @@
                   <a:spcPct val="0"/>
                 </a:spcAft>
               </a:pPr>
-              <a:t>19</a:t>
+              <a:t>20</a:t>
             </a:fld>
             <a:endParaRPr lang="de-DE">
               <a:cs typeface="Arial" charset="0"/>
@@ -2546,7 +2546,7 @@
                   <a:spcPct val="0"/>
                 </a:spcAft>
               </a:pPr>
-              <a:t>20</a:t>
+              <a:t>21</a:t>
             </a:fld>
             <a:endParaRPr lang="de-DE">
               <a:cs typeface="Arial" charset="0"/>
@@ -2708,7 +2708,7 @@
                   <a:spcPct val="0"/>
                 </a:spcAft>
               </a:pPr>
-              <a:t>21</a:t>
+              <a:t>22</a:t>
             </a:fld>
             <a:endParaRPr lang="de-DE">
               <a:cs typeface="Arial" charset="0"/>
@@ -3030,7 +3030,7 @@
                 </a:spcAft>
                 <a:defRPr/>
               </a:pPr>
-              <a:t>2</a:t>
+              <a:t>3</a:t>
             </a:fld>
             <a:endParaRPr lang="de-DE">
               <a:cs typeface="Arial" charset="0"/>
@@ -3302,7 +3302,7 @@
                   <a:spcPct val="0"/>
                 </a:spcAft>
               </a:pPr>
-              <a:t>22</a:t>
+              <a:t>23</a:t>
             </a:fld>
             <a:endParaRPr lang="de-DE">
               <a:cs typeface="Arial" charset="0"/>
@@ -3464,7 +3464,7 @@
                   <a:spcPct val="0"/>
                 </a:spcAft>
               </a:pPr>
-              <a:t>23</a:t>
+              <a:t>24</a:t>
             </a:fld>
             <a:endParaRPr lang="de-DE">
               <a:cs typeface="Arial" charset="0"/>
@@ -3637,7 +3637,7 @@
                   <a:spcPct val="0"/>
                 </a:spcAft>
               </a:pPr>
-              <a:t>24</a:t>
+              <a:t>25</a:t>
             </a:fld>
             <a:endParaRPr lang="de-DE">
               <a:cs typeface="Arial" charset="0"/>
@@ -3898,7 +3898,7 @@
                   <a:spcPct val="0"/>
                 </a:spcAft>
               </a:pPr>
-              <a:t>26</a:t>
+              <a:t>27</a:t>
             </a:fld>
             <a:endParaRPr lang="de-DE">
               <a:cs typeface="Arial" charset="0"/>
@@ -4074,7 +4074,7 @@
                   <a:spcPct val="0"/>
                 </a:spcAft>
               </a:pPr>
-              <a:t>27</a:t>
+              <a:t>28</a:t>
             </a:fld>
             <a:endParaRPr lang="de-DE">
               <a:cs typeface="Arial" charset="0"/>
@@ -4307,7 +4307,7 @@
                   <a:spcPct val="0"/>
                 </a:spcAft>
               </a:pPr>
-              <a:t>28</a:t>
+              <a:t>29</a:t>
             </a:fld>
             <a:endParaRPr lang="de-DE">
               <a:cs typeface="Arial" charset="0"/>
@@ -4329,187 +4329,6 @@
 </file>
 
 <file path=ppt/notesSlides/notesSlide26.xml><?xml version="1.0" encoding="utf-8"?>
-<p:notes xmlns:a="http://schemas.openxmlformats.org/drawingml/2006/main" xmlns:r="http://schemas.openxmlformats.org/officeDocument/2006/relationships" xmlns:p="http://schemas.openxmlformats.org/presentationml/2006/main">
-  <p:cSld>
-    <p:spTree>
-      <p:nvGrpSpPr>
-        <p:cNvPr id="1" name=""/>
-        <p:cNvGrpSpPr/>
-        <p:nvPr/>
-      </p:nvGrpSpPr>
-      <p:grpSpPr>
-        <a:xfrm>
-          <a:off x="0" y="0"/>
-          <a:ext cx="0" cy="0"/>
-          <a:chOff x="0" y="0"/>
-          <a:chExt cx="0" cy="0"/>
-        </a:xfrm>
-      </p:grpSpPr>
-      <p:sp>
-        <p:nvSpPr>
-          <p:cNvPr id="58369" name="Folienbildplatzhalter 1"/>
-          <p:cNvSpPr>
-            <a:spLocks noGrp="1" noRot="1" noChangeAspect="1"/>
-          </p:cNvSpPr>
-          <p:nvPr>
-            <p:ph type="sldImg"/>
-          </p:nvPr>
-        </p:nvSpPr>
-        <p:spPr bwMode="auto">
-          <a:xfrm>
-            <a:off x="381000" y="685800"/>
-            <a:ext cx="6096000" cy="3429000"/>
-          </a:xfrm>
-          <a:noFill/>
-          <a:ln>
-            <a:solidFill>
-              <a:srgbClr val="000000"/>
-            </a:solidFill>
-            <a:miter lim="800000"/>
-            <a:headEnd/>
-            <a:tailEnd/>
-          </a:ln>
-        </p:spPr>
-      </p:sp>
-      <p:sp>
-        <p:nvSpPr>
-          <p:cNvPr id="58370" name="Notizenplatzhalter 2"/>
-          <p:cNvSpPr>
-            <a:spLocks noGrp="1"/>
-          </p:cNvSpPr>
-          <p:nvPr>
-            <p:ph type="body" idx="1"/>
-          </p:nvPr>
-        </p:nvSpPr>
-        <p:spPr bwMode="auto">
-          <a:noFill/>
-        </p:spPr>
-        <p:txBody>
-          <a:bodyPr wrap="square" numCol="1" anchor="t" anchorCtr="0" compatLnSpc="1">
-            <a:prstTxWarp prst="textNoShape">
-              <a:avLst/>
-            </a:prstTxWarp>
-          </a:bodyPr>
-          <a:lstStyle/>
-          <a:p>
-            <a:pPr>
-              <a:spcBef>
-                <a:spcPct val="0"/>
-              </a:spcBef>
-            </a:pPr>
-            <a:r>
-              <a:rPr lang="de-DE"/>
-              <a:t>Live Eclipse Programmierung</a:t>
-            </a:r>
-          </a:p>
-          <a:p>
-            <a:pPr>
-              <a:spcBef>
-                <a:spcPct val="0"/>
-              </a:spcBef>
-            </a:pPr>
-            <a:endParaRPr lang="de-DE"/>
-          </a:p>
-          <a:p>
-            <a:pPr>
-              <a:spcBef>
-                <a:spcPct val="0"/>
-              </a:spcBef>
-            </a:pPr>
-            <a:r>
-              <a:rPr lang="de-DE"/>
-              <a:t>Zeit Folie : Zeit Gesamt (geschätzt)</a:t>
-            </a:r>
-          </a:p>
-          <a:p>
-            <a:pPr>
-              <a:spcBef>
-                <a:spcPct val="0"/>
-              </a:spcBef>
-            </a:pPr>
-            <a:r>
-              <a:rPr lang="de-DE"/>
-              <a:t>10 : 1h17</a:t>
-            </a:r>
-          </a:p>
-          <a:p>
-            <a:pPr>
-              <a:spcBef>
-                <a:spcPct val="0"/>
-              </a:spcBef>
-            </a:pPr>
-            <a:endParaRPr lang="de-DE"/>
-          </a:p>
-        </p:txBody>
-      </p:sp>
-      <p:sp>
-        <p:nvSpPr>
-          <p:cNvPr id="58371" name="Foliennummernplatzhalter 3"/>
-          <p:cNvSpPr>
-            <a:spLocks noGrp="1"/>
-          </p:cNvSpPr>
-          <p:nvPr>
-            <p:ph type="sldNum" sz="quarter" idx="5"/>
-          </p:nvPr>
-        </p:nvSpPr>
-        <p:spPr bwMode="auto">
-          <a:noFill/>
-          <a:ln>
-            <a:miter lim="800000"/>
-            <a:headEnd/>
-            <a:tailEnd/>
-          </a:ln>
-        </p:spPr>
-        <p:txBody>
-          <a:bodyPr wrap="square" numCol="1" anchorCtr="0" compatLnSpc="1">
-            <a:prstTxWarp prst="textNoShape">
-              <a:avLst/>
-            </a:prstTxWarp>
-          </a:bodyPr>
-          <a:lstStyle/>
-          <a:p>
-            <a:pPr fontAlgn="base">
-              <a:spcBef>
-                <a:spcPct val="0"/>
-              </a:spcBef>
-              <a:spcAft>
-                <a:spcPct val="0"/>
-              </a:spcAft>
-            </a:pPr>
-            <a:fld id="{2674922E-EF4F-45F5-B7BA-1488C12E89BB}" type="slidenum">
-              <a:rPr lang="de-DE">
-                <a:cs typeface="Arial" charset="0"/>
-              </a:rPr>
-              <a:pPr fontAlgn="base">
-                <a:spcBef>
-                  <a:spcPct val="0"/>
-                </a:spcBef>
-                <a:spcAft>
-                  <a:spcPct val="0"/>
-                </a:spcAft>
-              </a:pPr>
-              <a:t>29</a:t>
-            </a:fld>
-            <a:endParaRPr lang="de-DE">
-              <a:cs typeface="Arial" charset="0"/>
-            </a:endParaRPr>
-          </a:p>
-        </p:txBody>
-      </p:sp>
-    </p:spTree>
-    <p:extLst>
-      <p:ext uri="{BB962C8B-B14F-4D97-AF65-F5344CB8AC3E}">
-        <p14:creationId xmlns:p14="http://schemas.microsoft.com/office/powerpoint/2010/main" val="1788432609"/>
-      </p:ext>
-    </p:extLst>
-  </p:cSld>
-  <p:clrMapOvr>
-    <a:masterClrMapping/>
-  </p:clrMapOvr>
-</p:notes>
-</file>
-
-<file path=ppt/notesSlides/notesSlide27.xml><?xml version="1.0" encoding="utf-8"?>
 <p:notes xmlns:a="http://schemas.openxmlformats.org/drawingml/2006/main" xmlns:r="http://schemas.openxmlformats.org/officeDocument/2006/relationships" xmlns:p="http://schemas.openxmlformats.org/presentationml/2006/main">
   <p:cSld>
     <p:spTree>
@@ -4682,7 +4501,7 @@
 </p:notes>
 </file>
 
-<file path=ppt/notesSlides/notesSlide28.xml><?xml version="1.0" encoding="utf-8"?>
+<file path=ppt/notesSlides/notesSlide27.xml><?xml version="1.0" encoding="utf-8"?>
 <p:notes xmlns:a="http://schemas.openxmlformats.org/drawingml/2006/main" xmlns:r="http://schemas.openxmlformats.org/officeDocument/2006/relationships" xmlns:p="http://schemas.openxmlformats.org/presentationml/2006/main">
   <p:cSld>
     <p:spTree>
@@ -4844,7 +4663,7 @@
 </p:notes>
 </file>
 
-<file path=ppt/notesSlides/notesSlide29.xml><?xml version="1.0" encoding="utf-8"?>
+<file path=ppt/notesSlides/notesSlide28.xml><?xml version="1.0" encoding="utf-8"?>
 <p:notes xmlns:a="http://schemas.openxmlformats.org/drawingml/2006/main" xmlns:r="http://schemas.openxmlformats.org/officeDocument/2006/relationships" xmlns:p="http://schemas.openxmlformats.org/presentationml/2006/main">
   <p:cSld>
     <p:spTree>
@@ -4997,6 +4816,168 @@
     <p:extLst>
       <p:ext uri="{BB962C8B-B14F-4D97-AF65-F5344CB8AC3E}">
         <p14:creationId xmlns:p14="http://schemas.microsoft.com/office/powerpoint/2010/main" val="1781715646"/>
+      </p:ext>
+    </p:extLst>
+  </p:cSld>
+  <p:clrMapOvr>
+    <a:masterClrMapping/>
+  </p:clrMapOvr>
+</p:notes>
+</file>
+
+<file path=ppt/notesSlides/notesSlide29.xml><?xml version="1.0" encoding="utf-8"?>
+<p:notes xmlns:a="http://schemas.openxmlformats.org/drawingml/2006/main" xmlns:r="http://schemas.openxmlformats.org/officeDocument/2006/relationships" xmlns:p="http://schemas.openxmlformats.org/presentationml/2006/main">
+  <p:cSld>
+    <p:spTree>
+      <p:nvGrpSpPr>
+        <p:cNvPr id="1" name=""/>
+        <p:cNvGrpSpPr/>
+        <p:nvPr/>
+      </p:nvGrpSpPr>
+      <p:grpSpPr>
+        <a:xfrm>
+          <a:off x="0" y="0"/>
+          <a:ext cx="0" cy="0"/>
+          <a:chOff x="0" y="0"/>
+          <a:chExt cx="0" cy="0"/>
+        </a:xfrm>
+      </p:grpSpPr>
+      <p:sp>
+        <p:nvSpPr>
+          <p:cNvPr id="66561" name="Folienbildplatzhalter 1"/>
+          <p:cNvSpPr>
+            <a:spLocks noGrp="1" noRot="1" noChangeAspect="1"/>
+          </p:cNvSpPr>
+          <p:nvPr>
+            <p:ph type="sldImg"/>
+          </p:nvPr>
+        </p:nvSpPr>
+        <p:spPr bwMode="auto">
+          <a:xfrm>
+            <a:off x="381000" y="685800"/>
+            <a:ext cx="6096000" cy="3429000"/>
+          </a:xfrm>
+          <a:noFill/>
+          <a:ln>
+            <a:solidFill>
+              <a:srgbClr val="000000"/>
+            </a:solidFill>
+            <a:miter lim="800000"/>
+            <a:headEnd/>
+            <a:tailEnd/>
+          </a:ln>
+        </p:spPr>
+      </p:sp>
+      <p:sp>
+        <p:nvSpPr>
+          <p:cNvPr id="66562" name="Notizenplatzhalter 2"/>
+          <p:cNvSpPr>
+            <a:spLocks noGrp="1"/>
+          </p:cNvSpPr>
+          <p:nvPr>
+            <p:ph type="body" idx="1"/>
+          </p:nvPr>
+        </p:nvSpPr>
+        <p:spPr bwMode="auto">
+          <a:noFill/>
+        </p:spPr>
+        <p:txBody>
+          <a:bodyPr wrap="square" numCol="1" anchor="t" anchorCtr="0" compatLnSpc="1">
+            <a:prstTxWarp prst="textNoShape">
+              <a:avLst/>
+            </a:prstTxWarp>
+          </a:bodyPr>
+          <a:lstStyle/>
+          <a:p>
+            <a:pPr>
+              <a:spcBef>
+                <a:spcPct val="0"/>
+              </a:spcBef>
+            </a:pPr>
+            <a:r>
+              <a:rPr lang="de-DE"/>
+              <a:t>Zeit Folie : Zeit Gesamt (geschätzt)</a:t>
+            </a:r>
+          </a:p>
+          <a:p>
+            <a:pPr>
+              <a:spcBef>
+                <a:spcPct val="0"/>
+              </a:spcBef>
+            </a:pPr>
+            <a:r>
+              <a:rPr lang="de-DE"/>
+              <a:t>1 : 1h24</a:t>
+            </a:r>
+          </a:p>
+          <a:p>
+            <a:pPr>
+              <a:spcBef>
+                <a:spcPct val="0"/>
+              </a:spcBef>
+            </a:pPr>
+            <a:endParaRPr lang="de-DE"/>
+          </a:p>
+        </p:txBody>
+      </p:sp>
+      <p:sp>
+        <p:nvSpPr>
+          <p:cNvPr id="66563" name="Foliennummernplatzhalter 3"/>
+          <p:cNvSpPr>
+            <a:spLocks noGrp="1"/>
+          </p:cNvSpPr>
+          <p:nvPr>
+            <p:ph type="sldNum" sz="quarter" idx="5"/>
+          </p:nvPr>
+        </p:nvSpPr>
+        <p:spPr bwMode="auto">
+          <a:noFill/>
+          <a:ln>
+            <a:miter lim="800000"/>
+            <a:headEnd/>
+            <a:tailEnd/>
+          </a:ln>
+        </p:spPr>
+        <p:txBody>
+          <a:bodyPr wrap="square" numCol="1" anchorCtr="0" compatLnSpc="1">
+            <a:prstTxWarp prst="textNoShape">
+              <a:avLst/>
+            </a:prstTxWarp>
+          </a:bodyPr>
+          <a:lstStyle/>
+          <a:p>
+            <a:pPr fontAlgn="base">
+              <a:spcBef>
+                <a:spcPct val="0"/>
+              </a:spcBef>
+              <a:spcAft>
+                <a:spcPct val="0"/>
+              </a:spcAft>
+            </a:pPr>
+            <a:fld id="{0E49D0C9-CD2C-481A-90BC-288840B46E4E}" type="slidenum">
+              <a:rPr lang="de-DE">
+                <a:cs typeface="Arial" charset="0"/>
+              </a:rPr>
+              <a:pPr fontAlgn="base">
+                <a:spcBef>
+                  <a:spcPct val="0"/>
+                </a:spcBef>
+                <a:spcAft>
+                  <a:spcPct val="0"/>
+                </a:spcAft>
+              </a:pPr>
+              <a:t>33</a:t>
+            </a:fld>
+            <a:endParaRPr lang="de-DE">
+              <a:cs typeface="Arial" charset="0"/>
+            </a:endParaRPr>
+          </a:p>
+        </p:txBody>
+      </p:sp>
+    </p:spTree>
+    <p:extLst>
+      <p:ext uri="{BB962C8B-B14F-4D97-AF65-F5344CB8AC3E}">
+        <p14:creationId xmlns:p14="http://schemas.microsoft.com/office/powerpoint/2010/main" val="3536719296"/>
       </p:ext>
     </p:extLst>
   </p:cSld>
@@ -5139,7 +5120,7 @@
                   <a:spcPct val="0"/>
                 </a:spcAft>
               </a:pPr>
-              <a:t>3</a:t>
+              <a:t>4</a:t>
             </a:fld>
             <a:endParaRPr lang="de-DE">
               <a:cs typeface="Arial" charset="0"/>
@@ -5151,168 +5132,6 @@
     <p:extLst>
       <p:ext uri="{BB962C8B-B14F-4D97-AF65-F5344CB8AC3E}">
         <p14:creationId xmlns:p14="http://schemas.microsoft.com/office/powerpoint/2010/main" val="669475141"/>
-      </p:ext>
-    </p:extLst>
-  </p:cSld>
-  <p:clrMapOvr>
-    <a:masterClrMapping/>
-  </p:clrMapOvr>
-</p:notes>
-</file>
-
-<file path=ppt/notesSlides/notesSlide30.xml><?xml version="1.0" encoding="utf-8"?>
-<p:notes xmlns:a="http://schemas.openxmlformats.org/drawingml/2006/main" xmlns:r="http://schemas.openxmlformats.org/officeDocument/2006/relationships" xmlns:p="http://schemas.openxmlformats.org/presentationml/2006/main">
-  <p:cSld>
-    <p:spTree>
-      <p:nvGrpSpPr>
-        <p:cNvPr id="1" name=""/>
-        <p:cNvGrpSpPr/>
-        <p:nvPr/>
-      </p:nvGrpSpPr>
-      <p:grpSpPr>
-        <a:xfrm>
-          <a:off x="0" y="0"/>
-          <a:ext cx="0" cy="0"/>
-          <a:chOff x="0" y="0"/>
-          <a:chExt cx="0" cy="0"/>
-        </a:xfrm>
-      </p:grpSpPr>
-      <p:sp>
-        <p:nvSpPr>
-          <p:cNvPr id="66561" name="Folienbildplatzhalter 1"/>
-          <p:cNvSpPr>
-            <a:spLocks noGrp="1" noRot="1" noChangeAspect="1"/>
-          </p:cNvSpPr>
-          <p:nvPr>
-            <p:ph type="sldImg"/>
-          </p:nvPr>
-        </p:nvSpPr>
-        <p:spPr bwMode="auto">
-          <a:xfrm>
-            <a:off x="381000" y="685800"/>
-            <a:ext cx="6096000" cy="3429000"/>
-          </a:xfrm>
-          <a:noFill/>
-          <a:ln>
-            <a:solidFill>
-              <a:srgbClr val="000000"/>
-            </a:solidFill>
-            <a:miter lim="800000"/>
-            <a:headEnd/>
-            <a:tailEnd/>
-          </a:ln>
-        </p:spPr>
-      </p:sp>
-      <p:sp>
-        <p:nvSpPr>
-          <p:cNvPr id="66562" name="Notizenplatzhalter 2"/>
-          <p:cNvSpPr>
-            <a:spLocks noGrp="1"/>
-          </p:cNvSpPr>
-          <p:nvPr>
-            <p:ph type="body" idx="1"/>
-          </p:nvPr>
-        </p:nvSpPr>
-        <p:spPr bwMode="auto">
-          <a:noFill/>
-        </p:spPr>
-        <p:txBody>
-          <a:bodyPr wrap="square" numCol="1" anchor="t" anchorCtr="0" compatLnSpc="1">
-            <a:prstTxWarp prst="textNoShape">
-              <a:avLst/>
-            </a:prstTxWarp>
-          </a:bodyPr>
-          <a:lstStyle/>
-          <a:p>
-            <a:pPr>
-              <a:spcBef>
-                <a:spcPct val="0"/>
-              </a:spcBef>
-            </a:pPr>
-            <a:r>
-              <a:rPr lang="de-DE"/>
-              <a:t>Zeit Folie : Zeit Gesamt (geschätzt)</a:t>
-            </a:r>
-          </a:p>
-          <a:p>
-            <a:pPr>
-              <a:spcBef>
-                <a:spcPct val="0"/>
-              </a:spcBef>
-            </a:pPr>
-            <a:r>
-              <a:rPr lang="de-DE"/>
-              <a:t>1 : 1h24</a:t>
-            </a:r>
-          </a:p>
-          <a:p>
-            <a:pPr>
-              <a:spcBef>
-                <a:spcPct val="0"/>
-              </a:spcBef>
-            </a:pPr>
-            <a:endParaRPr lang="de-DE"/>
-          </a:p>
-        </p:txBody>
-      </p:sp>
-      <p:sp>
-        <p:nvSpPr>
-          <p:cNvPr id="66563" name="Foliennummernplatzhalter 3"/>
-          <p:cNvSpPr>
-            <a:spLocks noGrp="1"/>
-          </p:cNvSpPr>
-          <p:nvPr>
-            <p:ph type="sldNum" sz="quarter" idx="5"/>
-          </p:nvPr>
-        </p:nvSpPr>
-        <p:spPr bwMode="auto">
-          <a:noFill/>
-          <a:ln>
-            <a:miter lim="800000"/>
-            <a:headEnd/>
-            <a:tailEnd/>
-          </a:ln>
-        </p:spPr>
-        <p:txBody>
-          <a:bodyPr wrap="square" numCol="1" anchorCtr="0" compatLnSpc="1">
-            <a:prstTxWarp prst="textNoShape">
-              <a:avLst/>
-            </a:prstTxWarp>
-          </a:bodyPr>
-          <a:lstStyle/>
-          <a:p>
-            <a:pPr fontAlgn="base">
-              <a:spcBef>
-                <a:spcPct val="0"/>
-              </a:spcBef>
-              <a:spcAft>
-                <a:spcPct val="0"/>
-              </a:spcAft>
-            </a:pPr>
-            <a:fld id="{0E49D0C9-CD2C-481A-90BC-288840B46E4E}" type="slidenum">
-              <a:rPr lang="de-DE">
-                <a:cs typeface="Arial" charset="0"/>
-              </a:rPr>
-              <a:pPr fontAlgn="base">
-                <a:spcBef>
-                  <a:spcPct val="0"/>
-                </a:spcBef>
-                <a:spcAft>
-                  <a:spcPct val="0"/>
-                </a:spcAft>
-              </a:pPr>
-              <a:t>33</a:t>
-            </a:fld>
-            <a:endParaRPr lang="de-DE">
-              <a:cs typeface="Arial" charset="0"/>
-            </a:endParaRPr>
-          </a:p>
-        </p:txBody>
-      </p:sp>
-    </p:spTree>
-    <p:extLst>
-      <p:ext uri="{BB962C8B-B14F-4D97-AF65-F5344CB8AC3E}">
-        <p14:creationId xmlns:p14="http://schemas.microsoft.com/office/powerpoint/2010/main" val="3536719296"/>
       </p:ext>
     </p:extLst>
   </p:cSld>
@@ -5463,7 +5282,7 @@
                   <a:spcPct val="0"/>
                 </a:spcAft>
               </a:pPr>
-              <a:t>4</a:t>
+              <a:t>5</a:t>
             </a:fld>
             <a:endParaRPr lang="de-DE">
               <a:cs typeface="Arial" charset="0"/>
@@ -5625,7 +5444,7 @@
                   <a:spcPct val="0"/>
                 </a:spcAft>
               </a:pPr>
-              <a:t>6</a:t>
+              <a:t>7</a:t>
             </a:fld>
             <a:endParaRPr lang="de-DE">
               <a:cs typeface="Arial" charset="0"/>
@@ -5833,7 +5652,7 @@
                   <a:spcPct val="0"/>
                 </a:spcAft>
               </a:pPr>
-              <a:t>7</a:t>
+              <a:t>8</a:t>
             </a:fld>
             <a:endParaRPr lang="de-DE">
               <a:cs typeface="Arial" charset="0"/>
@@ -6059,7 +5878,7 @@
                   <a:spcPct val="0"/>
                 </a:spcAft>
               </a:pPr>
-              <a:t>8</a:t>
+              <a:t>9</a:t>
             </a:fld>
             <a:endParaRPr lang="de-DE">
               <a:cs typeface="Arial" charset="0"/>
@@ -6232,7 +6051,7 @@
                   <a:spcPct val="0"/>
                 </a:spcAft>
               </a:pPr>
-              <a:t>9</a:t>
+              <a:t>10</a:t>
             </a:fld>
             <a:endParaRPr lang="de-DE">
               <a:cs typeface="Arial" charset="0"/>
@@ -6450,7 +6269,7 @@
                   <a:spcPct val="0"/>
                 </a:spcAft>
               </a:pPr>
-              <a:t>10</a:t>
+              <a:t>11</a:t>
             </a:fld>
             <a:endParaRPr lang="de-DE">
               <a:cs typeface="Arial" charset="0"/>
@@ -6740,7 +6559,7 @@
               <a:pPr>
                 <a:defRPr/>
               </a:pPr>
-              <a:t>10.09.2019</a:t>
+              <a:t>14.10.2019</a:t>
             </a:fld>
             <a:endParaRPr lang="de-DE"/>
           </a:p>
@@ -7136,7 +6955,7 @@
               <a:pPr>
                 <a:defRPr/>
               </a:pPr>
-              <a:t>10.09.2019</a:t>
+              <a:t>14.10.2019</a:t>
             </a:fld>
             <a:endParaRPr lang="de-DE"/>
           </a:p>
@@ -7580,7 +7399,7 @@
               <a:pPr>
                 <a:defRPr/>
               </a:pPr>
-              <a:t>10.09.2019</a:t>
+              <a:t>14.10.2019</a:t>
             </a:fld>
             <a:endParaRPr lang="de-DE"/>
           </a:p>
@@ -7722,7 +7541,7 @@
               <a:pPr>
                 <a:defRPr/>
               </a:pPr>
-              <a:t>10.09.2019</a:t>
+              <a:t>14.10.2019</a:t>
             </a:fld>
             <a:endParaRPr lang="de-DE"/>
           </a:p>
@@ -7842,7 +7661,7 @@
               <a:pPr>
                 <a:defRPr/>
               </a:pPr>
-              <a:t>10.09.2019</a:t>
+              <a:t>14.10.2019</a:t>
             </a:fld>
             <a:endParaRPr lang="de-DE"/>
           </a:p>
@@ -8142,7 +7961,7 @@
               <a:pPr>
                 <a:defRPr/>
               </a:pPr>
-              <a:t>10.09.2019</a:t>
+              <a:t>14.10.2019</a:t>
             </a:fld>
             <a:endParaRPr lang="de-DE"/>
           </a:p>
@@ -8425,7 +8244,7 @@
               <a:pPr>
                 <a:defRPr/>
               </a:pPr>
-              <a:t>10.09.2019</a:t>
+              <a:t>14.10.2019</a:t>
             </a:fld>
             <a:endParaRPr lang="de-DE"/>
           </a:p>
@@ -8618,7 +8437,7 @@
               <a:pPr>
                 <a:defRPr/>
               </a:pPr>
-              <a:t>10.09.2019</a:t>
+              <a:t>14.10.2019</a:t>
             </a:fld>
             <a:endParaRPr lang="de-DE"/>
           </a:p>
@@ -8821,7 +8640,7 @@
               <a:pPr>
                 <a:defRPr/>
               </a:pPr>
-              <a:t>10.09.2019</a:t>
+              <a:t>14.10.2019</a:t>
             </a:fld>
             <a:endParaRPr lang="de-DE"/>
           </a:p>
@@ -9087,7 +8906,7 @@
               <a:pPr>
                 <a:defRPr/>
               </a:pPr>
-              <a:t>10.09.2019</a:t>
+              <a:t>14.10.2019</a:t>
             </a:fld>
             <a:endParaRPr lang="de-DE"/>
           </a:p>
@@ -9511,7 +9330,7 @@
               <a:pPr>
                 <a:defRPr/>
               </a:pPr>
-              <a:t>10.09.2019</a:t>
+              <a:t>14.10.2019</a:t>
             </a:fld>
             <a:endParaRPr lang="de-DE"/>
           </a:p>
@@ -9905,7 +9724,7 @@
               <a:pPr>
                 <a:defRPr/>
               </a:pPr>
-              <a:t>10.09.2019</a:t>
+              <a:t>14.10.2019</a:t>
             </a:fld>
             <a:endParaRPr lang="de-DE"/>
           </a:p>
@@ -10291,7 +10110,7 @@
               <a:pPr>
                 <a:defRPr/>
               </a:pPr>
-              <a:t>10.09.2019</a:t>
+              <a:t>14.10.2019</a:t>
             </a:fld>
             <a:endParaRPr lang="de-DE"/>
           </a:p>
@@ -10636,7 +10455,7 @@
               <a:pPr>
                 <a:defRPr/>
               </a:pPr>
-              <a:t>10.09.2019</a:t>
+              <a:t>14.10.2019</a:t>
             </a:fld>
             <a:endParaRPr lang="de-DE"/>
           </a:p>
@@ -10948,7 +10767,7 @@
               <a:pPr>
                 <a:defRPr/>
               </a:pPr>
-              <a:t>10.09.2019</a:t>
+              <a:t>14.10.2019</a:t>
             </a:fld>
             <a:endParaRPr lang="de-DE"/>
           </a:p>
@@ -11273,7 +11092,7 @@
               <a:pPr>
                 <a:defRPr/>
               </a:pPr>
-              <a:t>10.09.2019</a:t>
+              <a:t>14.10.2019</a:t>
             </a:fld>
             <a:endParaRPr lang="de-DE"/>
           </a:p>
@@ -11548,7 +11367,7 @@
               <a:pPr>
                 <a:defRPr/>
               </a:pPr>
-              <a:t>10.09.2019</a:t>
+              <a:t>14.10.2019</a:t>
             </a:fld>
             <a:endParaRPr lang="de-DE"/>
           </a:p>
@@ -11807,7 +11626,7 @@
               <a:pPr>
                 <a:defRPr/>
               </a:pPr>
-              <a:t>10.09.2019</a:t>
+              <a:t>14.10.2019</a:t>
             </a:fld>
             <a:endParaRPr lang="de-DE"/>
           </a:p>
@@ -12928,6 +12747,1133 @@
       </p:grpSpPr>
       <p:sp>
         <p:nvSpPr>
+          <p:cNvPr id="38913" name="Titel 1"/>
+          <p:cNvSpPr>
+            <a:spLocks noGrp="1"/>
+          </p:cNvSpPr>
+          <p:nvPr>
+            <p:ph type="title"/>
+          </p:nvPr>
+        </p:nvSpPr>
+        <p:spPr/>
+        <p:txBody>
+          <a:bodyPr/>
+          <a:lstStyle/>
+          <a:p>
+            <a:r>
+              <a:rPr lang="de-DE" dirty="0"/>
+              <a:t>Data </a:t>
+            </a:r>
+            <a:r>
+              <a:rPr lang="de-DE" dirty="0" err="1" smtClean="0"/>
+              <a:t>Types</a:t>
+            </a:r>
+            <a:r>
+              <a:rPr lang="de-DE" dirty="0" smtClean="0"/>
+              <a:t> </a:t>
+            </a:r>
+            <a:r>
+              <a:rPr lang="de-DE" dirty="0"/>
+              <a:t>in Java </a:t>
+            </a:r>
+            <a:r>
+              <a:rPr lang="de-DE" dirty="0" smtClean="0"/>
+              <a:t>II</a:t>
+            </a:r>
+            <a:endParaRPr lang="de-DE" dirty="0"/>
+          </a:p>
+        </p:txBody>
+      </p:sp>
+      <p:sp>
+        <p:nvSpPr>
+          <p:cNvPr id="38914" name="Inhaltsplatzhalter 2"/>
+          <p:cNvSpPr>
+            <a:spLocks noGrp="1"/>
+          </p:cNvSpPr>
+          <p:nvPr>
+            <p:ph idx="4294967295"/>
+          </p:nvPr>
+        </p:nvSpPr>
+        <p:spPr>
+          <a:xfrm>
+            <a:off x="1631504" y="2132856"/>
+            <a:ext cx="10513168" cy="4594820"/>
+          </a:xfrm>
+        </p:spPr>
+        <p:txBody>
+          <a:bodyPr/>
+          <a:lstStyle/>
+          <a:p>
+            <a:r>
+              <a:rPr lang="de-DE" b="1" dirty="0"/>
+              <a:t>Primitive </a:t>
+            </a:r>
+            <a:r>
+              <a:rPr lang="de-DE" b="1" dirty="0" err="1" smtClean="0"/>
+              <a:t>data</a:t>
+            </a:r>
+            <a:r>
+              <a:rPr lang="de-DE" b="1" dirty="0" smtClean="0"/>
+              <a:t> </a:t>
+            </a:r>
+            <a:r>
+              <a:rPr lang="de-DE" b="1" dirty="0" err="1" smtClean="0"/>
+              <a:t>types</a:t>
+            </a:r>
+            <a:r>
+              <a:rPr lang="de-DE" b="1" dirty="0" smtClean="0"/>
+              <a:t> </a:t>
+            </a:r>
+            <a:r>
+              <a:rPr lang="de-DE" dirty="0" err="1" smtClean="0"/>
+              <a:t>are</a:t>
+            </a:r>
+            <a:r>
+              <a:rPr lang="de-DE" dirty="0" smtClean="0"/>
+              <a:t> fundamental </a:t>
+            </a:r>
+            <a:r>
+              <a:rPr lang="de-DE" dirty="0" err="1" smtClean="0"/>
+              <a:t>elements</a:t>
+            </a:r>
+            <a:r>
+              <a:rPr lang="de-DE" dirty="0" smtClean="0"/>
+              <a:t> </a:t>
+            </a:r>
+            <a:r>
+              <a:rPr lang="de-DE" dirty="0" err="1" smtClean="0"/>
+              <a:t>of</a:t>
+            </a:r>
+            <a:r>
+              <a:rPr lang="de-DE" dirty="0" smtClean="0"/>
+              <a:t> </a:t>
+            </a:r>
+            <a:r>
+              <a:rPr lang="de-DE" dirty="0" err="1" smtClean="0"/>
+              <a:t>every</a:t>
+            </a:r>
+            <a:r>
+              <a:rPr lang="de-DE" dirty="0" smtClean="0"/>
+              <a:t> </a:t>
+            </a:r>
+            <a:r>
+              <a:rPr lang="de-DE" dirty="0" err="1" smtClean="0"/>
+              <a:t>program</a:t>
+            </a:r>
+            <a:endParaRPr lang="de-DE" dirty="0"/>
+          </a:p>
+          <a:p>
+            <a:r>
+              <a:rPr lang="de-DE" b="1" dirty="0" err="1" smtClean="0"/>
+              <a:t>Complex</a:t>
+            </a:r>
+            <a:r>
+              <a:rPr lang="de-DE" b="1" dirty="0"/>
+              <a:t> </a:t>
+            </a:r>
+            <a:r>
+              <a:rPr lang="de-DE" b="1" dirty="0" err="1"/>
+              <a:t>data</a:t>
+            </a:r>
+            <a:r>
+              <a:rPr lang="de-DE" b="1" dirty="0"/>
+              <a:t> </a:t>
+            </a:r>
+            <a:r>
+              <a:rPr lang="de-DE" b="1" dirty="0" err="1"/>
+              <a:t>types</a:t>
+            </a:r>
+            <a:r>
+              <a:rPr lang="de-DE" dirty="0" smtClean="0"/>
+              <a:t> </a:t>
+            </a:r>
+            <a:r>
+              <a:rPr lang="de-DE" dirty="0" err="1" smtClean="0"/>
+              <a:t>are</a:t>
+            </a:r>
+            <a:r>
+              <a:rPr lang="de-DE" dirty="0" smtClean="0"/>
+              <a:t> </a:t>
+            </a:r>
+            <a:r>
+              <a:rPr lang="de-DE" dirty="0" err="1" smtClean="0"/>
+              <a:t>composed</a:t>
+            </a:r>
+            <a:r>
+              <a:rPr lang="de-DE" dirty="0" smtClean="0"/>
+              <a:t> </a:t>
+            </a:r>
+            <a:r>
+              <a:rPr lang="de-DE" dirty="0" err="1" smtClean="0"/>
+              <a:t>of</a:t>
+            </a:r>
+            <a:r>
+              <a:rPr lang="de-DE" dirty="0" smtClean="0"/>
+              <a:t> primitive </a:t>
+            </a:r>
+            <a:r>
+              <a:rPr lang="de-DE" dirty="0" err="1" smtClean="0"/>
+              <a:t>data</a:t>
+            </a:r>
+            <a:r>
+              <a:rPr lang="de-DE" dirty="0" smtClean="0"/>
+              <a:t> </a:t>
+            </a:r>
+            <a:r>
+              <a:rPr lang="de-DE" dirty="0" err="1" smtClean="0"/>
+              <a:t>types</a:t>
+            </a:r>
+            <a:r>
+              <a:rPr lang="de-DE" dirty="0" smtClean="0"/>
+              <a:t> </a:t>
+            </a:r>
+            <a:r>
+              <a:rPr lang="de-DE" dirty="0" err="1" smtClean="0"/>
+              <a:t>and</a:t>
+            </a:r>
+            <a:r>
+              <a:rPr lang="de-DE" dirty="0" smtClean="0"/>
+              <a:t> </a:t>
+            </a:r>
+            <a:r>
+              <a:rPr lang="de-DE" dirty="0" err="1" smtClean="0"/>
+              <a:t>other</a:t>
+            </a:r>
+            <a:r>
+              <a:rPr lang="de-DE" dirty="0" smtClean="0"/>
+              <a:t> </a:t>
+            </a:r>
+            <a:r>
+              <a:rPr lang="de-DE" dirty="0" err="1" smtClean="0"/>
+              <a:t>complex</a:t>
+            </a:r>
+            <a:r>
+              <a:rPr lang="de-DE" dirty="0" smtClean="0"/>
+              <a:t> </a:t>
+            </a:r>
+            <a:r>
+              <a:rPr lang="de-DE" dirty="0" err="1" smtClean="0"/>
+              <a:t>data</a:t>
+            </a:r>
+            <a:r>
+              <a:rPr lang="de-DE" dirty="0" smtClean="0"/>
+              <a:t> </a:t>
+            </a:r>
+            <a:r>
+              <a:rPr lang="de-DE" dirty="0" err="1" smtClean="0"/>
+              <a:t>types</a:t>
+            </a:r>
+            <a:endParaRPr lang="de-DE" dirty="0"/>
+          </a:p>
+        </p:txBody>
+      </p:sp>
+      <p:sp>
+        <p:nvSpPr>
+          <p:cNvPr id="4" name="Foliennummernplatzhalter 3"/>
+          <p:cNvSpPr>
+            <a:spLocks noGrp="1"/>
+          </p:cNvSpPr>
+          <p:nvPr>
+            <p:ph type="sldNum" sz="quarter" idx="12"/>
+          </p:nvPr>
+        </p:nvSpPr>
+        <p:spPr/>
+        <p:txBody>
+          <a:bodyPr/>
+          <a:lstStyle/>
+          <a:p>
+            <a:pPr>
+              <a:defRPr/>
+            </a:pPr>
+            <a:fld id="{925D5A30-CB02-431B-A064-CFAEC7090E85}" type="slidenum">
+              <a:rPr lang="de-DE"/>
+              <a:pPr>
+                <a:defRPr/>
+              </a:pPr>
+              <a:t>10</a:t>
+            </a:fld>
+            <a:endParaRPr lang="de-DE"/>
+          </a:p>
+        </p:txBody>
+      </p:sp>
+      <p:sp>
+        <p:nvSpPr>
+          <p:cNvPr id="5" name="Rechteck 4"/>
+          <p:cNvSpPr>
+            <a:spLocks noChangeArrowheads="1"/>
+          </p:cNvSpPr>
+          <p:nvPr/>
+        </p:nvSpPr>
+        <p:spPr bwMode="auto">
+          <a:xfrm>
+            <a:off x="4151313" y="4724401"/>
+            <a:ext cx="4572000" cy="1755775"/>
+          </a:xfrm>
+          <a:prstGeom prst="rect">
+            <a:avLst/>
+          </a:prstGeom>
+          <a:noFill/>
+          <a:ln w="9525">
+            <a:noFill/>
+            <a:miter lim="800000"/>
+            <a:headEnd/>
+            <a:tailEnd/>
+          </a:ln>
+        </p:spPr>
+        <p:txBody>
+          <a:bodyPr>
+            <a:spAutoFit/>
+          </a:bodyPr>
+          <a:lstStyle/>
+          <a:p>
+            <a:r>
+              <a:rPr lang="de-DE" b="1" dirty="0" err="1">
+                <a:solidFill>
+                  <a:srgbClr val="7F0055"/>
+                </a:solidFill>
+                <a:latin typeface="Consolas" pitchFamily="49" charset="0"/>
+              </a:rPr>
+              <a:t>class</a:t>
+            </a:r>
+            <a:r>
+              <a:rPr lang="de-DE" b="1" dirty="0">
+                <a:solidFill>
+                  <a:srgbClr val="000000"/>
+                </a:solidFill>
+                <a:latin typeface="Consolas" pitchFamily="49" charset="0"/>
+              </a:rPr>
+              <a:t> Person {</a:t>
+            </a:r>
+          </a:p>
+          <a:p>
+            <a:r>
+              <a:rPr lang="de-DE" dirty="0">
+                <a:solidFill>
+                  <a:srgbClr val="000000"/>
+                </a:solidFill>
+                <a:latin typeface="Consolas" pitchFamily="49" charset="0"/>
+              </a:rPr>
+              <a:t>  String </a:t>
+            </a:r>
+            <a:r>
+              <a:rPr lang="de-DE" dirty="0" err="1" smtClean="0">
+                <a:solidFill>
+                  <a:srgbClr val="0000C0"/>
+                </a:solidFill>
+                <a:latin typeface="Consolas" pitchFamily="49" charset="0"/>
+              </a:rPr>
+              <a:t>givenName</a:t>
+            </a:r>
+            <a:r>
+              <a:rPr lang="de-DE" dirty="0" smtClean="0">
+                <a:solidFill>
+                  <a:srgbClr val="000000"/>
+                </a:solidFill>
+                <a:latin typeface="Consolas" pitchFamily="49" charset="0"/>
+              </a:rPr>
+              <a:t>;</a:t>
+            </a:r>
+            <a:endParaRPr lang="de-DE" dirty="0">
+              <a:solidFill>
+                <a:srgbClr val="000000"/>
+              </a:solidFill>
+              <a:latin typeface="Consolas" pitchFamily="49" charset="0"/>
+            </a:endParaRPr>
+          </a:p>
+          <a:p>
+            <a:r>
+              <a:rPr lang="de-DE" dirty="0">
+                <a:solidFill>
+                  <a:srgbClr val="000000"/>
+                </a:solidFill>
+                <a:latin typeface="Consolas" pitchFamily="49" charset="0"/>
+              </a:rPr>
+              <a:t>  </a:t>
+            </a:r>
+            <a:r>
+              <a:rPr lang="de-DE" dirty="0" smtClean="0">
+                <a:solidFill>
+                  <a:srgbClr val="000000"/>
+                </a:solidFill>
+                <a:latin typeface="Consolas" pitchFamily="49" charset="0"/>
+              </a:rPr>
+              <a:t>String </a:t>
+            </a:r>
+            <a:r>
+              <a:rPr lang="de-DE" dirty="0" err="1" smtClean="0">
+                <a:solidFill>
+                  <a:srgbClr val="0000C0"/>
+                </a:solidFill>
+                <a:latin typeface="Consolas" pitchFamily="49" charset="0"/>
+              </a:rPr>
+              <a:t>name</a:t>
+            </a:r>
+            <a:r>
+              <a:rPr lang="de-DE" dirty="0">
+                <a:solidFill>
+                  <a:srgbClr val="000000"/>
+                </a:solidFill>
+                <a:latin typeface="Consolas" pitchFamily="49" charset="0"/>
+              </a:rPr>
+              <a:t>;</a:t>
+            </a:r>
+          </a:p>
+          <a:p>
+            <a:r>
+              <a:rPr lang="de-DE" b="1" dirty="0">
+                <a:solidFill>
+                  <a:srgbClr val="7F0055"/>
+                </a:solidFill>
+                <a:latin typeface="Consolas" pitchFamily="49" charset="0"/>
+              </a:rPr>
+              <a:t>  </a:t>
+            </a:r>
+            <a:r>
+              <a:rPr lang="de-DE" b="1" dirty="0" err="1">
+                <a:solidFill>
+                  <a:srgbClr val="7F0055"/>
+                </a:solidFill>
+                <a:latin typeface="Consolas" pitchFamily="49" charset="0"/>
+              </a:rPr>
+              <a:t>int</a:t>
+            </a:r>
+            <a:r>
+              <a:rPr lang="de-DE" b="1" dirty="0">
+                <a:solidFill>
+                  <a:srgbClr val="000000"/>
+                </a:solidFill>
+                <a:latin typeface="Consolas" pitchFamily="49" charset="0"/>
+              </a:rPr>
+              <a:t> </a:t>
+            </a:r>
+            <a:r>
+              <a:rPr lang="de-DE" dirty="0" err="1" smtClean="0">
+                <a:solidFill>
+                  <a:srgbClr val="0000C0"/>
+                </a:solidFill>
+                <a:latin typeface="Consolas" pitchFamily="49" charset="0"/>
+              </a:rPr>
+              <a:t>age</a:t>
+            </a:r>
+            <a:r>
+              <a:rPr lang="de-DE" dirty="0" smtClean="0">
+                <a:solidFill>
+                  <a:srgbClr val="000000"/>
+                </a:solidFill>
+                <a:latin typeface="Consolas" pitchFamily="49" charset="0"/>
+              </a:rPr>
+              <a:t>;</a:t>
+            </a:r>
+            <a:endParaRPr lang="de-DE" dirty="0">
+              <a:solidFill>
+                <a:srgbClr val="000000"/>
+              </a:solidFill>
+              <a:latin typeface="Consolas" pitchFamily="49" charset="0"/>
+            </a:endParaRPr>
+          </a:p>
+          <a:p>
+            <a:r>
+              <a:rPr lang="de-DE" dirty="0">
+                <a:solidFill>
+                  <a:srgbClr val="000000"/>
+                </a:solidFill>
+                <a:latin typeface="Consolas" pitchFamily="49" charset="0"/>
+              </a:rPr>
+              <a:t>  </a:t>
+            </a:r>
+            <a:r>
+              <a:rPr lang="de-DE" dirty="0" err="1" smtClean="0">
+                <a:solidFill>
+                  <a:srgbClr val="000000"/>
+                </a:solidFill>
+                <a:latin typeface="Consolas" pitchFamily="49" charset="0"/>
+              </a:rPr>
+              <a:t>Address</a:t>
+            </a:r>
+            <a:r>
+              <a:rPr lang="de-DE" dirty="0" smtClean="0">
+                <a:solidFill>
+                  <a:srgbClr val="000000"/>
+                </a:solidFill>
+                <a:latin typeface="Consolas" pitchFamily="49" charset="0"/>
+              </a:rPr>
+              <a:t> </a:t>
+            </a:r>
+            <a:r>
+              <a:rPr lang="de-DE" dirty="0" err="1" smtClean="0">
+                <a:solidFill>
+                  <a:srgbClr val="0000C0"/>
+                </a:solidFill>
+                <a:latin typeface="Consolas" pitchFamily="49" charset="0"/>
+              </a:rPr>
+              <a:t>address</a:t>
+            </a:r>
+            <a:r>
+              <a:rPr lang="de-DE" dirty="0" smtClean="0">
+                <a:solidFill>
+                  <a:srgbClr val="000000"/>
+                </a:solidFill>
+                <a:latin typeface="Consolas" pitchFamily="49" charset="0"/>
+              </a:rPr>
+              <a:t>;</a:t>
+            </a:r>
+            <a:endParaRPr lang="de-DE" dirty="0">
+              <a:solidFill>
+                <a:srgbClr val="000000"/>
+              </a:solidFill>
+              <a:latin typeface="Consolas" pitchFamily="49" charset="0"/>
+            </a:endParaRPr>
+          </a:p>
+          <a:p>
+            <a:r>
+              <a:rPr lang="de-DE" dirty="0">
+                <a:solidFill>
+                  <a:srgbClr val="000000"/>
+                </a:solidFill>
+                <a:latin typeface="Consolas" pitchFamily="49" charset="0"/>
+              </a:rPr>
+              <a:t>}</a:t>
+            </a:r>
+          </a:p>
+        </p:txBody>
+      </p:sp>
+      <p:sp>
+        <p:nvSpPr>
+          <p:cNvPr id="6" name="Textfeld 5"/>
+          <p:cNvSpPr txBox="1">
+            <a:spLocks noChangeArrowheads="1"/>
+          </p:cNvSpPr>
+          <p:nvPr/>
+        </p:nvSpPr>
+        <p:spPr bwMode="auto">
+          <a:xfrm>
+            <a:off x="2208214" y="5226050"/>
+            <a:ext cx="992187" cy="368300"/>
+          </a:xfrm>
+          <a:prstGeom prst="rect">
+            <a:avLst/>
+          </a:prstGeom>
+          <a:noFill/>
+          <a:ln w="9525">
+            <a:noFill/>
+            <a:miter lim="800000"/>
+            <a:headEnd/>
+            <a:tailEnd/>
+          </a:ln>
+        </p:spPr>
+        <p:txBody>
+          <a:bodyPr wrap="none">
+            <a:spAutoFit/>
+          </a:bodyPr>
+          <a:lstStyle/>
+          <a:p>
+            <a:r>
+              <a:rPr lang="de-DE" dirty="0" err="1" smtClean="0">
+                <a:latin typeface="Calibri" pitchFamily="34" charset="0"/>
+              </a:rPr>
+              <a:t>Complex</a:t>
+            </a:r>
+            <a:endParaRPr lang="de-DE" dirty="0">
+              <a:latin typeface="Calibri" pitchFamily="34" charset="0"/>
+            </a:endParaRPr>
+          </a:p>
+        </p:txBody>
+      </p:sp>
+      <p:sp>
+        <p:nvSpPr>
+          <p:cNvPr id="7" name="Textfeld 6"/>
+          <p:cNvSpPr txBox="1">
+            <a:spLocks noChangeArrowheads="1"/>
+          </p:cNvSpPr>
+          <p:nvPr/>
+        </p:nvSpPr>
+        <p:spPr bwMode="auto">
+          <a:xfrm>
+            <a:off x="7824788" y="5226050"/>
+            <a:ext cx="1020792" cy="369332"/>
+          </a:xfrm>
+          <a:prstGeom prst="rect">
+            <a:avLst/>
+          </a:prstGeom>
+          <a:noFill/>
+          <a:ln w="9525">
+            <a:noFill/>
+            <a:miter lim="800000"/>
+            <a:headEnd/>
+            <a:tailEnd/>
+          </a:ln>
+        </p:spPr>
+        <p:txBody>
+          <a:bodyPr wrap="none">
+            <a:spAutoFit/>
+          </a:bodyPr>
+          <a:lstStyle/>
+          <a:p>
+            <a:r>
+              <a:rPr lang="de-DE" dirty="0" smtClean="0">
+                <a:latin typeface="Calibri" pitchFamily="34" charset="0"/>
+              </a:rPr>
+              <a:t>Primitive</a:t>
+            </a:r>
+            <a:endParaRPr lang="de-DE" dirty="0">
+              <a:latin typeface="Calibri" pitchFamily="34" charset="0"/>
+            </a:endParaRPr>
+          </a:p>
+        </p:txBody>
+      </p:sp>
+      <p:cxnSp>
+        <p:nvCxnSpPr>
+          <p:cNvPr id="9" name="Gerade Verbindung mit Pfeil 8"/>
+          <p:cNvCxnSpPr>
+            <a:stCxn id="6" idx="3"/>
+          </p:cNvCxnSpPr>
+          <p:nvPr/>
+        </p:nvCxnSpPr>
+        <p:spPr>
+          <a:xfrm flipV="1">
+            <a:off x="3200401" y="4941888"/>
+            <a:ext cx="1743075" cy="468312"/>
+          </a:xfrm>
+          <a:prstGeom prst="straightConnector1">
+            <a:avLst/>
+          </a:prstGeom>
+          <a:ln>
+            <a:tailEnd type="arrow"/>
+          </a:ln>
+        </p:spPr>
+        <p:style>
+          <a:lnRef idx="1">
+            <a:schemeClr val="accent1"/>
+          </a:lnRef>
+          <a:fillRef idx="0">
+            <a:schemeClr val="accent1"/>
+          </a:fillRef>
+          <a:effectRef idx="0">
+            <a:schemeClr val="accent1"/>
+          </a:effectRef>
+          <a:fontRef idx="minor">
+            <a:schemeClr val="tx1"/>
+          </a:fontRef>
+        </p:style>
+      </p:cxnSp>
+      <p:cxnSp>
+        <p:nvCxnSpPr>
+          <p:cNvPr id="10" name="Gerade Verbindung mit Pfeil 9"/>
+          <p:cNvCxnSpPr>
+            <a:stCxn id="6" idx="3"/>
+          </p:cNvCxnSpPr>
+          <p:nvPr/>
+        </p:nvCxnSpPr>
+        <p:spPr>
+          <a:xfrm flipV="1">
+            <a:off x="3200401" y="5175250"/>
+            <a:ext cx="1311275" cy="234950"/>
+          </a:xfrm>
+          <a:prstGeom prst="straightConnector1">
+            <a:avLst/>
+          </a:prstGeom>
+          <a:ln>
+            <a:tailEnd type="arrow"/>
+          </a:ln>
+        </p:spPr>
+        <p:style>
+          <a:lnRef idx="1">
+            <a:schemeClr val="accent1"/>
+          </a:lnRef>
+          <a:fillRef idx="0">
+            <a:schemeClr val="accent1"/>
+          </a:fillRef>
+          <a:effectRef idx="0">
+            <a:schemeClr val="accent1"/>
+          </a:effectRef>
+          <a:fontRef idx="minor">
+            <a:schemeClr val="tx1"/>
+          </a:fontRef>
+        </p:style>
+      </p:cxnSp>
+      <p:cxnSp>
+        <p:nvCxnSpPr>
+          <p:cNvPr id="13" name="Gerade Verbindung mit Pfeil 12"/>
+          <p:cNvCxnSpPr>
+            <a:stCxn id="6" idx="3"/>
+          </p:cNvCxnSpPr>
+          <p:nvPr/>
+        </p:nvCxnSpPr>
+        <p:spPr>
+          <a:xfrm>
+            <a:off x="3200401" y="5410201"/>
+            <a:ext cx="1311275" cy="34925"/>
+          </a:xfrm>
+          <a:prstGeom prst="straightConnector1">
+            <a:avLst/>
+          </a:prstGeom>
+          <a:ln>
+            <a:tailEnd type="arrow"/>
+          </a:ln>
+        </p:spPr>
+        <p:style>
+          <a:lnRef idx="1">
+            <a:schemeClr val="accent1"/>
+          </a:lnRef>
+          <a:fillRef idx="0">
+            <a:schemeClr val="accent1"/>
+          </a:fillRef>
+          <a:effectRef idx="0">
+            <a:schemeClr val="accent1"/>
+          </a:effectRef>
+          <a:fontRef idx="minor">
+            <a:schemeClr val="tx1"/>
+          </a:fontRef>
+        </p:style>
+      </p:cxnSp>
+      <p:cxnSp>
+        <p:nvCxnSpPr>
+          <p:cNvPr id="15" name="Gerade Verbindung mit Pfeil 14"/>
+          <p:cNvCxnSpPr>
+            <a:stCxn id="6" idx="3"/>
+          </p:cNvCxnSpPr>
+          <p:nvPr/>
+        </p:nvCxnSpPr>
+        <p:spPr>
+          <a:xfrm>
+            <a:off x="3200401" y="5410200"/>
+            <a:ext cx="1311275" cy="611188"/>
+          </a:xfrm>
+          <a:prstGeom prst="straightConnector1">
+            <a:avLst/>
+          </a:prstGeom>
+          <a:ln>
+            <a:tailEnd type="arrow"/>
+          </a:ln>
+        </p:spPr>
+        <p:style>
+          <a:lnRef idx="1">
+            <a:schemeClr val="accent1"/>
+          </a:lnRef>
+          <a:fillRef idx="0">
+            <a:schemeClr val="accent1"/>
+          </a:fillRef>
+          <a:effectRef idx="0">
+            <a:schemeClr val="accent1"/>
+          </a:effectRef>
+          <a:fontRef idx="minor">
+            <a:schemeClr val="tx1"/>
+          </a:fontRef>
+        </p:style>
+      </p:cxnSp>
+      <p:cxnSp>
+        <p:nvCxnSpPr>
+          <p:cNvPr id="22" name="Gerade Verbindung mit Pfeil 21"/>
+          <p:cNvCxnSpPr>
+            <a:stCxn id="7" idx="1"/>
+          </p:cNvCxnSpPr>
+          <p:nvPr/>
+        </p:nvCxnSpPr>
+        <p:spPr>
+          <a:xfrm flipH="1">
+            <a:off x="4872038" y="5410716"/>
+            <a:ext cx="2952750" cy="304284"/>
+          </a:xfrm>
+          <a:prstGeom prst="straightConnector1">
+            <a:avLst/>
+          </a:prstGeom>
+          <a:ln>
+            <a:tailEnd type="arrow"/>
+          </a:ln>
+        </p:spPr>
+        <p:style>
+          <a:lnRef idx="1">
+            <a:schemeClr val="accent1"/>
+          </a:lnRef>
+          <a:fillRef idx="0">
+            <a:schemeClr val="accent1"/>
+          </a:fillRef>
+          <a:effectRef idx="0">
+            <a:schemeClr val="accent1"/>
+          </a:effectRef>
+          <a:fontRef idx="minor">
+            <a:schemeClr val="tx1"/>
+          </a:fontRef>
+        </p:style>
+      </p:cxnSp>
+    </p:spTree>
+  </p:cSld>
+  <p:clrMapOvr>
+    <a:masterClrMapping/>
+  </p:clrMapOvr>
+  <p:timing>
+    <p:tnLst>
+      <p:par>
+        <p:cTn id="1" dur="indefinite" restart="never" nodeType="tmRoot">
+          <p:childTnLst>
+            <p:seq concurrent="1" nextAc="seek">
+              <p:cTn id="2" dur="indefinite" nodeType="mainSeq">
+                <p:childTnLst>
+                  <p:par>
+                    <p:cTn id="3" fill="hold">
+                      <p:stCondLst>
+                        <p:cond delay="indefinite"/>
+                      </p:stCondLst>
+                      <p:childTnLst>
+                        <p:par>
+                          <p:cTn id="4" fill="hold">
+                            <p:stCondLst>
+                              <p:cond delay="0"/>
+                            </p:stCondLst>
+                            <p:childTnLst>
+                              <p:par>
+                                <p:cTn id="5" presetID="10" presetClass="entr" presetSubtype="0" fill="hold" grpId="0" nodeType="clickEffect">
+                                  <p:stCondLst>
+                                    <p:cond delay="0"/>
+                                  </p:stCondLst>
+                                  <p:childTnLst>
+                                    <p:set>
+                                      <p:cBhvr>
+                                        <p:cTn id="6" dur="1" fill="hold">
+                                          <p:stCondLst>
+                                            <p:cond delay="0"/>
+                                          </p:stCondLst>
+                                        </p:cTn>
+                                        <p:tgtEl>
+                                          <p:spTgt spid="5"/>
+                                        </p:tgtEl>
+                                        <p:attrNameLst>
+                                          <p:attrName>style.visibility</p:attrName>
+                                        </p:attrNameLst>
+                                      </p:cBhvr>
+                                      <p:to>
+                                        <p:strVal val="visible"/>
+                                      </p:to>
+                                    </p:set>
+                                    <p:animEffect transition="in" filter="fade">
+                                      <p:cBhvr>
+                                        <p:cTn id="7" dur="2000"/>
+                                        <p:tgtEl>
+                                          <p:spTgt spid="5"/>
+                                        </p:tgtEl>
+                                      </p:cBhvr>
+                                    </p:animEffect>
+                                  </p:childTnLst>
+                                </p:cTn>
+                              </p:par>
+                            </p:childTnLst>
+                          </p:cTn>
+                        </p:par>
+                      </p:childTnLst>
+                    </p:cTn>
+                  </p:par>
+                  <p:par>
+                    <p:cTn id="8" fill="hold">
+                      <p:stCondLst>
+                        <p:cond delay="indefinite"/>
+                      </p:stCondLst>
+                      <p:childTnLst>
+                        <p:par>
+                          <p:cTn id="9" fill="hold">
+                            <p:stCondLst>
+                              <p:cond delay="0"/>
+                            </p:stCondLst>
+                            <p:childTnLst>
+                              <p:par>
+                                <p:cTn id="10" presetID="10" presetClass="entr" presetSubtype="0" fill="hold" grpId="0" nodeType="clickEffect">
+                                  <p:stCondLst>
+                                    <p:cond delay="0"/>
+                                  </p:stCondLst>
+                                  <p:childTnLst>
+                                    <p:set>
+                                      <p:cBhvr>
+                                        <p:cTn id="11" dur="1" fill="hold">
+                                          <p:stCondLst>
+                                            <p:cond delay="0"/>
+                                          </p:stCondLst>
+                                        </p:cTn>
+                                        <p:tgtEl>
+                                          <p:spTgt spid="6"/>
+                                        </p:tgtEl>
+                                        <p:attrNameLst>
+                                          <p:attrName>style.visibility</p:attrName>
+                                        </p:attrNameLst>
+                                      </p:cBhvr>
+                                      <p:to>
+                                        <p:strVal val="visible"/>
+                                      </p:to>
+                                    </p:set>
+                                    <p:animEffect transition="in" filter="fade">
+                                      <p:cBhvr>
+                                        <p:cTn id="12" dur="2000"/>
+                                        <p:tgtEl>
+                                          <p:spTgt spid="6"/>
+                                        </p:tgtEl>
+                                      </p:cBhvr>
+                                    </p:animEffect>
+                                  </p:childTnLst>
+                                </p:cTn>
+                              </p:par>
+                              <p:par>
+                                <p:cTn id="13" presetID="10" presetClass="entr" presetSubtype="0" fill="hold" grpId="0" nodeType="withEffect">
+                                  <p:stCondLst>
+                                    <p:cond delay="0"/>
+                                  </p:stCondLst>
+                                  <p:childTnLst>
+                                    <p:set>
+                                      <p:cBhvr>
+                                        <p:cTn id="14" dur="1" fill="hold">
+                                          <p:stCondLst>
+                                            <p:cond delay="0"/>
+                                          </p:stCondLst>
+                                        </p:cTn>
+                                        <p:tgtEl>
+                                          <p:spTgt spid="7"/>
+                                        </p:tgtEl>
+                                        <p:attrNameLst>
+                                          <p:attrName>style.visibility</p:attrName>
+                                        </p:attrNameLst>
+                                      </p:cBhvr>
+                                      <p:to>
+                                        <p:strVal val="visible"/>
+                                      </p:to>
+                                    </p:set>
+                                    <p:animEffect transition="in" filter="fade">
+                                      <p:cBhvr>
+                                        <p:cTn id="15" dur="2000"/>
+                                        <p:tgtEl>
+                                          <p:spTgt spid="7"/>
+                                        </p:tgtEl>
+                                      </p:cBhvr>
+                                    </p:animEffect>
+                                  </p:childTnLst>
+                                </p:cTn>
+                              </p:par>
+                              <p:par>
+                                <p:cTn id="16" presetID="10" presetClass="entr" presetSubtype="0" fill="hold" nodeType="withEffect">
+                                  <p:stCondLst>
+                                    <p:cond delay="0"/>
+                                  </p:stCondLst>
+                                  <p:childTnLst>
+                                    <p:set>
+                                      <p:cBhvr>
+                                        <p:cTn id="17" dur="1" fill="hold">
+                                          <p:stCondLst>
+                                            <p:cond delay="0"/>
+                                          </p:stCondLst>
+                                        </p:cTn>
+                                        <p:tgtEl>
+                                          <p:spTgt spid="9"/>
+                                        </p:tgtEl>
+                                        <p:attrNameLst>
+                                          <p:attrName>style.visibility</p:attrName>
+                                        </p:attrNameLst>
+                                      </p:cBhvr>
+                                      <p:to>
+                                        <p:strVal val="visible"/>
+                                      </p:to>
+                                    </p:set>
+                                    <p:animEffect transition="in" filter="fade">
+                                      <p:cBhvr>
+                                        <p:cTn id="18" dur="2000"/>
+                                        <p:tgtEl>
+                                          <p:spTgt spid="9"/>
+                                        </p:tgtEl>
+                                      </p:cBhvr>
+                                    </p:animEffect>
+                                  </p:childTnLst>
+                                </p:cTn>
+                              </p:par>
+                              <p:par>
+                                <p:cTn id="19" presetID="10" presetClass="entr" presetSubtype="0" fill="hold" nodeType="withEffect">
+                                  <p:stCondLst>
+                                    <p:cond delay="0"/>
+                                  </p:stCondLst>
+                                  <p:childTnLst>
+                                    <p:set>
+                                      <p:cBhvr>
+                                        <p:cTn id="20" dur="1" fill="hold">
+                                          <p:stCondLst>
+                                            <p:cond delay="0"/>
+                                          </p:stCondLst>
+                                        </p:cTn>
+                                        <p:tgtEl>
+                                          <p:spTgt spid="10"/>
+                                        </p:tgtEl>
+                                        <p:attrNameLst>
+                                          <p:attrName>style.visibility</p:attrName>
+                                        </p:attrNameLst>
+                                      </p:cBhvr>
+                                      <p:to>
+                                        <p:strVal val="visible"/>
+                                      </p:to>
+                                    </p:set>
+                                    <p:animEffect transition="in" filter="fade">
+                                      <p:cBhvr>
+                                        <p:cTn id="21" dur="2000"/>
+                                        <p:tgtEl>
+                                          <p:spTgt spid="10"/>
+                                        </p:tgtEl>
+                                      </p:cBhvr>
+                                    </p:animEffect>
+                                  </p:childTnLst>
+                                </p:cTn>
+                              </p:par>
+                              <p:par>
+                                <p:cTn id="22" presetID="10" presetClass="entr" presetSubtype="0" fill="hold" nodeType="withEffect">
+                                  <p:stCondLst>
+                                    <p:cond delay="0"/>
+                                  </p:stCondLst>
+                                  <p:childTnLst>
+                                    <p:set>
+                                      <p:cBhvr>
+                                        <p:cTn id="23" dur="1" fill="hold">
+                                          <p:stCondLst>
+                                            <p:cond delay="0"/>
+                                          </p:stCondLst>
+                                        </p:cTn>
+                                        <p:tgtEl>
+                                          <p:spTgt spid="13"/>
+                                        </p:tgtEl>
+                                        <p:attrNameLst>
+                                          <p:attrName>style.visibility</p:attrName>
+                                        </p:attrNameLst>
+                                      </p:cBhvr>
+                                      <p:to>
+                                        <p:strVal val="visible"/>
+                                      </p:to>
+                                    </p:set>
+                                    <p:animEffect transition="in" filter="fade">
+                                      <p:cBhvr>
+                                        <p:cTn id="24" dur="2000"/>
+                                        <p:tgtEl>
+                                          <p:spTgt spid="13"/>
+                                        </p:tgtEl>
+                                      </p:cBhvr>
+                                    </p:animEffect>
+                                  </p:childTnLst>
+                                </p:cTn>
+                              </p:par>
+                              <p:par>
+                                <p:cTn id="25" presetID="10" presetClass="entr" presetSubtype="0" fill="hold" nodeType="withEffect">
+                                  <p:stCondLst>
+                                    <p:cond delay="0"/>
+                                  </p:stCondLst>
+                                  <p:childTnLst>
+                                    <p:set>
+                                      <p:cBhvr>
+                                        <p:cTn id="26" dur="1" fill="hold">
+                                          <p:stCondLst>
+                                            <p:cond delay="0"/>
+                                          </p:stCondLst>
+                                        </p:cTn>
+                                        <p:tgtEl>
+                                          <p:spTgt spid="15"/>
+                                        </p:tgtEl>
+                                        <p:attrNameLst>
+                                          <p:attrName>style.visibility</p:attrName>
+                                        </p:attrNameLst>
+                                      </p:cBhvr>
+                                      <p:to>
+                                        <p:strVal val="visible"/>
+                                      </p:to>
+                                    </p:set>
+                                    <p:animEffect transition="in" filter="fade">
+                                      <p:cBhvr>
+                                        <p:cTn id="27" dur="2000"/>
+                                        <p:tgtEl>
+                                          <p:spTgt spid="15"/>
+                                        </p:tgtEl>
+                                      </p:cBhvr>
+                                    </p:animEffect>
+                                  </p:childTnLst>
+                                </p:cTn>
+                              </p:par>
+                              <p:par>
+                                <p:cTn id="28" presetID="10" presetClass="entr" presetSubtype="0" fill="hold" nodeType="withEffect">
+                                  <p:stCondLst>
+                                    <p:cond delay="0"/>
+                                  </p:stCondLst>
+                                  <p:childTnLst>
+                                    <p:set>
+                                      <p:cBhvr>
+                                        <p:cTn id="29" dur="1" fill="hold">
+                                          <p:stCondLst>
+                                            <p:cond delay="0"/>
+                                          </p:stCondLst>
+                                        </p:cTn>
+                                        <p:tgtEl>
+                                          <p:spTgt spid="22"/>
+                                        </p:tgtEl>
+                                        <p:attrNameLst>
+                                          <p:attrName>style.visibility</p:attrName>
+                                        </p:attrNameLst>
+                                      </p:cBhvr>
+                                      <p:to>
+                                        <p:strVal val="visible"/>
+                                      </p:to>
+                                    </p:set>
+                                    <p:animEffect transition="in" filter="fade">
+                                      <p:cBhvr>
+                                        <p:cTn id="30" dur="2000"/>
+                                        <p:tgtEl>
+                                          <p:spTgt spid="22"/>
+                                        </p:tgtEl>
+                                      </p:cBhvr>
+                                    </p:animEffect>
+                                  </p:childTnLst>
+                                </p:cTn>
+                              </p:par>
+                            </p:childTnLst>
+                          </p:cTn>
+                        </p:par>
+                      </p:childTnLst>
+                    </p:cTn>
+                  </p:par>
+                </p:childTnLst>
+              </p:cTn>
+              <p:prevCondLst>
+                <p:cond evt="onPrev" delay="0">
+                  <p:tgtEl>
+                    <p:sldTgt/>
+                  </p:tgtEl>
+                </p:cond>
+              </p:prevCondLst>
+              <p:nextCondLst>
+                <p:cond evt="onNext" delay="0">
+                  <p:tgtEl>
+                    <p:sldTgt/>
+                  </p:tgtEl>
+                </p:cond>
+              </p:nextCondLst>
+            </p:seq>
+          </p:childTnLst>
+        </p:cTn>
+      </p:par>
+    </p:tnLst>
+    <p:bldLst>
+      <p:bldP spid="5" grpId="0"/>
+      <p:bldP spid="6" grpId="0"/>
+      <p:bldP spid="7" grpId="0"/>
+    </p:bldLst>
+  </p:timing>
+</p:sld>
+</file>
+
+<file path=ppt/slides/slide11.xml><?xml version="1.0" encoding="utf-8"?>
+<p:sld xmlns:a="http://schemas.openxmlformats.org/drawingml/2006/main" xmlns:r="http://schemas.openxmlformats.org/officeDocument/2006/relationships" xmlns:p="http://schemas.openxmlformats.org/presentationml/2006/main">
+  <p:cSld>
+    <p:spTree>
+      <p:nvGrpSpPr>
+        <p:cNvPr id="1" name=""/>
+        <p:cNvGrpSpPr/>
+        <p:nvPr/>
+      </p:nvGrpSpPr>
+      <p:grpSpPr>
+        <a:xfrm>
+          <a:off x="0" y="0"/>
+          <a:ext cx="0" cy="0"/>
+          <a:chOff x="0" y="0"/>
+          <a:chExt cx="0" cy="0"/>
+        </a:xfrm>
+      </p:grpSpPr>
+      <p:sp>
+        <p:nvSpPr>
           <p:cNvPr id="45057" name="Titel 1"/>
           <p:cNvSpPr>
             <a:spLocks noGrp="1"/>
@@ -13172,7 +14118,7 @@
               <a:pPr>
                 <a:defRPr/>
               </a:pPr>
-              <a:t>10</a:t>
+              <a:t>11</a:t>
             </a:fld>
             <a:endParaRPr lang="de-DE"/>
           </a:p>
@@ -14976,7 +15922,7 @@
 </p:sld>
 </file>
 
-<file path=ppt/slides/slide11.xml><?xml version="1.0" encoding="utf-8"?>
+<file path=ppt/slides/slide12.xml><?xml version="1.0" encoding="utf-8"?>
 <p:sld xmlns:a="http://schemas.openxmlformats.org/drawingml/2006/main" xmlns:r="http://schemas.openxmlformats.org/officeDocument/2006/relationships" xmlns:p="http://schemas.openxmlformats.org/presentationml/2006/main">
   <p:cSld>
     <p:spTree>
@@ -15919,7 +16865,7 @@
               <a:pPr>
                 <a:defRPr/>
               </a:pPr>
-              <a:t>11</a:t>
+              <a:t>12</a:t>
             </a:fld>
             <a:endParaRPr lang="de-DE"/>
           </a:p>
@@ -15940,7 +16886,7 @@
 </p:sld>
 </file>
 
-<file path=ppt/slides/slide12.xml><?xml version="1.0" encoding="utf-8"?>
+<file path=ppt/slides/slide13.xml><?xml version="1.0" encoding="utf-8"?>
 <p:sld xmlns:a="http://schemas.openxmlformats.org/drawingml/2006/main" xmlns:r="http://schemas.openxmlformats.org/officeDocument/2006/relationships" xmlns:p="http://schemas.openxmlformats.org/presentationml/2006/main">
   <p:cSld>
     <p:spTree>
@@ -16274,7 +17220,7 @@
               <a:pPr>
                 <a:defRPr/>
               </a:pPr>
-              <a:t>12</a:t>
+              <a:t>13</a:t>
             </a:fld>
             <a:endParaRPr lang="de-DE"/>
           </a:p>
@@ -17469,7 +18415,7 @@
 </p:sld>
 </file>
 
-<file path=ppt/slides/slide13.xml><?xml version="1.0" encoding="utf-8"?>
+<file path=ppt/slides/slide14.xml><?xml version="1.0" encoding="utf-8"?>
 <p:sld xmlns:a="http://schemas.openxmlformats.org/drawingml/2006/main" xmlns:r="http://schemas.openxmlformats.org/officeDocument/2006/relationships" xmlns:p="http://schemas.openxmlformats.org/presentationml/2006/main">
   <p:cSld>
     <p:spTree>
@@ -17869,7 +18815,7 @@
               <a:pPr>
                 <a:defRPr/>
               </a:pPr>
-              <a:t>13</a:t>
+              <a:t>14</a:t>
             </a:fld>
             <a:endParaRPr lang="de-DE"/>
           </a:p>
@@ -20774,7 +21720,7 @@
 </p:sld>
 </file>
 
-<file path=ppt/slides/slide14.xml><?xml version="1.0" encoding="utf-8"?>
+<file path=ppt/slides/slide15.xml><?xml version="1.0" encoding="utf-8"?>
 <p:sld xmlns:a="http://schemas.openxmlformats.org/drawingml/2006/main" xmlns:r="http://schemas.openxmlformats.org/officeDocument/2006/relationships" xmlns:p="http://schemas.openxmlformats.org/presentationml/2006/main">
   <p:cSld>
     <p:spTree>
@@ -20873,7 +21819,7 @@
               <a:pPr>
                 <a:defRPr/>
               </a:pPr>
-              <a:t>14</a:t>
+              <a:t>15</a:t>
             </a:fld>
             <a:endParaRPr lang="de-DE"/>
           </a:p>
@@ -20929,7 +21875,7 @@
 </p:sld>
 </file>
 
-<file path=ppt/slides/slide15.xml><?xml version="1.0" encoding="utf-8"?>
+<file path=ppt/slides/slide16.xml><?xml version="1.0" encoding="utf-8"?>
 <p:sld xmlns:a="http://schemas.openxmlformats.org/drawingml/2006/main" xmlns:r="http://schemas.openxmlformats.org/officeDocument/2006/relationships" xmlns:p="http://schemas.openxmlformats.org/presentationml/2006/main">
   <p:cSld>
     <p:spTree>
@@ -21189,7 +22135,7 @@
               <a:pPr>
                 <a:defRPr/>
               </a:pPr>
-              <a:t>15</a:t>
+              <a:t>16</a:t>
             </a:fld>
             <a:endParaRPr lang="de-DE"/>
           </a:p>
@@ -21971,7 +22917,7 @@
 </p:sld>
 </file>
 
-<file path=ppt/slides/slide16.xml><?xml version="1.0" encoding="utf-8"?>
+<file path=ppt/slides/slide17.xml><?xml version="1.0" encoding="utf-8"?>
 <p:sld xmlns:a="http://schemas.openxmlformats.org/drawingml/2006/main" xmlns:r="http://schemas.openxmlformats.org/officeDocument/2006/relationships" xmlns:p="http://schemas.openxmlformats.org/presentationml/2006/main">
   <p:cSld>
     <p:spTree>
@@ -22283,7 +23229,7 @@
               <a:pPr>
                 <a:defRPr/>
               </a:pPr>
-              <a:t>16</a:t>
+              <a:t>17</a:t>
             </a:fld>
             <a:endParaRPr lang="de-DE"/>
           </a:p>
@@ -22683,7 +23629,7 @@
 </p:sld>
 </file>
 
-<file path=ppt/slides/slide17.xml><?xml version="1.0" encoding="utf-8"?>
+<file path=ppt/slides/slide18.xml><?xml version="1.0" encoding="utf-8"?>
 <p:sld xmlns:a="http://schemas.openxmlformats.org/drawingml/2006/main" xmlns:r="http://schemas.openxmlformats.org/officeDocument/2006/relationships" xmlns:p="http://schemas.openxmlformats.org/presentationml/2006/main">
   <p:cSld>
     <p:spTree>
@@ -22914,7 +23860,7 @@
               <a:pPr>
                 <a:defRPr/>
               </a:pPr>
-              <a:t>17</a:t>
+              <a:t>18</a:t>
             </a:fld>
             <a:endParaRPr lang="de-DE"/>
           </a:p>
@@ -22940,7 +23886,7 @@
 </p:sld>
 </file>
 
-<file path=ppt/slides/slide18.xml><?xml version="1.0" encoding="utf-8"?>
+<file path=ppt/slides/slide19.xml><?xml version="1.0" encoding="utf-8"?>
 <p:sld xmlns:a="http://schemas.openxmlformats.org/drawingml/2006/main" xmlns:r="http://schemas.openxmlformats.org/officeDocument/2006/relationships" xmlns:p="http://schemas.openxmlformats.org/presentationml/2006/main">
   <p:cSld>
     <p:spTree>
@@ -23010,7 +23956,7 @@
               <a:pPr>
                 <a:defRPr/>
               </a:pPr>
-              <a:t>18</a:t>
+              <a:t>19</a:t>
             </a:fld>
             <a:endParaRPr lang="de-DE"/>
           </a:p>
@@ -24969,7 +25915,144 @@
 </p:sld>
 </file>
 
-<file path=ppt/slides/slide19.xml><?xml version="1.0" encoding="utf-8"?>
+<file path=ppt/slides/slide2.xml><?xml version="1.0" encoding="utf-8"?>
+<p:sld xmlns:a="http://schemas.openxmlformats.org/drawingml/2006/main" xmlns:r="http://schemas.openxmlformats.org/officeDocument/2006/relationships" xmlns:p="http://schemas.openxmlformats.org/presentationml/2006/main">
+  <p:cSld>
+    <p:spTree>
+      <p:nvGrpSpPr>
+        <p:cNvPr id="1" name=""/>
+        <p:cNvGrpSpPr/>
+        <p:nvPr/>
+      </p:nvGrpSpPr>
+      <p:grpSpPr>
+        <a:xfrm>
+          <a:off x="0" y="0"/>
+          <a:ext cx="0" cy="0"/>
+          <a:chOff x="0" y="0"/>
+          <a:chExt cx="0" cy="0"/>
+        </a:xfrm>
+      </p:grpSpPr>
+      <p:sp>
+        <p:nvSpPr>
+          <p:cNvPr id="2" name="Titel 1"/>
+          <p:cNvSpPr>
+            <a:spLocks noGrp="1"/>
+          </p:cNvSpPr>
+          <p:nvPr>
+            <p:ph type="title"/>
+          </p:nvPr>
+        </p:nvSpPr>
+        <p:spPr/>
+        <p:txBody>
+          <a:bodyPr/>
+          <a:lstStyle/>
+          <a:p>
+            <a:endParaRPr lang="en-US"/>
+          </a:p>
+        </p:txBody>
+      </p:sp>
+      <p:sp>
+        <p:nvSpPr>
+          <p:cNvPr id="3" name="Inhaltsplatzhalter 2"/>
+          <p:cNvSpPr>
+            <a:spLocks noGrp="1"/>
+          </p:cNvSpPr>
+          <p:nvPr>
+            <p:ph idx="1"/>
+          </p:nvPr>
+        </p:nvSpPr>
+        <p:spPr/>
+        <p:txBody>
+          <a:bodyPr/>
+          <a:lstStyle/>
+          <a:p>
+            <a:r>
+              <a:rPr lang="de-DE" dirty="0" smtClean="0"/>
+              <a:t>Bring </a:t>
+            </a:r>
+            <a:r>
+              <a:rPr lang="de-DE" dirty="0" err="1" smtClean="0"/>
+              <a:t>your</a:t>
+            </a:r>
+            <a:r>
+              <a:rPr lang="de-DE" dirty="0" smtClean="0"/>
+              <a:t> </a:t>
+            </a:r>
+            <a:r>
+              <a:rPr lang="de-DE" dirty="0" err="1" smtClean="0"/>
+              <a:t>laptops</a:t>
+            </a:r>
+            <a:r>
+              <a:rPr lang="de-DE" dirty="0" smtClean="0"/>
+              <a:t> </a:t>
+            </a:r>
+            <a:r>
+              <a:rPr lang="de-DE" dirty="0" err="1" smtClean="0"/>
+              <a:t>to</a:t>
+            </a:r>
+            <a:r>
+              <a:rPr lang="de-DE" dirty="0" smtClean="0"/>
+              <a:t> </a:t>
+            </a:r>
+            <a:r>
+              <a:rPr lang="de-DE" dirty="0" err="1" smtClean="0"/>
+              <a:t>the</a:t>
+            </a:r>
+            <a:r>
+              <a:rPr lang="de-DE" dirty="0" smtClean="0"/>
+              <a:t> </a:t>
+            </a:r>
+            <a:r>
+              <a:rPr lang="de-DE" dirty="0" err="1" smtClean="0"/>
+              <a:t>excercise</a:t>
+            </a:r>
+            <a:endParaRPr lang="en-US" dirty="0"/>
+          </a:p>
+        </p:txBody>
+      </p:sp>
+      <p:sp>
+        <p:nvSpPr>
+          <p:cNvPr id="4" name="Foliennummernplatzhalter 3"/>
+          <p:cNvSpPr>
+            <a:spLocks noGrp="1"/>
+          </p:cNvSpPr>
+          <p:nvPr>
+            <p:ph type="sldNum" sz="quarter" idx="12"/>
+          </p:nvPr>
+        </p:nvSpPr>
+        <p:spPr/>
+        <p:txBody>
+          <a:bodyPr/>
+          <a:lstStyle/>
+          <a:p>
+            <a:pPr>
+              <a:defRPr/>
+            </a:pPr>
+            <a:fld id="{C0B85308-4B91-4084-B5EB-6B176834447A}" type="slidenum">
+              <a:rPr lang="de-DE" smtClean="0"/>
+              <a:pPr>
+                <a:defRPr/>
+              </a:pPr>
+              <a:t>2</a:t>
+            </a:fld>
+            <a:endParaRPr lang="de-DE" dirty="0"/>
+          </a:p>
+        </p:txBody>
+      </p:sp>
+    </p:spTree>
+    <p:extLst>
+      <p:ext uri="{BB962C8B-B14F-4D97-AF65-F5344CB8AC3E}">
+        <p14:creationId xmlns:p14="http://schemas.microsoft.com/office/powerpoint/2010/main" val="595032853"/>
+      </p:ext>
+    </p:extLst>
+  </p:cSld>
+  <p:clrMapOvr>
+    <a:masterClrMapping/>
+  </p:clrMapOvr>
+</p:sld>
+</file>
+
+<file path=ppt/slides/slide20.xml><?xml version="1.0" encoding="utf-8"?>
 <p:sld xmlns:a="http://schemas.openxmlformats.org/drawingml/2006/main" xmlns:r="http://schemas.openxmlformats.org/officeDocument/2006/relationships" xmlns:p="http://schemas.openxmlformats.org/presentationml/2006/main">
   <p:cSld>
     <p:spTree>
@@ -25457,16 +26540,9 @@
             </a:r>
             <a:r>
               <a:rPr lang="de-DE" dirty="0" err="1" smtClean="0"/>
-              <a:t>objectsKonstruktion</a:t>
-            </a:r>
-            <a:r>
-              <a:rPr lang="de-DE" dirty="0" smtClean="0"/>
-              <a:t>/Erschaffung </a:t>
-            </a:r>
-            <a:r>
-              <a:rPr lang="de-DE" dirty="0"/>
-              <a:t>neuer Objekte</a:t>
-            </a:r>
+              <a:t>objects</a:t>
+            </a:r>
+            <a:endParaRPr lang="de-DE" dirty="0"/>
           </a:p>
           <a:p>
             <a:pPr lvl="1" fontAlgn="auto">
@@ -25560,7 +26636,7 @@
               <a:pPr>
                 <a:defRPr/>
               </a:pPr>
-              <a:t>19</a:t>
+              <a:t>20</a:t>
             </a:fld>
             <a:endParaRPr lang="de-DE"/>
           </a:p>
@@ -25716,1051 +26792,7 @@
 </p:sld>
 </file>
 
-<file path=ppt/slides/slide2.xml><?xml version="1.0" encoding="utf-8"?>
-<p:sld xmlns:a="http://schemas.openxmlformats.org/drawingml/2006/main" xmlns:r="http://schemas.openxmlformats.org/officeDocument/2006/relationships" xmlns:p="http://schemas.openxmlformats.org/presentationml/2006/main">
-  <p:cSld>
-    <p:spTree>
-      <p:nvGrpSpPr>
-        <p:cNvPr id="1" name=""/>
-        <p:cNvGrpSpPr/>
-        <p:nvPr/>
-      </p:nvGrpSpPr>
-      <p:grpSpPr>
-        <a:xfrm>
-          <a:off x="0" y="0"/>
-          <a:ext cx="0" cy="0"/>
-          <a:chOff x="0" y="0"/>
-          <a:chExt cx="0" cy="0"/>
-        </a:xfrm>
-      </p:grpSpPr>
-      <p:sp>
-        <p:nvSpPr>
-          <p:cNvPr id="75777" name="Titel 1"/>
-          <p:cNvSpPr>
-            <a:spLocks noGrp="1"/>
-          </p:cNvSpPr>
-          <p:nvPr>
-            <p:ph type="title"/>
-          </p:nvPr>
-        </p:nvSpPr>
-        <p:spPr/>
-        <p:txBody>
-          <a:bodyPr/>
-          <a:lstStyle/>
-          <a:p>
-            <a:pPr eaLnBrk="1" hangingPunct="1"/>
-            <a:r>
-              <a:rPr lang="de-DE" dirty="0" smtClean="0"/>
-              <a:t>Java </a:t>
-            </a:r>
-            <a:r>
-              <a:rPr lang="de-DE" dirty="0" err="1" smtClean="0"/>
-              <a:t>Structure</a:t>
-            </a:r>
-            <a:r>
-              <a:rPr lang="de-DE" dirty="0" smtClean="0"/>
-              <a:t> I</a:t>
-            </a:r>
-            <a:endParaRPr lang="de-DE" dirty="0"/>
-          </a:p>
-        </p:txBody>
-      </p:sp>
-      <p:sp>
-        <p:nvSpPr>
-          <p:cNvPr id="3" name="Inhaltsplatzhalter 2"/>
-          <p:cNvSpPr>
-            <a:spLocks noGrp="1"/>
-          </p:cNvSpPr>
-          <p:nvPr>
-            <p:ph idx="4294967295"/>
-          </p:nvPr>
-        </p:nvSpPr>
-        <p:spPr>
-          <a:xfrm>
-            <a:off x="1631504" y="2132856"/>
-            <a:ext cx="10513168" cy="4594820"/>
-          </a:xfrm>
-        </p:spPr>
-        <p:txBody>
-          <a:bodyPr rtlCol="0">
-            <a:normAutofit fontScale="92500" lnSpcReduction="20000"/>
-          </a:bodyPr>
-          <a:lstStyle/>
-          <a:p>
-            <a:pPr fontAlgn="auto">
-              <a:spcAft>
-                <a:spcPts val="0"/>
-              </a:spcAft>
-              <a:buFont typeface="Arial" panose="020B0604020202020204" pitchFamily="34" charset="0"/>
-              <a:buChar char="•"/>
-              <a:defRPr/>
-            </a:pPr>
-            <a:r>
-              <a:rPr lang="de-DE" dirty="0" smtClean="0"/>
-              <a:t>Java </a:t>
-            </a:r>
-            <a:r>
-              <a:rPr lang="de-DE" dirty="0" err="1" smtClean="0"/>
-              <a:t>consists</a:t>
-            </a:r>
-            <a:r>
-              <a:rPr lang="de-DE" dirty="0" smtClean="0"/>
-              <a:t> </a:t>
-            </a:r>
-            <a:r>
-              <a:rPr lang="de-DE" dirty="0" err="1" smtClean="0"/>
-              <a:t>of</a:t>
-            </a:r>
-            <a:r>
-              <a:rPr lang="de-DE" dirty="0" smtClean="0"/>
-              <a:t> </a:t>
-            </a:r>
-            <a:r>
-              <a:rPr lang="de-DE" dirty="0" err="1" smtClean="0"/>
-              <a:t>two</a:t>
-            </a:r>
-            <a:r>
-              <a:rPr lang="de-DE" dirty="0" smtClean="0"/>
-              <a:t> </a:t>
-            </a:r>
-            <a:r>
-              <a:rPr lang="de-DE" dirty="0" err="1" smtClean="0"/>
-              <a:t>parts</a:t>
-            </a:r>
-            <a:r>
-              <a:rPr lang="de-DE" dirty="0" smtClean="0"/>
-              <a:t>:</a:t>
-            </a:r>
-            <a:endParaRPr lang="de-DE" dirty="0"/>
-          </a:p>
-          <a:p>
-            <a:pPr lvl="1" fontAlgn="auto">
-              <a:spcAft>
-                <a:spcPts val="0"/>
-              </a:spcAft>
-              <a:buFont typeface="Arial" panose="020B0604020202020204" pitchFamily="34" charset="0"/>
-              <a:buChar char="–"/>
-              <a:defRPr/>
-            </a:pPr>
-            <a:r>
-              <a:rPr lang="de-DE" dirty="0" err="1" smtClean="0"/>
-              <a:t>Structure</a:t>
-            </a:r>
-            <a:endParaRPr lang="de-DE" dirty="0"/>
-          </a:p>
-          <a:p>
-            <a:pPr lvl="2" fontAlgn="auto">
-              <a:spcAft>
-                <a:spcPts val="0"/>
-              </a:spcAft>
-              <a:buFont typeface="Arial" panose="020B0604020202020204" pitchFamily="34" charset="0"/>
-              <a:buChar char="•"/>
-              <a:defRPr/>
-            </a:pPr>
-            <a:r>
-              <a:rPr lang="de-DE" dirty="0" err="1" smtClean="0"/>
-              <a:t>Classes</a:t>
-            </a:r>
-            <a:endParaRPr lang="de-DE" dirty="0"/>
-          </a:p>
-          <a:p>
-            <a:pPr lvl="2" fontAlgn="auto">
-              <a:spcAft>
-                <a:spcPts val="0"/>
-              </a:spcAft>
-              <a:buFont typeface="Arial" panose="020B0604020202020204" pitchFamily="34" charset="0"/>
-              <a:buChar char="•"/>
-              <a:defRPr/>
-            </a:pPr>
-            <a:r>
-              <a:rPr lang="de-DE" dirty="0" smtClean="0"/>
-              <a:t>Objects</a:t>
-            </a:r>
-            <a:endParaRPr lang="de-DE" dirty="0"/>
-          </a:p>
-          <a:p>
-            <a:pPr lvl="2" fontAlgn="auto">
-              <a:spcAft>
-                <a:spcPts val="0"/>
-              </a:spcAft>
-              <a:buFont typeface="Arial" panose="020B0604020202020204" pitchFamily="34" charset="0"/>
-              <a:buChar char="•"/>
-              <a:defRPr/>
-            </a:pPr>
-            <a:r>
-              <a:rPr lang="de-DE" dirty="0" smtClean="0"/>
-              <a:t>Data </a:t>
-            </a:r>
-            <a:r>
-              <a:rPr lang="de-DE" dirty="0" err="1" smtClean="0"/>
-              <a:t>types</a:t>
-            </a:r>
-            <a:endParaRPr lang="de-DE" dirty="0"/>
-          </a:p>
-          <a:p>
-            <a:pPr lvl="2" fontAlgn="auto">
-              <a:spcAft>
-                <a:spcPts val="0"/>
-              </a:spcAft>
-              <a:buFont typeface="Arial" panose="020B0604020202020204" pitchFamily="34" charset="0"/>
-              <a:buChar char="•"/>
-              <a:defRPr/>
-            </a:pPr>
-            <a:r>
-              <a:rPr lang="de-DE" dirty="0" err="1" smtClean="0"/>
-              <a:t>How</a:t>
-            </a:r>
-            <a:r>
-              <a:rPr lang="de-DE" dirty="0" smtClean="0"/>
-              <a:t> </a:t>
-            </a:r>
-            <a:r>
-              <a:rPr lang="de-DE" dirty="0" err="1" smtClean="0"/>
-              <a:t>data</a:t>
-            </a:r>
-            <a:r>
-              <a:rPr lang="de-DE" dirty="0" smtClean="0"/>
-              <a:t>/</a:t>
-            </a:r>
-            <a:r>
-              <a:rPr lang="de-DE" dirty="0" err="1" smtClean="0"/>
-              <a:t>information</a:t>
-            </a:r>
-            <a:r>
-              <a:rPr lang="de-DE" dirty="0" smtClean="0"/>
-              <a:t> </a:t>
-            </a:r>
-            <a:r>
-              <a:rPr lang="de-DE" dirty="0" err="1" smtClean="0"/>
-              <a:t>is</a:t>
-            </a:r>
-            <a:r>
-              <a:rPr lang="de-DE" dirty="0" smtClean="0"/>
-              <a:t> </a:t>
-            </a:r>
-            <a:r>
-              <a:rPr lang="de-DE" dirty="0" err="1" smtClean="0"/>
-              <a:t>described</a:t>
-            </a:r>
-            <a:r>
-              <a:rPr lang="de-DE" dirty="0" smtClean="0"/>
-              <a:t> </a:t>
-            </a:r>
-            <a:r>
-              <a:rPr lang="de-DE" dirty="0" err="1" smtClean="0"/>
-              <a:t>and</a:t>
-            </a:r>
-            <a:r>
-              <a:rPr lang="de-DE" dirty="0" smtClean="0"/>
-              <a:t> </a:t>
-            </a:r>
-            <a:r>
-              <a:rPr lang="de-DE" dirty="0" err="1" smtClean="0"/>
-              <a:t>stored</a:t>
-            </a:r>
-            <a:endParaRPr lang="de-DE" dirty="0"/>
-          </a:p>
-          <a:p>
-            <a:pPr lvl="2" fontAlgn="auto">
-              <a:spcAft>
-                <a:spcPts val="0"/>
-              </a:spcAft>
-              <a:buFont typeface="Arial" panose="020B0604020202020204" pitchFamily="34" charset="0"/>
-              <a:buChar char="•"/>
-              <a:defRPr/>
-            </a:pPr>
-            <a:endParaRPr lang="de-DE" dirty="0"/>
-          </a:p>
-          <a:p>
-            <a:pPr lvl="1" fontAlgn="auto">
-              <a:spcAft>
-                <a:spcPts val="0"/>
-              </a:spcAft>
-              <a:buFont typeface="Arial" panose="020B0604020202020204" pitchFamily="34" charset="0"/>
-              <a:buChar char="–"/>
-              <a:defRPr/>
-            </a:pPr>
-            <a:r>
-              <a:rPr lang="de-DE" dirty="0" err="1" smtClean="0"/>
-              <a:t>Behavior</a:t>
-            </a:r>
-            <a:endParaRPr lang="de-DE" dirty="0"/>
-          </a:p>
-          <a:p>
-            <a:pPr lvl="2" fontAlgn="auto">
-              <a:spcAft>
-                <a:spcPts val="0"/>
-              </a:spcAft>
-              <a:buFont typeface="Arial" panose="020B0604020202020204" pitchFamily="34" charset="0"/>
-              <a:buChar char="•"/>
-              <a:defRPr/>
-            </a:pPr>
-            <a:r>
-              <a:rPr lang="de-DE" dirty="0" err="1" smtClean="0"/>
-              <a:t>Methods</a:t>
-            </a:r>
-            <a:endParaRPr lang="de-DE" dirty="0"/>
-          </a:p>
-          <a:p>
-            <a:pPr lvl="2" fontAlgn="auto">
-              <a:spcAft>
-                <a:spcPts val="0"/>
-              </a:spcAft>
-              <a:buFont typeface="Arial" panose="020B0604020202020204" pitchFamily="34" charset="0"/>
-              <a:buChar char="•"/>
-              <a:defRPr/>
-            </a:pPr>
-            <a:r>
-              <a:rPr lang="de-DE" dirty="0" err="1" smtClean="0"/>
-              <a:t>Which</a:t>
-            </a:r>
-            <a:r>
-              <a:rPr lang="de-DE" dirty="0" smtClean="0"/>
-              <a:t> </a:t>
-            </a:r>
-            <a:r>
-              <a:rPr lang="de-DE" dirty="0" err="1" smtClean="0"/>
-              <a:t>operations</a:t>
-            </a:r>
-            <a:r>
-              <a:rPr lang="de-DE" dirty="0" smtClean="0"/>
-              <a:t> </a:t>
-            </a:r>
-            <a:r>
-              <a:rPr lang="de-DE" dirty="0" err="1" smtClean="0"/>
-              <a:t>are</a:t>
-            </a:r>
-            <a:r>
-              <a:rPr lang="de-DE" dirty="0" smtClean="0"/>
-              <a:t> </a:t>
-            </a:r>
-            <a:r>
-              <a:rPr lang="de-DE" dirty="0" err="1" smtClean="0"/>
-              <a:t>executed</a:t>
-            </a:r>
-            <a:r>
-              <a:rPr lang="de-DE" dirty="0" smtClean="0"/>
-              <a:t> on </a:t>
-            </a:r>
-            <a:r>
-              <a:rPr lang="de-DE" dirty="0" err="1" smtClean="0"/>
-              <a:t>data</a:t>
-            </a:r>
-            <a:endParaRPr lang="de-DE" dirty="0"/>
-          </a:p>
-          <a:p>
-            <a:pPr fontAlgn="auto">
-              <a:spcAft>
-                <a:spcPts val="0"/>
-              </a:spcAft>
-              <a:buFont typeface="Arial" panose="020B0604020202020204" pitchFamily="34" charset="0"/>
-              <a:buChar char="•"/>
-              <a:defRPr/>
-            </a:pPr>
-            <a:r>
-              <a:rPr lang="de-DE" dirty="0" err="1" smtClean="0"/>
-              <a:t>Example</a:t>
-            </a:r>
-            <a:r>
-              <a:rPr lang="de-DE" dirty="0" smtClean="0"/>
-              <a:t>:</a:t>
-            </a:r>
-            <a:endParaRPr lang="de-DE" dirty="0"/>
-          </a:p>
-          <a:p>
-            <a:pPr lvl="1" fontAlgn="auto">
-              <a:spcAft>
-                <a:spcPts val="0"/>
-              </a:spcAft>
-              <a:buFont typeface="Arial" panose="020B0604020202020204" pitchFamily="34" charset="0"/>
-              <a:buChar char="–"/>
-              <a:defRPr/>
-            </a:pPr>
-            <a:r>
-              <a:rPr lang="de-DE" dirty="0" smtClean="0"/>
-              <a:t>Components </a:t>
-            </a:r>
-            <a:r>
-              <a:rPr lang="de-DE" dirty="0" err="1" smtClean="0"/>
-              <a:t>of</a:t>
-            </a:r>
-            <a:r>
-              <a:rPr lang="de-DE" dirty="0" smtClean="0"/>
-              <a:t> a </a:t>
-            </a:r>
-            <a:r>
-              <a:rPr lang="de-DE" dirty="0" err="1" smtClean="0"/>
-              <a:t>car</a:t>
-            </a:r>
-            <a:r>
-              <a:rPr lang="de-DE" dirty="0" smtClean="0"/>
-              <a:t> vs. </a:t>
-            </a:r>
-            <a:r>
-              <a:rPr lang="de-DE" dirty="0" err="1" smtClean="0"/>
-              <a:t>driving</a:t>
-            </a:r>
-            <a:r>
-              <a:rPr lang="de-DE" dirty="0" smtClean="0"/>
-              <a:t>, </a:t>
-            </a:r>
-            <a:r>
-              <a:rPr lang="de-DE" dirty="0" err="1" smtClean="0"/>
-              <a:t>filling</a:t>
-            </a:r>
-            <a:r>
-              <a:rPr lang="de-DE" dirty="0" smtClean="0"/>
-              <a:t> </a:t>
-            </a:r>
-            <a:r>
-              <a:rPr lang="de-DE" dirty="0" err="1" smtClean="0"/>
-              <a:t>up</a:t>
-            </a:r>
-            <a:r>
-              <a:rPr lang="de-DE" dirty="0" smtClean="0"/>
-              <a:t> gas, </a:t>
-            </a:r>
-            <a:r>
-              <a:rPr lang="de-DE" dirty="0" err="1" smtClean="0"/>
-              <a:t>scrapping</a:t>
-            </a:r>
-            <a:r>
-              <a:rPr lang="de-DE" dirty="0" smtClean="0"/>
-              <a:t> </a:t>
-            </a:r>
-            <a:r>
-              <a:rPr lang="de-DE" dirty="0" err="1" smtClean="0"/>
-              <a:t>it</a:t>
-            </a:r>
-            <a:endParaRPr lang="de-DE" dirty="0"/>
-          </a:p>
-        </p:txBody>
-      </p:sp>
-      <p:sp>
-        <p:nvSpPr>
-          <p:cNvPr id="6" name="Foliennummernplatzhalter 5"/>
-          <p:cNvSpPr>
-            <a:spLocks noGrp="1"/>
-          </p:cNvSpPr>
-          <p:nvPr>
-            <p:ph type="sldNum" sz="quarter" idx="12"/>
-          </p:nvPr>
-        </p:nvSpPr>
-        <p:spPr/>
-        <p:txBody>
-          <a:bodyPr/>
-          <a:lstStyle/>
-          <a:p>
-            <a:pPr>
-              <a:defRPr/>
-            </a:pPr>
-            <a:fld id="{CCF9CD89-10DF-4AEB-9197-E1C4B9E29FE7}" type="slidenum">
-              <a:rPr lang="de-DE"/>
-              <a:pPr>
-                <a:defRPr/>
-              </a:pPr>
-              <a:t>2</a:t>
-            </a:fld>
-            <a:endParaRPr lang="de-DE"/>
-          </a:p>
-        </p:txBody>
-      </p:sp>
-      <p:sp>
-        <p:nvSpPr>
-          <p:cNvPr id="4" name="Geschweifte Klammer rechts 3"/>
-          <p:cNvSpPr/>
-          <p:nvPr/>
-        </p:nvSpPr>
-        <p:spPr>
-          <a:xfrm rot="19243161">
-            <a:off x="8257384" y="1431091"/>
-            <a:ext cx="350837" cy="3995819"/>
-          </a:xfrm>
-          <a:prstGeom prst="rightBrace">
-            <a:avLst>
-              <a:gd name="adj1" fmla="val 58284"/>
-              <a:gd name="adj2" fmla="val 49905"/>
-            </a:avLst>
-          </a:prstGeom>
-          <a:ln w="28575">
-            <a:solidFill>
-              <a:srgbClr val="FF0000"/>
-            </a:solidFill>
-          </a:ln>
-        </p:spPr>
-        <p:style>
-          <a:lnRef idx="1">
-            <a:schemeClr val="accent1"/>
-          </a:lnRef>
-          <a:fillRef idx="0">
-            <a:schemeClr val="accent1"/>
-          </a:fillRef>
-          <a:effectRef idx="0">
-            <a:schemeClr val="accent1"/>
-          </a:effectRef>
-          <a:fontRef idx="minor">
-            <a:schemeClr val="tx1"/>
-          </a:fontRef>
-        </p:style>
-        <p:txBody>
-          <a:bodyPr anchor="ctr"/>
-          <a:lstStyle/>
-          <a:p>
-            <a:pPr algn="ctr" fontAlgn="auto">
-              <a:spcBef>
-                <a:spcPts val="0"/>
-              </a:spcBef>
-              <a:spcAft>
-                <a:spcPts val="0"/>
-              </a:spcAft>
-              <a:defRPr/>
-            </a:pPr>
-            <a:endParaRPr lang="de-DE"/>
-          </a:p>
-        </p:txBody>
-      </p:sp>
-      <p:sp>
-        <p:nvSpPr>
-          <p:cNvPr id="5" name="Textfeld 4"/>
-          <p:cNvSpPr txBox="1">
-            <a:spLocks noChangeArrowheads="1"/>
-          </p:cNvSpPr>
-          <p:nvPr/>
-        </p:nvSpPr>
-        <p:spPr bwMode="auto">
-          <a:xfrm>
-            <a:off x="7755368" y="1918644"/>
-            <a:ext cx="3927870" cy="461665"/>
-          </a:xfrm>
-          <a:prstGeom prst="rect">
-            <a:avLst/>
-          </a:prstGeom>
-          <a:noFill/>
-          <a:ln w="9525">
-            <a:noFill/>
-            <a:miter lim="800000"/>
-            <a:headEnd/>
-            <a:tailEnd/>
-          </a:ln>
-        </p:spPr>
-        <p:txBody>
-          <a:bodyPr wrap="none">
-            <a:spAutoFit/>
-          </a:bodyPr>
-          <a:lstStyle/>
-          <a:p>
-            <a:r>
-              <a:rPr lang="de-DE" sz="2400" dirty="0" err="1" smtClean="0">
-                <a:solidFill>
-                  <a:srgbClr val="FF0000"/>
-                </a:solidFill>
-                <a:latin typeface="Calibri" pitchFamily="34" charset="0"/>
-              </a:rPr>
-              <a:t>Object-oriented</a:t>
-            </a:r>
-            <a:r>
-              <a:rPr lang="de-DE" sz="2400" dirty="0" smtClean="0">
-                <a:solidFill>
-                  <a:srgbClr val="FF0000"/>
-                </a:solidFill>
-                <a:latin typeface="Calibri" pitchFamily="34" charset="0"/>
-              </a:rPr>
-              <a:t> </a:t>
-            </a:r>
-            <a:r>
-              <a:rPr lang="de-DE" sz="2400" dirty="0" err="1" smtClean="0">
-                <a:solidFill>
-                  <a:srgbClr val="FF0000"/>
-                </a:solidFill>
-                <a:latin typeface="Calibri" pitchFamily="34" charset="0"/>
-              </a:rPr>
-              <a:t>programming</a:t>
-            </a:r>
-            <a:endParaRPr lang="de-DE" sz="2400" dirty="0">
-              <a:solidFill>
-                <a:srgbClr val="FF0000"/>
-              </a:solidFill>
-              <a:latin typeface="Calibri" pitchFamily="34" charset="0"/>
-            </a:endParaRPr>
-          </a:p>
-        </p:txBody>
-      </p:sp>
-    </p:spTree>
-    <p:extLst>
-      <p:ext uri="{BB962C8B-B14F-4D97-AF65-F5344CB8AC3E}">
-        <p14:creationId xmlns:p14="http://schemas.microsoft.com/office/powerpoint/2010/main" val="2215598986"/>
-      </p:ext>
-    </p:extLst>
-  </p:cSld>
-  <p:clrMapOvr>
-    <a:masterClrMapping/>
-  </p:clrMapOvr>
-  <p:timing>
-    <p:tnLst>
-      <p:par>
-        <p:cTn id="1" dur="indefinite" restart="never" nodeType="tmRoot">
-          <p:childTnLst>
-            <p:seq concurrent="1" nextAc="seek">
-              <p:cTn id="2" dur="indefinite" nodeType="mainSeq">
-                <p:childTnLst>
-                  <p:par>
-                    <p:cTn id="3" fill="hold">
-                      <p:stCondLst>
-                        <p:cond delay="indefinite"/>
-                        <p:cond evt="onBegin" delay="0">
-                          <p:tn val="2"/>
-                        </p:cond>
-                      </p:stCondLst>
-                      <p:childTnLst>
-                        <p:par>
-                          <p:cTn id="4" fill="hold">
-                            <p:stCondLst>
-                              <p:cond delay="0"/>
-                            </p:stCondLst>
-                            <p:childTnLst>
-                              <p:par>
-                                <p:cTn id="5" presetID="10" presetClass="entr" presetSubtype="0" fill="hold" nodeType="withEffect">
-                                  <p:stCondLst>
-                                    <p:cond delay="0"/>
-                                  </p:stCondLst>
-                                  <p:childTnLst>
-                                    <p:set>
-                                      <p:cBhvr>
-                                        <p:cTn id="6" dur="1" fill="hold">
-                                          <p:stCondLst>
-                                            <p:cond delay="0"/>
-                                          </p:stCondLst>
-                                        </p:cTn>
-                                        <p:tgtEl>
-                                          <p:spTgt spid="3">
-                                            <p:txEl>
-                                              <p:pRg st="4" end="4"/>
-                                            </p:txEl>
-                                          </p:spTgt>
-                                        </p:tgtEl>
-                                        <p:attrNameLst>
-                                          <p:attrName>style.visibility</p:attrName>
-                                        </p:attrNameLst>
-                                      </p:cBhvr>
-                                      <p:to>
-                                        <p:strVal val="visible"/>
-                                      </p:to>
-                                    </p:set>
-                                    <p:animEffect transition="in" filter="fade">
-                                      <p:cBhvr>
-                                        <p:cTn id="7" dur="1000"/>
-                                        <p:tgtEl>
-                                          <p:spTgt spid="3">
-                                            <p:txEl>
-                                              <p:pRg st="4" end="4"/>
-                                            </p:txEl>
-                                          </p:spTgt>
-                                        </p:tgtEl>
-                                      </p:cBhvr>
-                                    </p:animEffect>
-                                  </p:childTnLst>
-                                </p:cTn>
-                              </p:par>
-                              <p:par>
-                                <p:cTn id="8" presetID="10" presetClass="entr" presetSubtype="0" fill="hold" nodeType="withEffect">
-                                  <p:stCondLst>
-                                    <p:cond delay="0"/>
-                                  </p:stCondLst>
-                                  <p:childTnLst>
-                                    <p:set>
-                                      <p:cBhvr>
-                                        <p:cTn id="9" dur="1" fill="hold">
-                                          <p:stCondLst>
-                                            <p:cond delay="0"/>
-                                          </p:stCondLst>
-                                        </p:cTn>
-                                        <p:tgtEl>
-                                          <p:spTgt spid="3">
-                                            <p:txEl>
-                                              <p:pRg st="5" end="5"/>
-                                            </p:txEl>
-                                          </p:spTgt>
-                                        </p:tgtEl>
-                                        <p:attrNameLst>
-                                          <p:attrName>style.visibility</p:attrName>
-                                        </p:attrNameLst>
-                                      </p:cBhvr>
-                                      <p:to>
-                                        <p:strVal val="visible"/>
-                                      </p:to>
-                                    </p:set>
-                                    <p:animEffect transition="in" filter="fade">
-                                      <p:cBhvr>
-                                        <p:cTn id="10" dur="1000"/>
-                                        <p:tgtEl>
-                                          <p:spTgt spid="3">
-                                            <p:txEl>
-                                              <p:pRg st="5" end="5"/>
-                                            </p:txEl>
-                                          </p:spTgt>
-                                        </p:tgtEl>
-                                      </p:cBhvr>
-                                    </p:animEffect>
-                                  </p:childTnLst>
-                                </p:cTn>
-                              </p:par>
-                              <p:par>
-                                <p:cTn id="11" presetID="10" presetClass="entr" presetSubtype="0" fill="hold" nodeType="withEffect">
-                                  <p:stCondLst>
-                                    <p:cond delay="0"/>
-                                  </p:stCondLst>
-                                  <p:childTnLst>
-                                    <p:set>
-                                      <p:cBhvr>
-                                        <p:cTn id="12" dur="1" fill="hold">
-                                          <p:stCondLst>
-                                            <p:cond delay="0"/>
-                                          </p:stCondLst>
-                                        </p:cTn>
-                                        <p:tgtEl>
-                                          <p:spTgt spid="3">
-                                            <p:txEl>
-                                              <p:pRg st="7" end="7"/>
-                                            </p:txEl>
-                                          </p:spTgt>
-                                        </p:tgtEl>
-                                        <p:attrNameLst>
-                                          <p:attrName>style.visibility</p:attrName>
-                                        </p:attrNameLst>
-                                      </p:cBhvr>
-                                      <p:to>
-                                        <p:strVal val="visible"/>
-                                      </p:to>
-                                    </p:set>
-                                    <p:animEffect transition="in" filter="fade">
-                                      <p:cBhvr>
-                                        <p:cTn id="13" dur="1000"/>
-                                        <p:tgtEl>
-                                          <p:spTgt spid="3">
-                                            <p:txEl>
-                                              <p:pRg st="7" end="7"/>
-                                            </p:txEl>
-                                          </p:spTgt>
-                                        </p:tgtEl>
-                                      </p:cBhvr>
-                                    </p:animEffect>
-                                  </p:childTnLst>
-                                </p:cTn>
-                              </p:par>
-                              <p:par>
-                                <p:cTn id="14" presetID="10" presetClass="entr" presetSubtype="0" fill="hold" nodeType="withEffect">
-                                  <p:stCondLst>
-                                    <p:cond delay="0"/>
-                                  </p:stCondLst>
-                                  <p:childTnLst>
-                                    <p:set>
-                                      <p:cBhvr>
-                                        <p:cTn id="15" dur="1" fill="hold">
-                                          <p:stCondLst>
-                                            <p:cond delay="0"/>
-                                          </p:stCondLst>
-                                        </p:cTn>
-                                        <p:tgtEl>
-                                          <p:spTgt spid="3">
-                                            <p:txEl>
-                                              <p:pRg st="8" end="8"/>
-                                            </p:txEl>
-                                          </p:spTgt>
-                                        </p:tgtEl>
-                                        <p:attrNameLst>
-                                          <p:attrName>style.visibility</p:attrName>
-                                        </p:attrNameLst>
-                                      </p:cBhvr>
-                                      <p:to>
-                                        <p:strVal val="visible"/>
-                                      </p:to>
-                                    </p:set>
-                                    <p:animEffect transition="in" filter="fade">
-                                      <p:cBhvr>
-                                        <p:cTn id="16" dur="1000"/>
-                                        <p:tgtEl>
-                                          <p:spTgt spid="3">
-                                            <p:txEl>
-                                              <p:pRg st="8" end="8"/>
-                                            </p:txEl>
-                                          </p:spTgt>
-                                        </p:tgtEl>
-                                      </p:cBhvr>
-                                    </p:animEffect>
-                                  </p:childTnLst>
-                                </p:cTn>
-                              </p:par>
-                              <p:par>
-                                <p:cTn id="17" presetID="10" presetClass="entr" presetSubtype="0" fill="hold" nodeType="withEffect">
-                                  <p:stCondLst>
-                                    <p:cond delay="0"/>
-                                  </p:stCondLst>
-                                  <p:childTnLst>
-                                    <p:set>
-                                      <p:cBhvr>
-                                        <p:cTn id="18" dur="1" fill="hold">
-                                          <p:stCondLst>
-                                            <p:cond delay="0"/>
-                                          </p:stCondLst>
-                                        </p:cTn>
-                                        <p:tgtEl>
-                                          <p:spTgt spid="3">
-                                            <p:txEl>
-                                              <p:pRg st="9" end="9"/>
-                                            </p:txEl>
-                                          </p:spTgt>
-                                        </p:tgtEl>
-                                        <p:attrNameLst>
-                                          <p:attrName>style.visibility</p:attrName>
-                                        </p:attrNameLst>
-                                      </p:cBhvr>
-                                      <p:to>
-                                        <p:strVal val="visible"/>
-                                      </p:to>
-                                    </p:set>
-                                    <p:animEffect transition="in" filter="fade">
-                                      <p:cBhvr>
-                                        <p:cTn id="19" dur="1000"/>
-                                        <p:tgtEl>
-                                          <p:spTgt spid="3">
-                                            <p:txEl>
-                                              <p:pRg st="9" end="9"/>
-                                            </p:txEl>
-                                          </p:spTgt>
-                                        </p:tgtEl>
-                                      </p:cBhvr>
-                                    </p:animEffect>
-                                  </p:childTnLst>
-                                </p:cTn>
-                              </p:par>
-                            </p:childTnLst>
-                          </p:cTn>
-                        </p:par>
-                      </p:childTnLst>
-                    </p:cTn>
-                  </p:par>
-                  <p:par>
-                    <p:cTn id="20" fill="hold">
-                      <p:stCondLst>
-                        <p:cond delay="indefinite"/>
-                      </p:stCondLst>
-                      <p:childTnLst>
-                        <p:par>
-                          <p:cTn id="21" fill="hold">
-                            <p:stCondLst>
-                              <p:cond delay="0"/>
-                            </p:stCondLst>
-                            <p:childTnLst>
-                              <p:par>
-                                <p:cTn id="22" presetID="10" presetClass="entr" presetSubtype="0" fill="hold" nodeType="clickEffect">
-                                  <p:stCondLst>
-                                    <p:cond delay="0"/>
-                                  </p:stCondLst>
-                                  <p:childTnLst>
-                                    <p:set>
-                                      <p:cBhvr>
-                                        <p:cTn id="23" dur="1" fill="hold">
-                                          <p:stCondLst>
-                                            <p:cond delay="0"/>
-                                          </p:stCondLst>
-                                        </p:cTn>
-                                        <p:tgtEl>
-                                          <p:spTgt spid="3">
-                                            <p:txEl>
-                                              <p:pRg st="10" end="10"/>
-                                            </p:txEl>
-                                          </p:spTgt>
-                                        </p:tgtEl>
-                                        <p:attrNameLst>
-                                          <p:attrName>style.visibility</p:attrName>
-                                        </p:attrNameLst>
-                                      </p:cBhvr>
-                                      <p:to>
-                                        <p:strVal val="visible"/>
-                                      </p:to>
-                                    </p:set>
-                                    <p:animEffect transition="in" filter="fade">
-                                      <p:cBhvr>
-                                        <p:cTn id="24" dur="1000"/>
-                                        <p:tgtEl>
-                                          <p:spTgt spid="3">
-                                            <p:txEl>
-                                              <p:pRg st="10" end="10"/>
-                                            </p:txEl>
-                                          </p:spTgt>
-                                        </p:tgtEl>
-                                      </p:cBhvr>
-                                    </p:animEffect>
-                                  </p:childTnLst>
-                                </p:cTn>
-                              </p:par>
-                              <p:par>
-                                <p:cTn id="25" presetID="10" presetClass="entr" presetSubtype="0" fill="hold" nodeType="withEffect">
-                                  <p:stCondLst>
-                                    <p:cond delay="0"/>
-                                  </p:stCondLst>
-                                  <p:childTnLst>
-                                    <p:set>
-                                      <p:cBhvr>
-                                        <p:cTn id="26" dur="1" fill="hold">
-                                          <p:stCondLst>
-                                            <p:cond delay="0"/>
-                                          </p:stCondLst>
-                                        </p:cTn>
-                                        <p:tgtEl>
-                                          <p:spTgt spid="3">
-                                            <p:txEl>
-                                              <p:pRg st="11" end="11"/>
-                                            </p:txEl>
-                                          </p:spTgt>
-                                        </p:tgtEl>
-                                        <p:attrNameLst>
-                                          <p:attrName>style.visibility</p:attrName>
-                                        </p:attrNameLst>
-                                      </p:cBhvr>
-                                      <p:to>
-                                        <p:strVal val="visible"/>
-                                      </p:to>
-                                    </p:set>
-                                    <p:animEffect transition="in" filter="fade">
-                                      <p:cBhvr>
-                                        <p:cTn id="27" dur="1000"/>
-                                        <p:tgtEl>
-                                          <p:spTgt spid="3">
-                                            <p:txEl>
-                                              <p:pRg st="11" end="11"/>
-                                            </p:txEl>
-                                          </p:spTgt>
-                                        </p:tgtEl>
-                                      </p:cBhvr>
-                                    </p:animEffect>
-                                  </p:childTnLst>
-                                </p:cTn>
-                              </p:par>
-                            </p:childTnLst>
-                          </p:cTn>
-                        </p:par>
-                      </p:childTnLst>
-                    </p:cTn>
-                  </p:par>
-                  <p:par>
-                    <p:cTn id="28" fill="hold">
-                      <p:stCondLst>
-                        <p:cond delay="indefinite"/>
-                      </p:stCondLst>
-                      <p:childTnLst>
-                        <p:par>
-                          <p:cTn id="29" fill="hold">
-                            <p:stCondLst>
-                              <p:cond delay="0"/>
-                            </p:stCondLst>
-                            <p:childTnLst>
-                              <p:par>
-                                <p:cTn id="30" presetID="10" presetClass="entr" presetSubtype="0" fill="hold" grpId="0" nodeType="clickEffect">
-                                  <p:stCondLst>
-                                    <p:cond delay="0"/>
-                                  </p:stCondLst>
-                                  <p:childTnLst>
-                                    <p:set>
-                                      <p:cBhvr>
-                                        <p:cTn id="31" dur="1" fill="hold">
-                                          <p:stCondLst>
-                                            <p:cond delay="0"/>
-                                          </p:stCondLst>
-                                        </p:cTn>
-                                        <p:tgtEl>
-                                          <p:spTgt spid="4"/>
-                                        </p:tgtEl>
-                                        <p:attrNameLst>
-                                          <p:attrName>style.visibility</p:attrName>
-                                        </p:attrNameLst>
-                                      </p:cBhvr>
-                                      <p:to>
-                                        <p:strVal val="visible"/>
-                                      </p:to>
-                                    </p:set>
-                                    <p:animEffect transition="in" filter="fade">
-                                      <p:cBhvr>
-                                        <p:cTn id="32" dur="1000"/>
-                                        <p:tgtEl>
-                                          <p:spTgt spid="4"/>
-                                        </p:tgtEl>
-                                      </p:cBhvr>
-                                    </p:animEffect>
-                                  </p:childTnLst>
-                                </p:cTn>
-                              </p:par>
-                              <p:par>
-                                <p:cTn id="33" presetID="10" presetClass="entr" presetSubtype="0" fill="hold" grpId="0" nodeType="withEffect">
-                                  <p:stCondLst>
-                                    <p:cond delay="0"/>
-                                  </p:stCondLst>
-                                  <p:childTnLst>
-                                    <p:set>
-                                      <p:cBhvr>
-                                        <p:cTn id="34" dur="1" fill="hold">
-                                          <p:stCondLst>
-                                            <p:cond delay="0"/>
-                                          </p:stCondLst>
-                                        </p:cTn>
-                                        <p:tgtEl>
-                                          <p:spTgt spid="5"/>
-                                        </p:tgtEl>
-                                        <p:attrNameLst>
-                                          <p:attrName>style.visibility</p:attrName>
-                                        </p:attrNameLst>
-                                      </p:cBhvr>
-                                      <p:to>
-                                        <p:strVal val="visible"/>
-                                      </p:to>
-                                    </p:set>
-                                    <p:animEffect transition="in" filter="fade">
-                                      <p:cBhvr>
-                                        <p:cTn id="35" dur="1000"/>
-                                        <p:tgtEl>
-                                          <p:spTgt spid="5"/>
-                                        </p:tgtEl>
-                                      </p:cBhvr>
-                                    </p:animEffect>
-                                  </p:childTnLst>
-                                </p:cTn>
-                              </p:par>
-                            </p:childTnLst>
-                          </p:cTn>
-                        </p:par>
-                      </p:childTnLst>
-                    </p:cTn>
-                  </p:par>
-                </p:childTnLst>
-              </p:cTn>
-              <p:prevCondLst>
-                <p:cond evt="onPrev" delay="0">
-                  <p:tgtEl>
-                    <p:sldTgt/>
-                  </p:tgtEl>
-                </p:cond>
-              </p:prevCondLst>
-              <p:nextCondLst>
-                <p:cond evt="onNext" delay="0">
-                  <p:tgtEl>
-                    <p:sldTgt/>
-                  </p:tgtEl>
-                </p:cond>
-              </p:nextCondLst>
-            </p:seq>
-          </p:childTnLst>
-        </p:cTn>
-      </p:par>
-    </p:tnLst>
-    <p:bldLst>
-      <p:bldP spid="4" grpId="0" animBg="1"/>
-      <p:bldP spid="5" grpId="0"/>
-    </p:bldLst>
-  </p:timing>
-</p:sld>
-</file>
-
-<file path=ppt/slides/slide20.xml><?xml version="1.0" encoding="utf-8"?>
+<file path=ppt/slides/slide21.xml><?xml version="1.0" encoding="utf-8"?>
 <p:sld xmlns:a="http://schemas.openxmlformats.org/drawingml/2006/main" xmlns:r="http://schemas.openxmlformats.org/officeDocument/2006/relationships" xmlns:p="http://schemas.openxmlformats.org/presentationml/2006/main">
   <p:cSld>
     <p:spTree>
@@ -26842,7 +26874,7 @@
         <p:spPr bwMode="auto">
           <a:xfrm>
             <a:off x="1919289" y="1916113"/>
-            <a:ext cx="4887748" cy="830997"/>
+            <a:ext cx="8608703" cy="830997"/>
           </a:xfrm>
           <a:prstGeom prst="rect">
             <a:avLst/>
@@ -26880,6 +26912,24 @@
               <a:t> </a:t>
             </a:r>
             <a:r>
+              <a:rPr lang="de-DE" sz="4800" dirty="0" err="1" smtClean="0">
+                <a:solidFill>
+                  <a:schemeClr val="bg1"/>
+                </a:solidFill>
+                <a:latin typeface="Calibri" pitchFamily="34" charset="0"/>
+              </a:rPr>
+              <a:t>and</a:t>
+            </a:r>
+            <a:r>
+              <a:rPr lang="de-DE" sz="4800" dirty="0" smtClean="0">
+                <a:solidFill>
+                  <a:schemeClr val="bg1"/>
+                </a:solidFill>
+                <a:latin typeface="Calibri" pitchFamily="34" charset="0"/>
+              </a:rPr>
+              <a:t> Operators </a:t>
+            </a:r>
+            <a:r>
               <a:rPr lang="de-DE" sz="4800" dirty="0">
                 <a:solidFill>
                   <a:schemeClr val="bg1"/>
@@ -26933,7 +26983,7 @@
               <a:pPr>
                 <a:defRPr/>
               </a:pPr>
-              <a:t>20</a:t>
+              <a:t>21</a:t>
             </a:fld>
             <a:endParaRPr lang="de-DE" dirty="0"/>
           </a:p>
@@ -26959,7 +27009,7 @@
 </p:sld>
 </file>
 
-<file path=ppt/slides/slide21.xml><?xml version="1.0" encoding="utf-8"?>
+<file path=ppt/slides/slide22.xml><?xml version="1.0" encoding="utf-8"?>
 <p:sld xmlns:a="http://schemas.openxmlformats.org/drawingml/2006/main" xmlns:r="http://schemas.openxmlformats.org/officeDocument/2006/relationships" xmlns:p="http://schemas.openxmlformats.org/presentationml/2006/main">
   <p:cSld>
     <p:spTree>
@@ -27283,7 +27333,7 @@
               <a:pPr>
                 <a:defRPr/>
               </a:pPr>
-              <a:t>21</a:t>
+              <a:t>22</a:t>
             </a:fld>
             <a:endParaRPr lang="de-DE"/>
           </a:p>
@@ -27309,7 +27359,7 @@
 </p:sld>
 </file>
 
-<file path=ppt/slides/slide22.xml><?xml version="1.0" encoding="utf-8"?>
+<file path=ppt/slides/slide23.xml><?xml version="1.0" encoding="utf-8"?>
 <p:sld xmlns:a="http://schemas.openxmlformats.org/drawingml/2006/main" xmlns:r="http://schemas.openxmlformats.org/officeDocument/2006/relationships" xmlns:p="http://schemas.openxmlformats.org/presentationml/2006/main">
   <p:cSld>
     <p:spTree>
@@ -27987,7 +28037,7 @@
               <a:pPr>
                 <a:defRPr/>
               </a:pPr>
-              <a:t>22</a:t>
+              <a:t>23</a:t>
             </a:fld>
             <a:endParaRPr lang="de-DE"/>
           </a:p>
@@ -28117,7 +28167,7 @@
 </p:sld>
 </file>
 
-<file path=ppt/slides/slide23.xml><?xml version="1.0" encoding="utf-8"?>
+<file path=ppt/slides/slide24.xml><?xml version="1.0" encoding="utf-8"?>
 <p:sld xmlns:a="http://schemas.openxmlformats.org/drawingml/2006/main" xmlns:r="http://schemas.openxmlformats.org/officeDocument/2006/relationships" xmlns:p="http://schemas.openxmlformats.org/presentationml/2006/main">
   <p:cSld>
     <p:spTree>
@@ -28180,7 +28230,7 @@
               <a:pPr>
                 <a:defRPr/>
               </a:pPr>
-              <a:t>23</a:t>
+              <a:t>24</a:t>
             </a:fld>
             <a:endParaRPr lang="de-DE"/>
           </a:p>
@@ -29336,7 +29386,7 @@
 </p:sld>
 </file>
 
-<file path=ppt/slides/slide24.xml><?xml version="1.0" encoding="utf-8"?>
+<file path=ppt/slides/slide25.xml><?xml version="1.0" encoding="utf-8"?>
 <p:sld xmlns:a="http://schemas.openxmlformats.org/drawingml/2006/main" xmlns:r="http://schemas.openxmlformats.org/officeDocument/2006/relationships" xmlns:p="http://schemas.openxmlformats.org/presentationml/2006/main">
   <p:cSld>
     <p:spTree>
@@ -29796,7 +29846,7 @@
               <a:pPr>
                 <a:defRPr/>
               </a:pPr>
-              <a:t>24</a:t>
+              <a:t>25</a:t>
             </a:fld>
             <a:endParaRPr lang="de-DE"/>
           </a:p>
@@ -29909,7 +29959,7 @@
 </p:sld>
 </file>
 
-<file path=ppt/slides/slide25.xml><?xml version="1.0" encoding="utf-8"?>
+<file path=ppt/slides/slide26.xml><?xml version="1.0" encoding="utf-8"?>
 <p:sld xmlns:a="http://schemas.openxmlformats.org/drawingml/2006/main" xmlns:r="http://schemas.openxmlformats.org/officeDocument/2006/relationships" xmlns:p="http://schemas.openxmlformats.org/presentationml/2006/main">
   <p:cSld>
     <p:spTree>
@@ -30238,8 +30288,28 @@
                 </a:solidFill>
                 <a:latin typeface="Consolas"/>
               </a:rPr>
-              <a:t>// e = 2147483616</a:t>
-            </a:r>
+              <a:t>// e = </a:t>
+            </a:r>
+            <a:r>
+              <a:rPr lang="en-US" sz="2800" i="1" dirty="0" smtClean="0">
+                <a:solidFill>
+                  <a:srgbClr val="3F7F5F"/>
+                </a:solidFill>
+                <a:latin typeface="Consolas"/>
+              </a:rPr>
+              <a:t>2147483616</a:t>
+            </a:r>
+          </a:p>
+          <a:p>
+            <a:pPr marL="0" indent="0">
+              <a:buNone/>
+            </a:pPr>
+            <a:endParaRPr lang="en-US" sz="2800" i="1" dirty="0">
+              <a:solidFill>
+                <a:srgbClr val="3F7F5F"/>
+              </a:solidFill>
+              <a:latin typeface="Consolas"/>
+            </a:endParaRPr>
           </a:p>
           <a:p>
             <a:pPr marL="0" indent="0">
@@ -30285,7 +30355,7 @@
               <a:pPr>
                 <a:defRPr/>
               </a:pPr>
-              <a:t>25</a:t>
+              <a:t>26</a:t>
             </a:fld>
             <a:endParaRPr lang="de-DE"/>
           </a:p>
@@ -32229,7 +32299,7 @@
 </p:sld>
 </file>
 
-<file path=ppt/slides/slide26.xml><?xml version="1.0" encoding="utf-8"?>
+<file path=ppt/slides/slide27.xml><?xml version="1.0" encoding="utf-8"?>
 <p:sld xmlns:a="http://schemas.openxmlformats.org/drawingml/2006/main" xmlns:r="http://schemas.openxmlformats.org/officeDocument/2006/relationships" xmlns:p="http://schemas.openxmlformats.org/presentationml/2006/main">
   <p:cSld>
     <p:spTree>
@@ -32508,7 +32578,7 @@
               <a:pPr>
                 <a:defRPr/>
               </a:pPr>
-              <a:t>26</a:t>
+              <a:t>27</a:t>
             </a:fld>
             <a:endParaRPr lang="de-DE"/>
           </a:p>
@@ -32641,8 +32711,23 @@
                 </a:solidFill>
                 <a:latin typeface="Consolas" pitchFamily="49" charset="0"/>
               </a:rPr>
-              <a:t>//num2 = [Operation] num1; kurz für:</a:t>
-            </a:r>
+              <a:t>//num2 = [Operation] num1; </a:t>
+            </a:r>
+            <a:r>
+              <a:rPr lang="pt-BR" sz="1200" dirty="0" smtClean="0">
+                <a:solidFill>
+                  <a:srgbClr val="3F7F5F"/>
+                </a:solidFill>
+                <a:latin typeface="Consolas" pitchFamily="49" charset="0"/>
+              </a:rPr>
+              <a:t>short for:</a:t>
+            </a:r>
+            <a:endParaRPr lang="pt-BR" sz="1200" dirty="0">
+              <a:solidFill>
+                <a:srgbClr val="3F7F5F"/>
+              </a:solidFill>
+              <a:latin typeface="Consolas" pitchFamily="49" charset="0"/>
+            </a:endParaRPr>
           </a:p>
           <a:p>
             <a:r>
@@ -32726,7 +32811,25 @@
                 </a:solidFill>
                 <a:latin typeface="Consolas" pitchFamily="49" charset="0"/>
               </a:rPr>
-              <a:t>	kurz für  num2 = num1;</a:t>
+              <a:t>	</a:t>
+            </a:r>
+            <a:r>
+              <a:rPr lang="pt-BR" sz="1200" dirty="0" smtClean="0">
+                <a:solidFill>
+                  <a:srgbClr val="3F7F5F"/>
+                </a:solidFill>
+                <a:latin typeface="Consolas" pitchFamily="49" charset="0"/>
+              </a:rPr>
+              <a:t>short for num2 </a:t>
+            </a:r>
+            <a:r>
+              <a:rPr lang="pt-BR" sz="1200" dirty="0">
+                <a:solidFill>
+                  <a:srgbClr val="3F7F5F"/>
+                </a:solidFill>
+                <a:latin typeface="Consolas" pitchFamily="49" charset="0"/>
+              </a:rPr>
+              <a:t>= num1;</a:t>
             </a:r>
           </a:p>
           <a:p>
@@ -32913,549 +33016,6 @@
     <p:extLst>
       <p:ext uri="{BB962C8B-B14F-4D97-AF65-F5344CB8AC3E}">
         <p14:creationId xmlns:p14="http://schemas.microsoft.com/office/powerpoint/2010/main" val="3982543409"/>
-      </p:ext>
-    </p:extLst>
-  </p:cSld>
-  <p:clrMapOvr>
-    <a:masterClrMapping/>
-  </p:clrMapOvr>
-  <p:timing>
-    <p:tnLst>
-      <p:par>
-        <p:cTn id="1" dur="indefinite" restart="never" nodeType="tmRoot"/>
-      </p:par>
-    </p:tnLst>
-  </p:timing>
-</p:sld>
-</file>
-
-<file path=ppt/slides/slide27.xml><?xml version="1.0" encoding="utf-8"?>
-<p:sld xmlns:a="http://schemas.openxmlformats.org/drawingml/2006/main" xmlns:r="http://schemas.openxmlformats.org/officeDocument/2006/relationships" xmlns:p="http://schemas.openxmlformats.org/presentationml/2006/main">
-  <p:cSld>
-    <p:spTree>
-      <p:nvGrpSpPr>
-        <p:cNvPr id="1" name=""/>
-        <p:cNvGrpSpPr/>
-        <p:nvPr/>
-      </p:nvGrpSpPr>
-      <p:grpSpPr>
-        <a:xfrm>
-          <a:off x="0" y="0"/>
-          <a:ext cx="0" cy="0"/>
-          <a:chOff x="0" y="0"/>
-          <a:chExt cx="0" cy="0"/>
-        </a:xfrm>
-      </p:grpSpPr>
-      <p:sp>
-        <p:nvSpPr>
-          <p:cNvPr id="55297" name="Titel 1"/>
-          <p:cNvSpPr>
-            <a:spLocks noGrp="1"/>
-          </p:cNvSpPr>
-          <p:nvPr>
-            <p:ph type="title"/>
-          </p:nvPr>
-        </p:nvSpPr>
-        <p:spPr/>
-        <p:txBody>
-          <a:bodyPr/>
-          <a:lstStyle/>
-          <a:p>
-            <a:r>
-              <a:rPr lang="de-DE" dirty="0" smtClean="0"/>
-              <a:t>Binding </a:t>
-            </a:r>
-            <a:r>
-              <a:rPr lang="de-DE" dirty="0" err="1" smtClean="0"/>
-              <a:t>Priorities</a:t>
-            </a:r>
-            <a:r>
-              <a:rPr lang="de-DE" dirty="0" smtClean="0"/>
-              <a:t> (</a:t>
-            </a:r>
-            <a:r>
-              <a:rPr lang="de-DE" dirty="0" err="1" smtClean="0"/>
-              <a:t>What</a:t>
-            </a:r>
-            <a:r>
-              <a:rPr lang="de-DE" dirty="0" smtClean="0"/>
-              <a:t> </a:t>
-            </a:r>
-            <a:r>
-              <a:rPr lang="de-DE" dirty="0" err="1" smtClean="0"/>
-              <a:t>is</a:t>
-            </a:r>
-            <a:r>
-              <a:rPr lang="de-DE" dirty="0" smtClean="0"/>
-              <a:t> </a:t>
-            </a:r>
-            <a:r>
-              <a:rPr lang="de-DE" dirty="0" err="1" smtClean="0"/>
-              <a:t>Evaluated</a:t>
-            </a:r>
-            <a:r>
-              <a:rPr lang="de-DE" dirty="0" smtClean="0"/>
-              <a:t> First?)</a:t>
-            </a:r>
-            <a:endParaRPr lang="de-DE" dirty="0"/>
-          </a:p>
-        </p:txBody>
-      </p:sp>
-      <p:sp>
-        <p:nvSpPr>
-          <p:cNvPr id="3" name="Inhaltsplatzhalter 2"/>
-          <p:cNvSpPr>
-            <a:spLocks noGrp="1"/>
-          </p:cNvSpPr>
-          <p:nvPr>
-            <p:ph idx="1"/>
-          </p:nvPr>
-        </p:nvSpPr>
-        <p:spPr/>
-        <p:txBody>
-          <a:bodyPr rtlCol="0"/>
-          <a:lstStyle/>
-          <a:p>
-            <a:pPr fontAlgn="auto">
-              <a:spcAft>
-                <a:spcPts val="0"/>
-              </a:spcAft>
-              <a:buFont typeface="Arial" panose="020B0604020202020204" pitchFamily="34" charset="0"/>
-              <a:buChar char="•"/>
-              <a:defRPr/>
-            </a:pPr>
-            <a:r>
-              <a:rPr lang="de-DE" dirty="0" err="1" smtClean="0"/>
-              <a:t>Arithmetic</a:t>
-            </a:r>
-            <a:r>
-              <a:rPr lang="de-DE" dirty="0" smtClean="0"/>
-              <a:t> </a:t>
-            </a:r>
-            <a:r>
-              <a:rPr lang="de-DE" dirty="0" err="1" smtClean="0"/>
-              <a:t>before</a:t>
-            </a:r>
-            <a:r>
-              <a:rPr lang="de-DE" dirty="0" smtClean="0"/>
-              <a:t> </a:t>
-            </a:r>
-            <a:r>
-              <a:rPr lang="de-DE" dirty="0" err="1" smtClean="0"/>
-              <a:t>Comparison</a:t>
-            </a:r>
-            <a:r>
-              <a:rPr lang="de-DE" dirty="0" smtClean="0"/>
-              <a:t> </a:t>
-            </a:r>
-            <a:r>
-              <a:rPr lang="de-DE" dirty="0" err="1" smtClean="0"/>
-              <a:t>before</a:t>
-            </a:r>
-            <a:r>
-              <a:rPr lang="de-DE" dirty="0" smtClean="0"/>
-              <a:t> </a:t>
-            </a:r>
-            <a:r>
-              <a:rPr lang="de-DE" dirty="0" err="1" smtClean="0"/>
-              <a:t>logic</a:t>
-            </a:r>
-            <a:r>
-              <a:rPr lang="de-DE" dirty="0" smtClean="0"/>
-              <a:t> </a:t>
-            </a:r>
-            <a:r>
-              <a:rPr lang="de-DE" dirty="0" err="1" smtClean="0"/>
-              <a:t>before</a:t>
-            </a:r>
-            <a:r>
-              <a:rPr lang="de-DE" dirty="0" smtClean="0"/>
-              <a:t> </a:t>
-            </a:r>
-            <a:r>
-              <a:rPr lang="de-DE" dirty="0" err="1" smtClean="0"/>
-              <a:t>assignment</a:t>
-            </a:r>
-            <a:endParaRPr lang="de-DE" dirty="0" smtClean="0"/>
-          </a:p>
-          <a:p>
-            <a:pPr lvl="1" fontAlgn="auto">
-              <a:spcAft>
-                <a:spcPts val="0"/>
-              </a:spcAft>
-              <a:buFont typeface="Arial" panose="020B0604020202020204" pitchFamily="34" charset="0"/>
-              <a:buChar char="–"/>
-              <a:defRPr/>
-            </a:pPr>
-            <a:r>
-              <a:rPr lang="en-US" sz="1800" dirty="0" err="1" smtClean="0">
-                <a:solidFill>
-                  <a:srgbClr val="7F0055"/>
-                </a:solidFill>
-                <a:highlight>
-                  <a:srgbClr val="E8F2FE"/>
-                </a:highlight>
-                <a:latin typeface="Consolas"/>
-              </a:rPr>
-              <a:t>boolean</a:t>
-            </a:r>
-            <a:r>
-              <a:rPr lang="en-US" sz="1800" dirty="0" smtClean="0">
-                <a:solidFill>
-                  <a:srgbClr val="000000"/>
-                </a:solidFill>
-                <a:highlight>
-                  <a:srgbClr val="E8F2FE"/>
-                </a:highlight>
-                <a:latin typeface="Consolas"/>
-              </a:rPr>
-              <a:t> b = x + 1 &lt; 10 &amp;&amp; x &gt;= 5;</a:t>
-            </a:r>
-          </a:p>
-          <a:p>
-            <a:pPr lvl="1" fontAlgn="auto">
-              <a:spcAft>
-                <a:spcPts val="0"/>
-              </a:spcAft>
-              <a:buFont typeface="Arial" panose="020B0604020202020204" pitchFamily="34" charset="0"/>
-              <a:buChar char="–"/>
-              <a:defRPr/>
-            </a:pPr>
-            <a:r>
-              <a:rPr lang="en-US" sz="1800" dirty="0" smtClean="0">
-                <a:solidFill>
-                  <a:srgbClr val="000000"/>
-                </a:solidFill>
-                <a:highlight>
-                  <a:srgbClr val="E8F2FE"/>
-                </a:highlight>
-                <a:latin typeface="Consolas"/>
-              </a:rPr>
-              <a:t>b </a:t>
-            </a:r>
-            <a:r>
-              <a:rPr lang="en-US" sz="1800" dirty="0">
-                <a:solidFill>
-                  <a:srgbClr val="000000"/>
-                </a:solidFill>
-                <a:highlight>
-                  <a:srgbClr val="E8F2FE"/>
-                </a:highlight>
-                <a:latin typeface="Consolas"/>
-              </a:rPr>
-              <a:t>= (((x + 1) &lt; 10) &amp;&amp; (x &gt;= 5)); </a:t>
-            </a:r>
-            <a:r>
-              <a:rPr lang="en-US" sz="1800" dirty="0">
-                <a:solidFill>
-                  <a:srgbClr val="3F7F5F"/>
-                </a:solidFill>
-                <a:highlight>
-                  <a:srgbClr val="E8F2FE"/>
-                </a:highlight>
-                <a:latin typeface="Consolas"/>
-              </a:rPr>
-              <a:t>// false with x = 2</a:t>
-            </a:r>
-            <a:endParaRPr lang="en-US" sz="1800" dirty="0"/>
-          </a:p>
-          <a:p>
-            <a:pPr fontAlgn="auto">
-              <a:spcAft>
-                <a:spcPts val="0"/>
-              </a:spcAft>
-              <a:buFont typeface="Arial" panose="020B0604020202020204" pitchFamily="34" charset="0"/>
-              <a:buChar char="•"/>
-              <a:defRPr/>
-            </a:pPr>
-            <a:r>
-              <a:rPr lang="de-DE" dirty="0" err="1" smtClean="0"/>
-              <a:t>Unary</a:t>
-            </a:r>
-            <a:r>
-              <a:rPr lang="de-DE" dirty="0" smtClean="0"/>
-              <a:t> </a:t>
-            </a:r>
-            <a:r>
-              <a:rPr lang="de-DE" dirty="0" err="1" smtClean="0"/>
-              <a:t>before</a:t>
-            </a:r>
-            <a:r>
-              <a:rPr lang="de-DE" dirty="0" smtClean="0"/>
-              <a:t>  </a:t>
-            </a:r>
-            <a:r>
-              <a:rPr lang="de-DE" dirty="0" err="1" smtClean="0"/>
-              <a:t>Multiplication</a:t>
-            </a:r>
-            <a:r>
-              <a:rPr lang="de-DE" dirty="0" smtClean="0"/>
-              <a:t>/Division </a:t>
-            </a:r>
-            <a:r>
-              <a:rPr lang="de-DE" dirty="0" err="1" smtClean="0"/>
-              <a:t>before</a:t>
-            </a:r>
-            <a:r>
-              <a:rPr lang="de-DE" dirty="0" smtClean="0"/>
-              <a:t> Addition/</a:t>
-            </a:r>
-            <a:r>
-              <a:rPr lang="de-DE" dirty="0" err="1" smtClean="0"/>
-              <a:t>Subtraction</a:t>
-            </a:r>
-            <a:endParaRPr lang="de-DE" dirty="0"/>
-          </a:p>
-          <a:p>
-            <a:pPr lvl="1" fontAlgn="auto">
-              <a:spcAft>
-                <a:spcPts val="0"/>
-              </a:spcAft>
-              <a:buFont typeface="Arial" panose="020B0604020202020204" pitchFamily="34" charset="0"/>
-              <a:buChar char="–"/>
-              <a:defRPr/>
-            </a:pPr>
-            <a:r>
-              <a:rPr lang="pt-BR" sz="1800" dirty="0">
-                <a:solidFill>
-                  <a:srgbClr val="7F0055"/>
-                </a:solidFill>
-                <a:latin typeface="Consolas"/>
-              </a:rPr>
-              <a:t>int</a:t>
-            </a:r>
-            <a:r>
-              <a:rPr lang="pt-BR" sz="1800" dirty="0">
-                <a:solidFill>
-                  <a:srgbClr val="000000"/>
-                </a:solidFill>
-                <a:latin typeface="Consolas"/>
-              </a:rPr>
-              <a:t> r  = -1 * ++x + 3;</a:t>
-            </a:r>
-          </a:p>
-          <a:p>
-            <a:pPr lvl="1" fontAlgn="auto">
-              <a:spcAft>
-                <a:spcPts val="0"/>
-              </a:spcAft>
-              <a:buFont typeface="Arial" panose="020B0604020202020204" pitchFamily="34" charset="0"/>
-              <a:buChar char="–"/>
-              <a:defRPr/>
-            </a:pPr>
-            <a:r>
-              <a:rPr lang="de-DE" sz="1800" dirty="0">
-                <a:solidFill>
-                  <a:srgbClr val="000000"/>
-                </a:solidFill>
-                <a:latin typeface="Consolas"/>
-              </a:rPr>
-              <a:t>r = ((-1) * (++x)) + 3;</a:t>
-            </a:r>
-            <a:endParaRPr lang="de-DE" sz="1800" dirty="0"/>
-          </a:p>
-          <a:p>
-            <a:pPr lvl="1" fontAlgn="auto">
-              <a:spcAft>
-                <a:spcPts val="0"/>
-              </a:spcAft>
-              <a:buFont typeface="Arial" panose="020B0604020202020204" pitchFamily="34" charset="0"/>
-              <a:buChar char="–"/>
-              <a:defRPr/>
-            </a:pPr>
-            <a:r>
-              <a:rPr lang="de-DE" dirty="0" err="1" smtClean="0"/>
-              <a:t>Hierarchy</a:t>
-            </a:r>
-            <a:r>
-              <a:rPr lang="de-DE" dirty="0" smtClean="0"/>
-              <a:t> </a:t>
-            </a:r>
-            <a:r>
-              <a:rPr lang="de-DE" dirty="0" err="1" smtClean="0"/>
-              <a:t>of</a:t>
-            </a:r>
-            <a:r>
-              <a:rPr lang="de-DE" dirty="0" smtClean="0"/>
-              <a:t> </a:t>
-            </a:r>
-            <a:r>
-              <a:rPr lang="de-DE" dirty="0" err="1" smtClean="0"/>
-              <a:t>priorties</a:t>
-            </a:r>
-            <a:r>
-              <a:rPr lang="de-DE" dirty="0" smtClean="0"/>
-              <a:t> </a:t>
-            </a:r>
-            <a:r>
-              <a:rPr lang="de-DE" dirty="0" err="1" smtClean="0"/>
-              <a:t>with</a:t>
-            </a:r>
-            <a:r>
-              <a:rPr lang="de-DE" dirty="0" smtClean="0"/>
-              <a:t> 13 </a:t>
-            </a:r>
-            <a:r>
-              <a:rPr lang="de-DE" dirty="0" err="1" smtClean="0"/>
-              <a:t>levels</a:t>
-            </a:r>
-            <a:r>
-              <a:rPr lang="de-DE" dirty="0" smtClean="0"/>
-              <a:t>!</a:t>
-            </a:r>
-            <a:endParaRPr lang="de-DE" dirty="0"/>
-          </a:p>
-          <a:p>
-            <a:pPr fontAlgn="auto">
-              <a:spcAft>
-                <a:spcPts val="0"/>
-              </a:spcAft>
-              <a:buFont typeface="Arial" panose="020B0604020202020204" pitchFamily="34" charset="0"/>
-              <a:buChar char="•"/>
-              <a:defRPr/>
-            </a:pPr>
-            <a:r>
-              <a:rPr lang="de-DE" dirty="0" smtClean="0"/>
-              <a:t>Setting </a:t>
-            </a:r>
-            <a:r>
-              <a:rPr lang="de-DE" dirty="0" err="1" smtClean="0"/>
-              <a:t>braces</a:t>
-            </a:r>
-            <a:r>
-              <a:rPr lang="de-DE" dirty="0" smtClean="0"/>
-              <a:t> </a:t>
-            </a:r>
-            <a:r>
-              <a:rPr lang="de-DE" dirty="0" err="1" smtClean="0"/>
-              <a:t>changes</a:t>
-            </a:r>
-            <a:r>
-              <a:rPr lang="de-DE" dirty="0" smtClean="0"/>
-              <a:t> </a:t>
-            </a:r>
-            <a:r>
-              <a:rPr lang="de-DE" dirty="0" err="1" smtClean="0"/>
-              <a:t>priorities</a:t>
-            </a:r>
-            <a:endParaRPr lang="de-DE" dirty="0" smtClean="0"/>
-          </a:p>
-          <a:p>
-            <a:pPr lvl="1" fontAlgn="auto">
-              <a:spcAft>
-                <a:spcPts val="0"/>
-              </a:spcAft>
-              <a:buFont typeface="Arial" panose="020B0604020202020204" pitchFamily="34" charset="0"/>
-              <a:buChar char="–"/>
-              <a:defRPr/>
-            </a:pPr>
-            <a:r>
-              <a:rPr lang="de-DE" sz="1800" dirty="0" err="1" smtClean="0">
-                <a:solidFill>
-                  <a:srgbClr val="7F0055"/>
-                </a:solidFill>
-                <a:highlight>
-                  <a:srgbClr val="E8F2FE"/>
-                </a:highlight>
-                <a:latin typeface="Consolas"/>
-              </a:rPr>
-              <a:t>int</a:t>
-            </a:r>
-            <a:r>
-              <a:rPr lang="de-DE" sz="1800" dirty="0" smtClean="0">
-                <a:solidFill>
-                  <a:srgbClr val="000000"/>
-                </a:solidFill>
-                <a:highlight>
-                  <a:srgbClr val="E8F2FE"/>
-                </a:highlight>
-                <a:latin typeface="Consolas"/>
-              </a:rPr>
-              <a:t> k = (2 + 4) * 5; </a:t>
-            </a:r>
-            <a:r>
-              <a:rPr lang="de-DE" sz="1800" dirty="0" smtClean="0">
-                <a:solidFill>
-                  <a:srgbClr val="3F7F5F"/>
-                </a:solidFill>
-                <a:highlight>
-                  <a:srgbClr val="E8F2FE"/>
-                </a:highlight>
-                <a:latin typeface="Consolas"/>
-              </a:rPr>
-              <a:t>// = 30 != 22</a:t>
-            </a:r>
-          </a:p>
-          <a:p>
-            <a:pPr lvl="1" fontAlgn="auto">
-              <a:spcAft>
-                <a:spcPts val="0"/>
-              </a:spcAft>
-              <a:buFont typeface="Arial" panose="020B0604020202020204" pitchFamily="34" charset="0"/>
-              <a:buChar char="–"/>
-              <a:defRPr/>
-            </a:pPr>
-            <a:r>
-              <a:rPr lang="de-DE" dirty="0" err="1" smtClean="0"/>
-              <a:t>Could</a:t>
-            </a:r>
-            <a:r>
-              <a:rPr lang="de-DE" dirty="0" smtClean="0"/>
-              <a:t> </a:t>
-            </a:r>
-            <a:r>
-              <a:rPr lang="de-DE" dirty="0" err="1" smtClean="0"/>
-              <a:t>increase</a:t>
-            </a:r>
-            <a:r>
-              <a:rPr lang="de-DE" dirty="0" smtClean="0"/>
-              <a:t> </a:t>
-            </a:r>
-            <a:r>
-              <a:rPr lang="de-DE" dirty="0" err="1" smtClean="0"/>
-              <a:t>readability</a:t>
-            </a:r>
-            <a:r>
-              <a:rPr lang="de-DE" dirty="0" smtClean="0"/>
-              <a:t>!</a:t>
-            </a:r>
-            <a:endParaRPr lang="de-DE" dirty="0"/>
-          </a:p>
-        </p:txBody>
-      </p:sp>
-      <p:sp>
-        <p:nvSpPr>
-          <p:cNvPr id="4" name="Foliennummernplatzhalter 3"/>
-          <p:cNvSpPr>
-            <a:spLocks noGrp="1"/>
-          </p:cNvSpPr>
-          <p:nvPr>
-            <p:ph type="sldNum" sz="quarter" idx="12"/>
-          </p:nvPr>
-        </p:nvSpPr>
-        <p:spPr/>
-        <p:txBody>
-          <a:bodyPr/>
-          <a:lstStyle/>
-          <a:p>
-            <a:pPr>
-              <a:defRPr/>
-            </a:pPr>
-            <a:fld id="{CAC7E3F5-2583-4122-8DEC-68451E1000F6}" type="slidenum">
-              <a:rPr lang="de-DE"/>
-              <a:pPr>
-                <a:defRPr/>
-              </a:pPr>
-              <a:t>27</a:t>
-            </a:fld>
-            <a:endParaRPr lang="de-DE"/>
-          </a:p>
-        </p:txBody>
-      </p:sp>
-    </p:spTree>
-    <p:extLst>
-      <p:ext uri="{BB962C8B-B14F-4D97-AF65-F5344CB8AC3E}">
-        <p14:creationId xmlns:p14="http://schemas.microsoft.com/office/powerpoint/2010/main" val="3727542736"/>
       </p:ext>
     </p:extLst>
   </p:cSld>
@@ -33491,6 +33051,549 @@
       </p:grpSpPr>
       <p:sp>
         <p:nvSpPr>
+          <p:cNvPr id="55297" name="Titel 1"/>
+          <p:cNvSpPr>
+            <a:spLocks noGrp="1"/>
+          </p:cNvSpPr>
+          <p:nvPr>
+            <p:ph type="title"/>
+          </p:nvPr>
+        </p:nvSpPr>
+        <p:spPr/>
+        <p:txBody>
+          <a:bodyPr/>
+          <a:lstStyle/>
+          <a:p>
+            <a:r>
+              <a:rPr lang="de-DE" dirty="0" smtClean="0"/>
+              <a:t>Binding </a:t>
+            </a:r>
+            <a:r>
+              <a:rPr lang="de-DE" dirty="0" err="1" smtClean="0"/>
+              <a:t>Priorities</a:t>
+            </a:r>
+            <a:r>
+              <a:rPr lang="de-DE" dirty="0" smtClean="0"/>
+              <a:t> (</a:t>
+            </a:r>
+            <a:r>
+              <a:rPr lang="de-DE" dirty="0" err="1" smtClean="0"/>
+              <a:t>What</a:t>
+            </a:r>
+            <a:r>
+              <a:rPr lang="de-DE" dirty="0" smtClean="0"/>
+              <a:t> </a:t>
+            </a:r>
+            <a:r>
+              <a:rPr lang="de-DE" dirty="0" err="1" smtClean="0"/>
+              <a:t>is</a:t>
+            </a:r>
+            <a:r>
+              <a:rPr lang="de-DE" dirty="0" smtClean="0"/>
+              <a:t> </a:t>
+            </a:r>
+            <a:r>
+              <a:rPr lang="de-DE" dirty="0" err="1" smtClean="0"/>
+              <a:t>Evaluated</a:t>
+            </a:r>
+            <a:r>
+              <a:rPr lang="de-DE" dirty="0" smtClean="0"/>
+              <a:t> First?)</a:t>
+            </a:r>
+            <a:endParaRPr lang="de-DE" dirty="0"/>
+          </a:p>
+        </p:txBody>
+      </p:sp>
+      <p:sp>
+        <p:nvSpPr>
+          <p:cNvPr id="3" name="Inhaltsplatzhalter 2"/>
+          <p:cNvSpPr>
+            <a:spLocks noGrp="1"/>
+          </p:cNvSpPr>
+          <p:nvPr>
+            <p:ph idx="1"/>
+          </p:nvPr>
+        </p:nvSpPr>
+        <p:spPr/>
+        <p:txBody>
+          <a:bodyPr rtlCol="0"/>
+          <a:lstStyle/>
+          <a:p>
+            <a:pPr fontAlgn="auto">
+              <a:spcAft>
+                <a:spcPts val="0"/>
+              </a:spcAft>
+              <a:buFont typeface="Arial" panose="020B0604020202020204" pitchFamily="34" charset="0"/>
+              <a:buChar char="•"/>
+              <a:defRPr/>
+            </a:pPr>
+            <a:r>
+              <a:rPr lang="de-DE" dirty="0" err="1" smtClean="0"/>
+              <a:t>Arithmetic</a:t>
+            </a:r>
+            <a:r>
+              <a:rPr lang="de-DE" dirty="0" smtClean="0"/>
+              <a:t> </a:t>
+            </a:r>
+            <a:r>
+              <a:rPr lang="de-DE" dirty="0" err="1" smtClean="0"/>
+              <a:t>before</a:t>
+            </a:r>
+            <a:r>
+              <a:rPr lang="de-DE" dirty="0" smtClean="0"/>
+              <a:t> </a:t>
+            </a:r>
+            <a:r>
+              <a:rPr lang="de-DE" dirty="0" err="1" smtClean="0"/>
+              <a:t>Comparison</a:t>
+            </a:r>
+            <a:r>
+              <a:rPr lang="de-DE" dirty="0" smtClean="0"/>
+              <a:t> </a:t>
+            </a:r>
+            <a:r>
+              <a:rPr lang="de-DE" dirty="0" err="1" smtClean="0"/>
+              <a:t>before</a:t>
+            </a:r>
+            <a:r>
+              <a:rPr lang="de-DE" dirty="0" smtClean="0"/>
+              <a:t> </a:t>
+            </a:r>
+            <a:r>
+              <a:rPr lang="de-DE" dirty="0" err="1" smtClean="0"/>
+              <a:t>logic</a:t>
+            </a:r>
+            <a:r>
+              <a:rPr lang="de-DE" dirty="0" smtClean="0"/>
+              <a:t> </a:t>
+            </a:r>
+            <a:r>
+              <a:rPr lang="de-DE" dirty="0" err="1" smtClean="0"/>
+              <a:t>before</a:t>
+            </a:r>
+            <a:r>
+              <a:rPr lang="de-DE" dirty="0" smtClean="0"/>
+              <a:t> </a:t>
+            </a:r>
+            <a:r>
+              <a:rPr lang="de-DE" dirty="0" err="1" smtClean="0"/>
+              <a:t>assignment</a:t>
+            </a:r>
+            <a:endParaRPr lang="de-DE" dirty="0" smtClean="0"/>
+          </a:p>
+          <a:p>
+            <a:pPr lvl="1" fontAlgn="auto">
+              <a:spcAft>
+                <a:spcPts val="0"/>
+              </a:spcAft>
+              <a:buFont typeface="Arial" panose="020B0604020202020204" pitchFamily="34" charset="0"/>
+              <a:buChar char="–"/>
+              <a:defRPr/>
+            </a:pPr>
+            <a:r>
+              <a:rPr lang="en-US" sz="1800" dirty="0" err="1" smtClean="0">
+                <a:solidFill>
+                  <a:srgbClr val="7F0055"/>
+                </a:solidFill>
+                <a:highlight>
+                  <a:srgbClr val="E8F2FE"/>
+                </a:highlight>
+                <a:latin typeface="Consolas"/>
+              </a:rPr>
+              <a:t>boolean</a:t>
+            </a:r>
+            <a:r>
+              <a:rPr lang="en-US" sz="1800" dirty="0" smtClean="0">
+                <a:solidFill>
+                  <a:srgbClr val="000000"/>
+                </a:solidFill>
+                <a:highlight>
+                  <a:srgbClr val="E8F2FE"/>
+                </a:highlight>
+                <a:latin typeface="Consolas"/>
+              </a:rPr>
+              <a:t> b = x + 1 &lt; 10 &amp;&amp; x &gt;= 5;</a:t>
+            </a:r>
+          </a:p>
+          <a:p>
+            <a:pPr lvl="1" fontAlgn="auto">
+              <a:spcAft>
+                <a:spcPts val="0"/>
+              </a:spcAft>
+              <a:buFont typeface="Arial" panose="020B0604020202020204" pitchFamily="34" charset="0"/>
+              <a:buChar char="–"/>
+              <a:defRPr/>
+            </a:pPr>
+            <a:r>
+              <a:rPr lang="en-US" sz="1800" dirty="0" smtClean="0">
+                <a:solidFill>
+                  <a:srgbClr val="000000"/>
+                </a:solidFill>
+                <a:highlight>
+                  <a:srgbClr val="E8F2FE"/>
+                </a:highlight>
+                <a:latin typeface="Consolas"/>
+              </a:rPr>
+              <a:t>b </a:t>
+            </a:r>
+            <a:r>
+              <a:rPr lang="en-US" sz="1800" dirty="0">
+                <a:solidFill>
+                  <a:srgbClr val="000000"/>
+                </a:solidFill>
+                <a:highlight>
+                  <a:srgbClr val="E8F2FE"/>
+                </a:highlight>
+                <a:latin typeface="Consolas"/>
+              </a:rPr>
+              <a:t>= (((x + 1) &lt; 10) &amp;&amp; (x &gt;= 5)); </a:t>
+            </a:r>
+            <a:r>
+              <a:rPr lang="en-US" sz="1800" dirty="0">
+                <a:solidFill>
+                  <a:srgbClr val="3F7F5F"/>
+                </a:solidFill>
+                <a:highlight>
+                  <a:srgbClr val="E8F2FE"/>
+                </a:highlight>
+                <a:latin typeface="Consolas"/>
+              </a:rPr>
+              <a:t>// false with x = 2</a:t>
+            </a:r>
+            <a:endParaRPr lang="en-US" sz="1800" dirty="0"/>
+          </a:p>
+          <a:p>
+            <a:pPr fontAlgn="auto">
+              <a:spcAft>
+                <a:spcPts val="0"/>
+              </a:spcAft>
+              <a:buFont typeface="Arial" panose="020B0604020202020204" pitchFamily="34" charset="0"/>
+              <a:buChar char="•"/>
+              <a:defRPr/>
+            </a:pPr>
+            <a:r>
+              <a:rPr lang="de-DE" dirty="0" err="1" smtClean="0"/>
+              <a:t>Unary</a:t>
+            </a:r>
+            <a:r>
+              <a:rPr lang="de-DE" dirty="0" smtClean="0"/>
+              <a:t> </a:t>
+            </a:r>
+            <a:r>
+              <a:rPr lang="de-DE" dirty="0" err="1" smtClean="0"/>
+              <a:t>before</a:t>
+            </a:r>
+            <a:r>
+              <a:rPr lang="de-DE" dirty="0" smtClean="0"/>
+              <a:t>  </a:t>
+            </a:r>
+            <a:r>
+              <a:rPr lang="de-DE" dirty="0" err="1" smtClean="0"/>
+              <a:t>Multiplication</a:t>
+            </a:r>
+            <a:r>
+              <a:rPr lang="de-DE" dirty="0" smtClean="0"/>
+              <a:t>/Division </a:t>
+            </a:r>
+            <a:r>
+              <a:rPr lang="de-DE" dirty="0" err="1" smtClean="0"/>
+              <a:t>before</a:t>
+            </a:r>
+            <a:r>
+              <a:rPr lang="de-DE" dirty="0" smtClean="0"/>
+              <a:t> Addition/</a:t>
+            </a:r>
+            <a:r>
+              <a:rPr lang="de-DE" dirty="0" err="1" smtClean="0"/>
+              <a:t>Subtraction</a:t>
+            </a:r>
+            <a:endParaRPr lang="de-DE" dirty="0"/>
+          </a:p>
+          <a:p>
+            <a:pPr lvl="1" fontAlgn="auto">
+              <a:spcAft>
+                <a:spcPts val="0"/>
+              </a:spcAft>
+              <a:buFont typeface="Arial" panose="020B0604020202020204" pitchFamily="34" charset="0"/>
+              <a:buChar char="–"/>
+              <a:defRPr/>
+            </a:pPr>
+            <a:r>
+              <a:rPr lang="pt-BR" sz="1800" dirty="0">
+                <a:solidFill>
+                  <a:srgbClr val="7F0055"/>
+                </a:solidFill>
+                <a:latin typeface="Consolas"/>
+              </a:rPr>
+              <a:t>int</a:t>
+            </a:r>
+            <a:r>
+              <a:rPr lang="pt-BR" sz="1800" dirty="0">
+                <a:solidFill>
+                  <a:srgbClr val="000000"/>
+                </a:solidFill>
+                <a:latin typeface="Consolas"/>
+              </a:rPr>
+              <a:t> r  = -1 * ++x + 3;</a:t>
+            </a:r>
+          </a:p>
+          <a:p>
+            <a:pPr lvl="1" fontAlgn="auto">
+              <a:spcAft>
+                <a:spcPts val="0"/>
+              </a:spcAft>
+              <a:buFont typeface="Arial" panose="020B0604020202020204" pitchFamily="34" charset="0"/>
+              <a:buChar char="–"/>
+              <a:defRPr/>
+            </a:pPr>
+            <a:r>
+              <a:rPr lang="de-DE" sz="1800" dirty="0">
+                <a:solidFill>
+                  <a:srgbClr val="000000"/>
+                </a:solidFill>
+                <a:latin typeface="Consolas"/>
+              </a:rPr>
+              <a:t>r = ((-1) * (++x)) + 3;</a:t>
+            </a:r>
+            <a:endParaRPr lang="de-DE" sz="1800" dirty="0"/>
+          </a:p>
+          <a:p>
+            <a:pPr lvl="1" fontAlgn="auto">
+              <a:spcAft>
+                <a:spcPts val="0"/>
+              </a:spcAft>
+              <a:buFont typeface="Arial" panose="020B0604020202020204" pitchFamily="34" charset="0"/>
+              <a:buChar char="–"/>
+              <a:defRPr/>
+            </a:pPr>
+            <a:r>
+              <a:rPr lang="de-DE" dirty="0" err="1" smtClean="0"/>
+              <a:t>Hierarchy</a:t>
+            </a:r>
+            <a:r>
+              <a:rPr lang="de-DE" dirty="0" smtClean="0"/>
+              <a:t> </a:t>
+            </a:r>
+            <a:r>
+              <a:rPr lang="de-DE" dirty="0" err="1" smtClean="0"/>
+              <a:t>of</a:t>
+            </a:r>
+            <a:r>
+              <a:rPr lang="de-DE" dirty="0" smtClean="0"/>
+              <a:t> </a:t>
+            </a:r>
+            <a:r>
+              <a:rPr lang="de-DE" dirty="0" err="1" smtClean="0"/>
+              <a:t>priorties</a:t>
+            </a:r>
+            <a:r>
+              <a:rPr lang="de-DE" dirty="0" smtClean="0"/>
+              <a:t> </a:t>
+            </a:r>
+            <a:r>
+              <a:rPr lang="de-DE" dirty="0" err="1" smtClean="0"/>
+              <a:t>with</a:t>
+            </a:r>
+            <a:r>
+              <a:rPr lang="de-DE" dirty="0" smtClean="0"/>
+              <a:t> 13 </a:t>
+            </a:r>
+            <a:r>
+              <a:rPr lang="de-DE" dirty="0" err="1" smtClean="0"/>
+              <a:t>levels</a:t>
+            </a:r>
+            <a:r>
+              <a:rPr lang="de-DE" dirty="0" smtClean="0"/>
+              <a:t>!</a:t>
+            </a:r>
+            <a:endParaRPr lang="de-DE" dirty="0"/>
+          </a:p>
+          <a:p>
+            <a:pPr fontAlgn="auto">
+              <a:spcAft>
+                <a:spcPts val="0"/>
+              </a:spcAft>
+              <a:buFont typeface="Arial" panose="020B0604020202020204" pitchFamily="34" charset="0"/>
+              <a:buChar char="•"/>
+              <a:defRPr/>
+            </a:pPr>
+            <a:r>
+              <a:rPr lang="de-DE" dirty="0" smtClean="0"/>
+              <a:t>Setting </a:t>
+            </a:r>
+            <a:r>
+              <a:rPr lang="de-DE" dirty="0" err="1" smtClean="0"/>
+              <a:t>braces</a:t>
+            </a:r>
+            <a:r>
+              <a:rPr lang="de-DE" dirty="0" smtClean="0"/>
+              <a:t> </a:t>
+            </a:r>
+            <a:r>
+              <a:rPr lang="de-DE" dirty="0" err="1" smtClean="0"/>
+              <a:t>changes</a:t>
+            </a:r>
+            <a:r>
+              <a:rPr lang="de-DE" dirty="0" smtClean="0"/>
+              <a:t> </a:t>
+            </a:r>
+            <a:r>
+              <a:rPr lang="de-DE" dirty="0" err="1" smtClean="0"/>
+              <a:t>priorities</a:t>
+            </a:r>
+            <a:endParaRPr lang="de-DE" dirty="0" smtClean="0"/>
+          </a:p>
+          <a:p>
+            <a:pPr lvl="1" fontAlgn="auto">
+              <a:spcAft>
+                <a:spcPts val="0"/>
+              </a:spcAft>
+              <a:buFont typeface="Arial" panose="020B0604020202020204" pitchFamily="34" charset="0"/>
+              <a:buChar char="–"/>
+              <a:defRPr/>
+            </a:pPr>
+            <a:r>
+              <a:rPr lang="de-DE" sz="1800" dirty="0" err="1" smtClean="0">
+                <a:solidFill>
+                  <a:srgbClr val="7F0055"/>
+                </a:solidFill>
+                <a:highlight>
+                  <a:srgbClr val="E8F2FE"/>
+                </a:highlight>
+                <a:latin typeface="Consolas"/>
+              </a:rPr>
+              <a:t>int</a:t>
+            </a:r>
+            <a:r>
+              <a:rPr lang="de-DE" sz="1800" dirty="0" smtClean="0">
+                <a:solidFill>
+                  <a:srgbClr val="000000"/>
+                </a:solidFill>
+                <a:highlight>
+                  <a:srgbClr val="E8F2FE"/>
+                </a:highlight>
+                <a:latin typeface="Consolas"/>
+              </a:rPr>
+              <a:t> k = (2 + 4) * 5; </a:t>
+            </a:r>
+            <a:r>
+              <a:rPr lang="de-DE" sz="1800" dirty="0" smtClean="0">
+                <a:solidFill>
+                  <a:srgbClr val="3F7F5F"/>
+                </a:solidFill>
+                <a:highlight>
+                  <a:srgbClr val="E8F2FE"/>
+                </a:highlight>
+                <a:latin typeface="Consolas"/>
+              </a:rPr>
+              <a:t>// = 30 != 22</a:t>
+            </a:r>
+          </a:p>
+          <a:p>
+            <a:pPr lvl="1" fontAlgn="auto">
+              <a:spcAft>
+                <a:spcPts val="0"/>
+              </a:spcAft>
+              <a:buFont typeface="Arial" panose="020B0604020202020204" pitchFamily="34" charset="0"/>
+              <a:buChar char="–"/>
+              <a:defRPr/>
+            </a:pPr>
+            <a:r>
+              <a:rPr lang="de-DE" dirty="0" err="1" smtClean="0"/>
+              <a:t>Could</a:t>
+            </a:r>
+            <a:r>
+              <a:rPr lang="de-DE" dirty="0" smtClean="0"/>
+              <a:t> </a:t>
+            </a:r>
+            <a:r>
+              <a:rPr lang="de-DE" dirty="0" err="1" smtClean="0"/>
+              <a:t>increase</a:t>
+            </a:r>
+            <a:r>
+              <a:rPr lang="de-DE" dirty="0" smtClean="0"/>
+              <a:t> </a:t>
+            </a:r>
+            <a:r>
+              <a:rPr lang="de-DE" dirty="0" err="1" smtClean="0"/>
+              <a:t>readability</a:t>
+            </a:r>
+            <a:r>
+              <a:rPr lang="de-DE" dirty="0" smtClean="0"/>
+              <a:t>!</a:t>
+            </a:r>
+            <a:endParaRPr lang="de-DE" dirty="0"/>
+          </a:p>
+        </p:txBody>
+      </p:sp>
+      <p:sp>
+        <p:nvSpPr>
+          <p:cNvPr id="4" name="Foliennummernplatzhalter 3"/>
+          <p:cNvSpPr>
+            <a:spLocks noGrp="1"/>
+          </p:cNvSpPr>
+          <p:nvPr>
+            <p:ph type="sldNum" sz="quarter" idx="12"/>
+          </p:nvPr>
+        </p:nvSpPr>
+        <p:spPr/>
+        <p:txBody>
+          <a:bodyPr/>
+          <a:lstStyle/>
+          <a:p>
+            <a:pPr>
+              <a:defRPr/>
+            </a:pPr>
+            <a:fld id="{CAC7E3F5-2583-4122-8DEC-68451E1000F6}" type="slidenum">
+              <a:rPr lang="de-DE"/>
+              <a:pPr>
+                <a:defRPr/>
+              </a:pPr>
+              <a:t>28</a:t>
+            </a:fld>
+            <a:endParaRPr lang="de-DE"/>
+          </a:p>
+        </p:txBody>
+      </p:sp>
+    </p:spTree>
+    <p:extLst>
+      <p:ext uri="{BB962C8B-B14F-4D97-AF65-F5344CB8AC3E}">
+        <p14:creationId xmlns:p14="http://schemas.microsoft.com/office/powerpoint/2010/main" val="3727542736"/>
+      </p:ext>
+    </p:extLst>
+  </p:cSld>
+  <p:clrMapOvr>
+    <a:masterClrMapping/>
+  </p:clrMapOvr>
+  <p:timing>
+    <p:tnLst>
+      <p:par>
+        <p:cTn id="1" dur="indefinite" restart="never" nodeType="tmRoot"/>
+      </p:par>
+    </p:tnLst>
+  </p:timing>
+</p:sld>
+</file>
+
+<file path=ppt/slides/slide29.xml><?xml version="1.0" encoding="utf-8"?>
+<p:sld xmlns:a="http://schemas.openxmlformats.org/drawingml/2006/main" xmlns:r="http://schemas.openxmlformats.org/officeDocument/2006/relationships" xmlns:p="http://schemas.openxmlformats.org/presentationml/2006/main">
+  <p:cSld>
+    <p:spTree>
+      <p:nvGrpSpPr>
+        <p:cNvPr id="1" name=""/>
+        <p:cNvGrpSpPr/>
+        <p:nvPr/>
+      </p:nvGrpSpPr>
+      <p:grpSpPr>
+        <a:xfrm>
+          <a:off x="0" y="0"/>
+          <a:ext cx="0" cy="0"/>
+          <a:chOff x="0" y="0"/>
+          <a:chExt cx="0" cy="0"/>
+        </a:xfrm>
+      </p:grpSpPr>
+      <p:sp>
+        <p:nvSpPr>
           <p:cNvPr id="91137" name="Titel 1"/>
           <p:cNvSpPr>
             <a:spLocks noGrp="1"/>
@@ -34045,7 +34148,7 @@
               <a:pPr>
                 <a:defRPr/>
               </a:pPr>
-              <a:t>28</a:t>
+              <a:t>29</a:t>
             </a:fld>
             <a:endParaRPr lang="de-DE"/>
           </a:p>
@@ -34866,7 +34969,7 @@
 </p:sld>
 </file>
 
-<file path=ppt/slides/slide29.xml><?xml version="1.0" encoding="utf-8"?>
+<file path=ppt/slides/slide3.xml><?xml version="1.0" encoding="utf-8"?>
 <p:sld xmlns:a="http://schemas.openxmlformats.org/drawingml/2006/main" xmlns:r="http://schemas.openxmlformats.org/officeDocument/2006/relationships" xmlns:p="http://schemas.openxmlformats.org/presentationml/2006/main">
   <p:cSld>
     <p:spTree>
@@ -34885,7 +34988,7 @@
       </p:grpSpPr>
       <p:sp>
         <p:nvSpPr>
-          <p:cNvPr id="57345" name="Titel 1"/>
+          <p:cNvPr id="75777" name="Titel 1"/>
           <p:cNvSpPr>
             <a:spLocks noGrp="1"/>
           </p:cNvSpPr>
@@ -34898,9 +35001,18 @@
           <a:bodyPr/>
           <a:lstStyle/>
           <a:p>
+            <a:pPr eaLnBrk="1" hangingPunct="1"/>
             <a:r>
               <a:rPr lang="de-DE" dirty="0" smtClean="0"/>
-              <a:t>Modeling</a:t>
+              <a:t>Java </a:t>
+            </a:r>
+            <a:r>
+              <a:rPr lang="de-DE" dirty="0" err="1" smtClean="0"/>
+              <a:t>Structure</a:t>
+            </a:r>
+            <a:r>
+              <a:rPr lang="de-DE" dirty="0" smtClean="0"/>
+              <a:t> I</a:t>
             </a:r>
             <a:endParaRPr lang="de-DE" dirty="0"/>
           </a:p>
@@ -34923,7 +35035,9 @@
           </a:xfrm>
         </p:spPr>
         <p:txBody>
-          <a:bodyPr rtlCol="0"/>
+          <a:bodyPr rtlCol="0">
+            <a:normAutofit fontScale="92500" lnSpcReduction="20000"/>
+          </a:bodyPr>
           <a:lstStyle/>
           <a:p>
             <a:pPr fontAlgn="auto">
@@ -34935,8 +35049,12 @@
               <a:defRPr/>
             </a:pPr>
             <a:r>
+              <a:rPr lang="de-DE" dirty="0" smtClean="0"/>
+              <a:t>Java </a:t>
+            </a:r>
+            <a:r>
               <a:rPr lang="de-DE" dirty="0" err="1" smtClean="0"/>
-              <a:t>Which</a:t>
+              <a:t>consists</a:t>
             </a:r>
             <a:r>
               <a:rPr lang="de-DE" dirty="0" smtClean="0"/>
@@ -34944,7 +35062,7 @@
             </a:r>
             <a:r>
               <a:rPr lang="de-DE" dirty="0" err="1" smtClean="0"/>
-              <a:t>attributes</a:t>
+              <a:t>of</a:t>
             </a:r>
             <a:r>
               <a:rPr lang="de-DE" dirty="0" smtClean="0"/>
@@ -34952,7 +35070,7 @@
             </a:r>
             <a:r>
               <a:rPr lang="de-DE" dirty="0" err="1" smtClean="0"/>
-              <a:t>could</a:t>
+              <a:t>two</a:t>
             </a:r>
             <a:r>
               <a:rPr lang="de-DE" dirty="0" smtClean="0"/>
@@ -34960,188 +35078,126 @@
             </a:r>
             <a:r>
               <a:rPr lang="de-DE" dirty="0" err="1" smtClean="0"/>
-              <a:t>the</a:t>
+              <a:t>parts</a:t>
             </a:r>
             <a:r>
               <a:rPr lang="de-DE" dirty="0" smtClean="0"/>
-              <a:t> </a:t>
-            </a:r>
-            <a:r>
-              <a:rPr lang="de-DE" dirty="0" err="1" smtClean="0"/>
-              <a:t>following</a:t>
-            </a:r>
-            <a:r>
-              <a:rPr lang="de-DE" dirty="0" smtClean="0"/>
-              <a:t> </a:t>
-            </a:r>
-            <a:r>
-              <a:rPr lang="de-DE" dirty="0" err="1" smtClean="0"/>
-              <a:t>classes</a:t>
-            </a:r>
-            <a:r>
-              <a:rPr lang="de-DE" dirty="0" smtClean="0"/>
-              <a:t> </a:t>
-            </a:r>
-            <a:r>
-              <a:rPr lang="de-DE" dirty="0" err="1" smtClean="0"/>
-              <a:t>have</a:t>
-            </a:r>
-            <a:r>
-              <a:rPr lang="de-DE" dirty="0" smtClean="0"/>
-              <a:t>?</a:t>
+              <a:t>:</a:t>
             </a:r>
             <a:endParaRPr lang="de-DE" dirty="0"/>
           </a:p>
           <a:p>
-            <a:pPr marL="457200" lvl="1" indent="0" fontAlgn="auto">
+            <a:pPr lvl="1" fontAlgn="auto">
               <a:spcAft>
                 <a:spcPts val="0"/>
               </a:spcAft>
-              <a:buNone/>
+              <a:buFont typeface="Arial" panose="020B0604020202020204" pitchFamily="34" charset="0"/>
+              <a:buChar char="–"/>
               <a:defRPr/>
             </a:pPr>
             <a:r>
-              <a:rPr lang="de-DE" b="1" dirty="0" err="1">
-                <a:solidFill>
-                  <a:srgbClr val="7F0055"/>
-                </a:solidFill>
-                <a:latin typeface="Consolas"/>
-              </a:rPr>
-              <a:t>class</a:t>
-            </a:r>
-            <a:r>
-              <a:rPr lang="de-DE" b="1" dirty="0">
-                <a:solidFill>
-                  <a:srgbClr val="7F0055"/>
-                </a:solidFill>
-                <a:latin typeface="Consolas"/>
-              </a:rPr>
-              <a:t> </a:t>
-            </a:r>
-            <a:r>
-              <a:rPr lang="de-DE" dirty="0" smtClean="0">
-                <a:latin typeface="Consolas"/>
-              </a:rPr>
-              <a:t>Car </a:t>
-            </a:r>
-            <a:r>
-              <a:rPr lang="de-DE" dirty="0">
-                <a:latin typeface="Consolas"/>
-              </a:rPr>
-              <a:t>{…}; </a:t>
-            </a:r>
-          </a:p>
-          <a:p>
-            <a:pPr marL="457200" lvl="1" indent="0" fontAlgn="auto">
+              <a:rPr lang="de-DE" dirty="0" err="1" smtClean="0"/>
+              <a:t>Structure</a:t>
+            </a:r>
+            <a:endParaRPr lang="de-DE" dirty="0"/>
+          </a:p>
+          <a:p>
+            <a:pPr lvl="2" fontAlgn="auto">
               <a:spcAft>
                 <a:spcPts val="0"/>
               </a:spcAft>
-              <a:buNone/>
+              <a:buFont typeface="Arial" panose="020B0604020202020204" pitchFamily="34" charset="0"/>
+              <a:buChar char="•"/>
               <a:defRPr/>
             </a:pPr>
             <a:r>
-              <a:rPr lang="de-DE" b="1" dirty="0" err="1">
-                <a:solidFill>
-                  <a:srgbClr val="7F0055"/>
-                </a:solidFill>
-                <a:latin typeface="Consolas"/>
-              </a:rPr>
-              <a:t>class</a:t>
-            </a:r>
-            <a:r>
-              <a:rPr lang="de-DE" b="1" dirty="0">
-                <a:solidFill>
-                  <a:srgbClr val="7F0055"/>
-                </a:solidFill>
-                <a:latin typeface="Consolas"/>
-              </a:rPr>
-              <a:t> </a:t>
-            </a:r>
-            <a:r>
-              <a:rPr lang="de-DE" dirty="0" err="1" smtClean="0">
-                <a:latin typeface="Consolas"/>
-              </a:rPr>
-              <a:t>MusicCollection</a:t>
-            </a:r>
-            <a:r>
-              <a:rPr lang="de-DE" dirty="0" smtClean="0">
-                <a:latin typeface="Consolas"/>
-              </a:rPr>
-              <a:t> </a:t>
-            </a:r>
-            <a:r>
-              <a:rPr lang="de-DE" dirty="0">
-                <a:latin typeface="Consolas"/>
-              </a:rPr>
-              <a:t>{…}; </a:t>
-            </a:r>
-          </a:p>
-          <a:p>
-            <a:pPr marL="457200" lvl="1" indent="0" fontAlgn="auto">
+              <a:rPr lang="de-DE" dirty="0" err="1" smtClean="0"/>
+              <a:t>Classes</a:t>
+            </a:r>
+            <a:endParaRPr lang="de-DE" dirty="0"/>
+          </a:p>
+          <a:p>
+            <a:pPr lvl="2" fontAlgn="auto">
               <a:spcAft>
                 <a:spcPts val="0"/>
               </a:spcAft>
-              <a:buNone/>
+              <a:buFont typeface="Arial" panose="020B0604020202020204" pitchFamily="34" charset="0"/>
+              <a:buChar char="•"/>
               <a:defRPr/>
             </a:pPr>
             <a:r>
-              <a:rPr lang="de-DE" b="1" dirty="0" err="1">
-                <a:solidFill>
-                  <a:srgbClr val="7F0055"/>
-                </a:solidFill>
-                <a:latin typeface="Consolas"/>
-              </a:rPr>
-              <a:t>class</a:t>
-            </a:r>
-            <a:r>
-              <a:rPr lang="de-DE" b="1" dirty="0">
-                <a:solidFill>
-                  <a:srgbClr val="7F0055"/>
-                </a:solidFill>
-                <a:latin typeface="Consolas"/>
-              </a:rPr>
-              <a:t> </a:t>
-            </a:r>
-            <a:r>
-              <a:rPr lang="de-DE" dirty="0" err="1">
-                <a:latin typeface="Consolas"/>
-              </a:rPr>
-              <a:t>Tweet</a:t>
-            </a:r>
-            <a:r>
-              <a:rPr lang="de-DE" dirty="0">
-                <a:latin typeface="Consolas"/>
-              </a:rPr>
-              <a:t> {…}</a:t>
-            </a:r>
-          </a:p>
-          <a:p>
-            <a:pPr marL="457200" lvl="1" indent="0" fontAlgn="auto">
+              <a:rPr lang="de-DE" dirty="0" smtClean="0"/>
+              <a:t>Objects</a:t>
+            </a:r>
+            <a:endParaRPr lang="de-DE" dirty="0"/>
+          </a:p>
+          <a:p>
+            <a:pPr lvl="2" fontAlgn="auto">
               <a:spcAft>
                 <a:spcPts val="0"/>
               </a:spcAft>
-              <a:buNone/>
+              <a:buFont typeface="Arial" panose="020B0604020202020204" pitchFamily="34" charset="0"/>
+              <a:buChar char="•"/>
               <a:defRPr/>
             </a:pPr>
-            <a:endParaRPr lang="de-DE" dirty="0">
-              <a:latin typeface="Consolas"/>
-            </a:endParaRPr>
-          </a:p>
-          <a:p>
-            <a:pPr marL="57150" indent="0" fontAlgn="auto">
+            <a:r>
+              <a:rPr lang="de-DE" dirty="0" smtClean="0"/>
+              <a:t>Data </a:t>
+            </a:r>
+            <a:r>
+              <a:rPr lang="de-DE" dirty="0" err="1" smtClean="0"/>
+              <a:t>types</a:t>
+            </a:r>
+            <a:endParaRPr lang="de-DE" dirty="0"/>
+          </a:p>
+          <a:p>
+            <a:pPr lvl="2" fontAlgn="auto">
               <a:spcAft>
                 <a:spcPts val="0"/>
               </a:spcAft>
-              <a:buNone/>
+              <a:buFont typeface="Arial" panose="020B0604020202020204" pitchFamily="34" charset="0"/>
+              <a:buChar char="•"/>
               <a:defRPr/>
             </a:pPr>
             <a:r>
               <a:rPr lang="de-DE" dirty="0" err="1" smtClean="0"/>
-              <a:t>Consider</a:t>
+              <a:t>How</a:t>
             </a:r>
             <a:r>
               <a:rPr lang="de-DE" dirty="0" smtClean="0"/>
-              <a:t> variables </a:t>
+              <a:t> </a:t>
+            </a:r>
+            <a:r>
+              <a:rPr lang="de-DE" dirty="0" err="1" smtClean="0"/>
+              <a:t>data</a:t>
+            </a:r>
+            <a:r>
+              <a:rPr lang="de-DE" dirty="0" smtClean="0"/>
+              <a:t>/</a:t>
+            </a:r>
+            <a:r>
+              <a:rPr lang="de-DE" dirty="0" err="1" smtClean="0"/>
+              <a:t>information</a:t>
+            </a:r>
+            <a:r>
+              <a:rPr lang="de-DE" dirty="0" smtClean="0"/>
+              <a:t> </a:t>
+            </a:r>
+            <a:r>
+              <a:rPr lang="de-DE" dirty="0" err="1" smtClean="0"/>
+              <a:t>is</a:t>
+            </a:r>
+            <a:r>
+              <a:rPr lang="de-DE" dirty="0" smtClean="0"/>
+              <a:t> </a:t>
+            </a:r>
+            <a:r>
+              <a:rPr lang="de-DE" dirty="0" err="1" smtClean="0"/>
+              <a:t>described</a:t>
+            </a:r>
+            <a:r>
+              <a:rPr lang="de-DE" dirty="0" smtClean="0"/>
+              <a:t> </a:t>
             </a:r>
             <a:r>
               <a:rPr lang="de-DE" dirty="0" err="1" smtClean="0"/>
@@ -35153,41 +35209,63 @@
             </a:r>
             <a:r>
               <a:rPr lang="de-DE" dirty="0" err="1" smtClean="0"/>
-              <a:t>constants</a:t>
-            </a:r>
-            <a:r>
-              <a:rPr lang="de-DE" dirty="0" smtClean="0"/>
-              <a:t> </a:t>
-            </a:r>
-            <a:r>
-              <a:rPr lang="de-DE" dirty="0" err="1" smtClean="0"/>
-              <a:t>as</a:t>
-            </a:r>
-            <a:r>
-              <a:rPr lang="de-DE" dirty="0" smtClean="0"/>
-              <a:t> </a:t>
-            </a:r>
-            <a:r>
-              <a:rPr lang="de-DE" dirty="0" err="1" smtClean="0"/>
-              <a:t>attributes</a:t>
-            </a:r>
-            <a:endParaRPr lang="de-DE" dirty="0" smtClean="0"/>
-          </a:p>
-          <a:p>
-            <a:pPr marL="57150" indent="0" fontAlgn="auto">
+              <a:t>stored</a:t>
+            </a:r>
+            <a:endParaRPr lang="de-DE" dirty="0"/>
+          </a:p>
+          <a:p>
+            <a:pPr lvl="2" fontAlgn="auto">
               <a:spcAft>
                 <a:spcPts val="0"/>
               </a:spcAft>
-              <a:buNone/>
+              <a:buFont typeface="Arial" panose="020B0604020202020204" pitchFamily="34" charset="0"/>
+              <a:buChar char="•"/>
               <a:defRPr/>
             </a:pPr>
-            <a:r>
-              <a:rPr lang="de-DE" dirty="0" smtClean="0"/>
-              <a:t>Combine </a:t>
-            </a:r>
+            <a:endParaRPr lang="de-DE" dirty="0"/>
+          </a:p>
+          <a:p>
+            <a:pPr lvl="1" fontAlgn="auto">
+              <a:spcAft>
+                <a:spcPts val="0"/>
+              </a:spcAft>
+              <a:buFont typeface="Arial" panose="020B0604020202020204" pitchFamily="34" charset="0"/>
+              <a:buChar char="–"/>
+              <a:defRPr/>
+            </a:pPr>
             <a:r>
               <a:rPr lang="de-DE" dirty="0" err="1" smtClean="0"/>
-              <a:t>complex</a:t>
+              <a:t>Behavior</a:t>
+            </a:r>
+            <a:endParaRPr lang="de-DE" dirty="0"/>
+          </a:p>
+          <a:p>
+            <a:pPr lvl="2" fontAlgn="auto">
+              <a:spcAft>
+                <a:spcPts val="0"/>
+              </a:spcAft>
+              <a:buFont typeface="Arial" panose="020B0604020202020204" pitchFamily="34" charset="0"/>
+              <a:buChar char="•"/>
+              <a:defRPr/>
+            </a:pPr>
+            <a:r>
+              <a:rPr lang="de-DE" dirty="0" err="1" smtClean="0"/>
+              <a:t>Methods</a:t>
+            </a:r>
+            <a:endParaRPr lang="de-DE" dirty="0"/>
+          </a:p>
+          <a:p>
+            <a:pPr lvl="2" fontAlgn="auto">
+              <a:spcAft>
+                <a:spcPts val="0"/>
+              </a:spcAft>
+              <a:buFont typeface="Arial" panose="020B0604020202020204" pitchFamily="34" charset="0"/>
+              <a:buChar char="•"/>
+              <a:defRPr/>
+            </a:pPr>
+            <a:r>
+              <a:rPr lang="de-DE" dirty="0" err="1" smtClean="0"/>
+              <a:t>Which</a:t>
             </a:r>
             <a:r>
               <a:rPr lang="de-DE" dirty="0" smtClean="0"/>
@@ -35195,23 +35273,7 @@
             </a:r>
             <a:r>
               <a:rPr lang="de-DE" dirty="0" err="1" smtClean="0"/>
-              <a:t>types</a:t>
-            </a:r>
-            <a:r>
-              <a:rPr lang="de-DE" dirty="0" smtClean="0"/>
-              <a:t> (</a:t>
-            </a:r>
-            <a:r>
-              <a:rPr lang="de-DE" dirty="0" err="1" smtClean="0"/>
-              <a:t>classes</a:t>
-            </a:r>
-            <a:r>
-              <a:rPr lang="de-DE" dirty="0" smtClean="0"/>
-              <a:t>) </a:t>
-            </a:r>
-            <a:r>
-              <a:rPr lang="de-DE" dirty="0" err="1" smtClean="0"/>
-              <a:t>from</a:t>
+              <a:t>operations</a:t>
             </a:r>
             <a:r>
               <a:rPr lang="de-DE" dirty="0" smtClean="0"/>
@@ -35219,7 +35281,7 @@
             </a:r>
             <a:r>
               <a:rPr lang="de-DE" dirty="0" err="1" smtClean="0"/>
-              <a:t>other</a:t>
+              <a:t>are</a:t>
             </a:r>
             <a:r>
               <a:rPr lang="de-DE" dirty="0" smtClean="0"/>
@@ -35227,63 +35289,15 @@
             </a:r>
             <a:r>
               <a:rPr lang="de-DE" dirty="0" err="1" smtClean="0"/>
-              <a:t>complex</a:t>
+              <a:t>executed</a:t>
             </a:r>
             <a:r>
               <a:rPr lang="de-DE" dirty="0" smtClean="0"/>
-              <a:t> </a:t>
+              <a:t> on </a:t>
             </a:r>
             <a:r>
               <a:rPr lang="de-DE" dirty="0" err="1" smtClean="0"/>
-              <a:t>types</a:t>
-            </a:r>
-            <a:r>
-              <a:rPr lang="de-DE" dirty="0" smtClean="0"/>
-              <a:t> (</a:t>
-            </a:r>
-            <a:r>
-              <a:rPr lang="de-DE" dirty="0" err="1" smtClean="0"/>
-              <a:t>classes</a:t>
-            </a:r>
-            <a:r>
-              <a:rPr lang="de-DE" dirty="0" smtClean="0"/>
-              <a:t>) </a:t>
-            </a:r>
-            <a:r>
-              <a:rPr lang="de-DE" dirty="0" err="1" smtClean="0"/>
-              <a:t>and</a:t>
-            </a:r>
-            <a:r>
-              <a:rPr lang="de-DE" dirty="0" smtClean="0"/>
-              <a:t> </a:t>
-            </a:r>
-            <a:r>
-              <a:rPr lang="de-DE" dirty="0" err="1" smtClean="0"/>
-              <a:t>describe</a:t>
-            </a:r>
-            <a:r>
-              <a:rPr lang="de-DE" dirty="0" smtClean="0"/>
-              <a:t> </a:t>
-            </a:r>
-            <a:r>
-              <a:rPr lang="de-DE" dirty="0" err="1" smtClean="0"/>
-              <a:t>these</a:t>
-            </a:r>
-            <a:r>
-              <a:rPr lang="de-DE" dirty="0" smtClean="0"/>
-              <a:t>, </a:t>
-            </a:r>
-            <a:r>
-              <a:rPr lang="de-DE" dirty="0" err="1" smtClean="0"/>
-              <a:t>as</a:t>
-            </a:r>
-            <a:r>
-              <a:rPr lang="de-DE" dirty="0" smtClean="0"/>
-              <a:t> </a:t>
-            </a:r>
-            <a:r>
-              <a:rPr lang="de-DE" dirty="0" err="1" smtClean="0"/>
-              <a:t>well</a:t>
+              <a:t>data</a:t>
             </a:r>
             <a:endParaRPr lang="de-DE" dirty="0"/>
           </a:p>
@@ -35296,6 +35310,81 @@
               <a:buChar char="•"/>
               <a:defRPr/>
             </a:pPr>
+            <a:r>
+              <a:rPr lang="de-DE" dirty="0" err="1" smtClean="0"/>
+              <a:t>Example</a:t>
+            </a:r>
+            <a:r>
+              <a:rPr lang="de-DE" dirty="0" smtClean="0"/>
+              <a:t>:</a:t>
+            </a:r>
+            <a:endParaRPr lang="de-DE" dirty="0"/>
+          </a:p>
+          <a:p>
+            <a:pPr lvl="1" fontAlgn="auto">
+              <a:spcAft>
+                <a:spcPts val="0"/>
+              </a:spcAft>
+              <a:buFont typeface="Arial" panose="020B0604020202020204" pitchFamily="34" charset="0"/>
+              <a:buChar char="–"/>
+              <a:defRPr/>
+            </a:pPr>
+            <a:r>
+              <a:rPr lang="de-DE" dirty="0" smtClean="0"/>
+              <a:t>Components </a:t>
+            </a:r>
+            <a:r>
+              <a:rPr lang="de-DE" dirty="0" err="1" smtClean="0"/>
+              <a:t>of</a:t>
+            </a:r>
+            <a:r>
+              <a:rPr lang="de-DE" dirty="0" smtClean="0"/>
+              <a:t> a </a:t>
+            </a:r>
+            <a:r>
+              <a:rPr lang="de-DE" dirty="0" err="1" smtClean="0"/>
+              <a:t>car</a:t>
+            </a:r>
+            <a:r>
+              <a:rPr lang="de-DE" dirty="0" smtClean="0"/>
+              <a:t> vs. </a:t>
+            </a:r>
+            <a:r>
+              <a:rPr lang="de-DE" dirty="0" err="1" smtClean="0"/>
+              <a:t>driving</a:t>
+            </a:r>
+            <a:r>
+              <a:rPr lang="de-DE" dirty="0" smtClean="0"/>
+              <a:t>, </a:t>
+            </a:r>
+            <a:r>
+              <a:rPr lang="de-DE" dirty="0" err="1" smtClean="0"/>
+              <a:t>filling</a:t>
+            </a:r>
+            <a:r>
+              <a:rPr lang="de-DE" dirty="0" smtClean="0"/>
+              <a:t> </a:t>
+            </a:r>
+            <a:r>
+              <a:rPr lang="de-DE" dirty="0" err="1" smtClean="0"/>
+              <a:t>up</a:t>
+            </a:r>
+            <a:r>
+              <a:rPr lang="de-DE" dirty="0" smtClean="0"/>
+              <a:t> gas, </a:t>
+            </a:r>
+            <a:r>
+              <a:rPr lang="de-DE" dirty="0" err="1" smtClean="0"/>
+              <a:t>scrapping</a:t>
+            </a:r>
+            <a:r>
+              <a:rPr lang="de-DE" dirty="0" smtClean="0"/>
+              <a:t> </a:t>
+            </a:r>
+            <a:r>
+              <a:rPr lang="de-DE" dirty="0" err="1" smtClean="0"/>
+              <a:t>it</a:t>
+            </a:r>
             <a:endParaRPr lang="de-DE" dirty="0"/>
           </a:p>
         </p:txBody>
@@ -35318,12 +35407,12 @@
             <a:pPr>
               <a:defRPr/>
             </a:pPr>
-            <a:fld id="{B6240EC7-71C8-49B6-91BB-4193E12D2987}" type="slidenum">
+            <a:fld id="{CCF9CD89-10DF-4AEB-9197-E1C4B9E29FE7}" type="slidenum">
               <a:rPr lang="de-DE"/>
               <a:pPr>
                 <a:defRPr/>
               </a:pPr>
-              <a:t>29</a:t>
+              <a:t>3</a:t>
             </a:fld>
             <a:endParaRPr lang="de-DE"/>
           </a:p>
@@ -35331,16 +35420,70 @@
       </p:sp>
       <p:sp>
         <p:nvSpPr>
-          <p:cNvPr id="4" name="Rechteck 3"/>
-          <p:cNvSpPr>
+          <p:cNvPr id="4" name="Geschweifte Klammer rechts 3"/>
+          <p:cNvSpPr/>
+          <p:nvPr/>
+        </p:nvSpPr>
+        <p:spPr>
+          <a:xfrm rot="19243161">
+            <a:off x="8257384" y="1431091"/>
+            <a:ext cx="350837" cy="3995819"/>
+          </a:xfrm>
+          <a:prstGeom prst="rightBrace">
+            <a:avLst>
+              <a:gd name="adj1" fmla="val 58284"/>
+              <a:gd name="adj2" fmla="val 49905"/>
+            </a:avLst>
+          </a:prstGeom>
+          <a:ln w="28575">
+            <a:solidFill>
+              <a:srgbClr val="FF0000"/>
+            </a:solidFill>
+          </a:ln>
+        </p:spPr>
+        <p:style>
+          <a:lnRef idx="1">
+            <a:schemeClr val="accent1"/>
+          </a:lnRef>
+          <a:fillRef idx="0">
+            <a:schemeClr val="accent1"/>
+          </a:fillRef>
+          <a:effectRef idx="0">
+            <a:schemeClr val="accent1"/>
+          </a:effectRef>
+          <a:fontRef idx="minor">
+            <a:schemeClr val="tx1"/>
+          </a:fontRef>
+        </p:style>
+        <p:txBody>
+          <a:bodyPr anchor="ctr"/>
+          <a:lstStyle/>
+          <a:p>
+            <a:pPr algn="ctr" fontAlgn="auto">
+              <a:spcBef>
+                <a:spcPts val="0"/>
+              </a:spcBef>
+              <a:spcAft>
+                <a:spcPts val="0"/>
+              </a:spcAft>
+              <a:defRPr/>
+            </a:pPr>
+            <a:endParaRPr lang="de-DE"/>
+          </a:p>
+        </p:txBody>
+      </p:sp>
+      <p:sp>
+        <p:nvSpPr>
+          <p:cNvPr id="5" name="Textfeld 4"/>
+          <p:cNvSpPr txBox="1">
             <a:spLocks noChangeArrowheads="1"/>
           </p:cNvSpPr>
           <p:nvPr/>
         </p:nvSpPr>
         <p:spPr bwMode="auto">
           <a:xfrm>
-            <a:off x="9870620" y="2982069"/>
-            <a:ext cx="1553374" cy="369332"/>
+            <a:off x="7755368" y="1918644"/>
+            <a:ext cx="3927870" cy="461665"/>
           </a:xfrm>
           <a:prstGeom prst="rect">
             <a:avLst/>
@@ -35360,42 +35503,33 @@
           <a:lstStyle/>
           <a:p>
             <a:r>
-              <a:rPr lang="de-DE" b="1" dirty="0" smtClean="0">
+              <a:rPr lang="de-DE" sz="2400" dirty="0" err="1" smtClean="0">
                 <a:solidFill>
                   <a:srgbClr val="FF0000"/>
                 </a:solidFill>
                 <a:latin typeface="Calibri" pitchFamily="34" charset="0"/>
               </a:rPr>
-              <a:t>3 </a:t>
-            </a:r>
-            <a:r>
-              <a:rPr lang="de-DE" b="1" dirty="0" err="1" smtClean="0">
+              <a:t>Object-oriented</a:t>
+            </a:r>
+            <a:r>
+              <a:rPr lang="de-DE" sz="2400" dirty="0" smtClean="0">
                 <a:solidFill>
                   <a:srgbClr val="FF0000"/>
                 </a:solidFill>
                 <a:latin typeface="Calibri" pitchFamily="34" charset="0"/>
               </a:rPr>
-              <a:t>to</a:t>
-            </a:r>
-            <a:r>
-              <a:rPr lang="de-DE" b="1" dirty="0" smtClean="0">
+              <a:t> </a:t>
+            </a:r>
+            <a:r>
+              <a:rPr lang="de-DE" sz="2400" dirty="0" err="1" smtClean="0">
                 <a:solidFill>
                   <a:srgbClr val="FF0000"/>
                 </a:solidFill>
                 <a:latin typeface="Calibri" pitchFamily="34" charset="0"/>
               </a:rPr>
-              <a:t> 5 </a:t>
-            </a:r>
-            <a:r>
-              <a:rPr lang="de-DE" b="1" dirty="0" err="1" smtClean="0">
-                <a:solidFill>
-                  <a:srgbClr val="FF0000"/>
-                </a:solidFill>
-                <a:latin typeface="Calibri" pitchFamily="34" charset="0"/>
-              </a:rPr>
-              <a:t>minutes</a:t>
-            </a:r>
-            <a:endParaRPr lang="de-DE" b="1" dirty="0">
+              <a:t>programming</a:t>
+            </a:r>
+            <a:endParaRPr lang="de-DE" sz="2400" dirty="0">
               <a:solidFill>
                 <a:srgbClr val="FF0000"/>
               </a:solidFill>
@@ -35404,38 +35538,12 @@
           </a:p>
         </p:txBody>
       </p:sp>
-      <p:pic>
-        <p:nvPicPr>
-          <p:cNvPr id="7" name="Grafik 6"/>
-          <p:cNvPicPr>
-            <a:picLocks noChangeAspect="1"/>
-          </p:cNvPicPr>
-          <p:nvPr/>
-        </p:nvPicPr>
-        <p:blipFill>
-          <a:blip r:embed="rId3"/>
-          <a:stretch>
-            <a:fillRect/>
-          </a:stretch>
-        </p:blipFill>
-        <p:spPr>
-          <a:xfrm>
-            <a:off x="9912424" y="3429000"/>
-            <a:ext cx="1486230" cy="1264360"/>
-          </a:xfrm>
-          <a:prstGeom prst="rect">
-            <a:avLst/>
-          </a:prstGeom>
-          <a:effectLst>
-            <a:outerShdw blurRad="63500" sx="102000" sy="102000" algn="ctr" rotWithShape="0">
-              <a:prstClr val="black">
-                <a:alpha val="40000"/>
-              </a:prstClr>
-            </a:outerShdw>
-          </a:effectLst>
-        </p:spPr>
-      </p:pic>
     </p:spTree>
+    <p:extLst>
+      <p:ext uri="{BB962C8B-B14F-4D97-AF65-F5344CB8AC3E}">
+        <p14:creationId xmlns:p14="http://schemas.microsoft.com/office/powerpoint/2010/main" val="2215598986"/>
+      </p:ext>
+    </p:extLst>
   </p:cSld>
   <p:clrMapOvr>
     <a:masterClrMapping/>
@@ -35452,6 +35560,9 @@
                     <p:cTn id="3" fill="hold">
                       <p:stCondLst>
                         <p:cond delay="indefinite"/>
+                        <p:cond evt="onBegin" delay="0">
+                          <p:tn val="2"/>
+                        </p:cond>
                       </p:stCondLst>
                       <p:childTnLst>
                         <p:par>
@@ -35461,7 +35572,7 @@
                             </p:stCondLst>
                             <p:childTnLst>
                               <p:par>
-                                <p:cTn id="5" presetID="10" presetClass="entr" presetSubtype="0" fill="hold" grpId="0" nodeType="clickEffect">
+                                <p:cTn id="5" presetID="10" presetClass="entr" presetSubtype="0" fill="hold" nodeType="withEffect">
                                   <p:stCondLst>
                                     <p:cond delay="0"/>
                                   </p:stCondLst>
@@ -35469,6 +35580,343 @@
                                     <p:set>
                                       <p:cBhvr>
                                         <p:cTn id="6" dur="1" fill="hold">
+                                          <p:stCondLst>
+                                            <p:cond delay="0"/>
+                                          </p:stCondLst>
+                                        </p:cTn>
+                                        <p:tgtEl>
+                                          <p:spTgt spid="3">
+                                            <p:txEl>
+                                              <p:pRg st="4" end="4"/>
+                                            </p:txEl>
+                                          </p:spTgt>
+                                        </p:tgtEl>
+                                        <p:attrNameLst>
+                                          <p:attrName>style.visibility</p:attrName>
+                                        </p:attrNameLst>
+                                      </p:cBhvr>
+                                      <p:to>
+                                        <p:strVal val="visible"/>
+                                      </p:to>
+                                    </p:set>
+                                    <p:animEffect transition="in" filter="fade">
+                                      <p:cBhvr>
+                                        <p:cTn id="7" dur="1000"/>
+                                        <p:tgtEl>
+                                          <p:spTgt spid="3">
+                                            <p:txEl>
+                                              <p:pRg st="4" end="4"/>
+                                            </p:txEl>
+                                          </p:spTgt>
+                                        </p:tgtEl>
+                                      </p:cBhvr>
+                                    </p:animEffect>
+                                  </p:childTnLst>
+                                </p:cTn>
+                              </p:par>
+                              <p:par>
+                                <p:cTn id="8" presetID="10" presetClass="entr" presetSubtype="0" fill="hold" nodeType="withEffect">
+                                  <p:stCondLst>
+                                    <p:cond delay="0"/>
+                                  </p:stCondLst>
+                                  <p:childTnLst>
+                                    <p:set>
+                                      <p:cBhvr>
+                                        <p:cTn id="9" dur="1" fill="hold">
+                                          <p:stCondLst>
+                                            <p:cond delay="0"/>
+                                          </p:stCondLst>
+                                        </p:cTn>
+                                        <p:tgtEl>
+                                          <p:spTgt spid="3">
+                                            <p:txEl>
+                                              <p:pRg st="5" end="5"/>
+                                            </p:txEl>
+                                          </p:spTgt>
+                                        </p:tgtEl>
+                                        <p:attrNameLst>
+                                          <p:attrName>style.visibility</p:attrName>
+                                        </p:attrNameLst>
+                                      </p:cBhvr>
+                                      <p:to>
+                                        <p:strVal val="visible"/>
+                                      </p:to>
+                                    </p:set>
+                                    <p:animEffect transition="in" filter="fade">
+                                      <p:cBhvr>
+                                        <p:cTn id="10" dur="1000"/>
+                                        <p:tgtEl>
+                                          <p:spTgt spid="3">
+                                            <p:txEl>
+                                              <p:pRg st="5" end="5"/>
+                                            </p:txEl>
+                                          </p:spTgt>
+                                        </p:tgtEl>
+                                      </p:cBhvr>
+                                    </p:animEffect>
+                                  </p:childTnLst>
+                                </p:cTn>
+                              </p:par>
+                              <p:par>
+                                <p:cTn id="11" presetID="10" presetClass="entr" presetSubtype="0" fill="hold" nodeType="withEffect">
+                                  <p:stCondLst>
+                                    <p:cond delay="0"/>
+                                  </p:stCondLst>
+                                  <p:childTnLst>
+                                    <p:set>
+                                      <p:cBhvr>
+                                        <p:cTn id="12" dur="1" fill="hold">
+                                          <p:stCondLst>
+                                            <p:cond delay="0"/>
+                                          </p:stCondLst>
+                                        </p:cTn>
+                                        <p:tgtEl>
+                                          <p:spTgt spid="3">
+                                            <p:txEl>
+                                              <p:pRg st="7" end="7"/>
+                                            </p:txEl>
+                                          </p:spTgt>
+                                        </p:tgtEl>
+                                        <p:attrNameLst>
+                                          <p:attrName>style.visibility</p:attrName>
+                                        </p:attrNameLst>
+                                      </p:cBhvr>
+                                      <p:to>
+                                        <p:strVal val="visible"/>
+                                      </p:to>
+                                    </p:set>
+                                    <p:animEffect transition="in" filter="fade">
+                                      <p:cBhvr>
+                                        <p:cTn id="13" dur="1000"/>
+                                        <p:tgtEl>
+                                          <p:spTgt spid="3">
+                                            <p:txEl>
+                                              <p:pRg st="7" end="7"/>
+                                            </p:txEl>
+                                          </p:spTgt>
+                                        </p:tgtEl>
+                                      </p:cBhvr>
+                                    </p:animEffect>
+                                  </p:childTnLst>
+                                </p:cTn>
+                              </p:par>
+                              <p:par>
+                                <p:cTn id="14" presetID="10" presetClass="entr" presetSubtype="0" fill="hold" nodeType="withEffect">
+                                  <p:stCondLst>
+                                    <p:cond delay="0"/>
+                                  </p:stCondLst>
+                                  <p:childTnLst>
+                                    <p:set>
+                                      <p:cBhvr>
+                                        <p:cTn id="15" dur="1" fill="hold">
+                                          <p:stCondLst>
+                                            <p:cond delay="0"/>
+                                          </p:stCondLst>
+                                        </p:cTn>
+                                        <p:tgtEl>
+                                          <p:spTgt spid="3">
+                                            <p:txEl>
+                                              <p:pRg st="8" end="8"/>
+                                            </p:txEl>
+                                          </p:spTgt>
+                                        </p:tgtEl>
+                                        <p:attrNameLst>
+                                          <p:attrName>style.visibility</p:attrName>
+                                        </p:attrNameLst>
+                                      </p:cBhvr>
+                                      <p:to>
+                                        <p:strVal val="visible"/>
+                                      </p:to>
+                                    </p:set>
+                                    <p:animEffect transition="in" filter="fade">
+                                      <p:cBhvr>
+                                        <p:cTn id="16" dur="1000"/>
+                                        <p:tgtEl>
+                                          <p:spTgt spid="3">
+                                            <p:txEl>
+                                              <p:pRg st="8" end="8"/>
+                                            </p:txEl>
+                                          </p:spTgt>
+                                        </p:tgtEl>
+                                      </p:cBhvr>
+                                    </p:animEffect>
+                                  </p:childTnLst>
+                                </p:cTn>
+                              </p:par>
+                              <p:par>
+                                <p:cTn id="17" presetID="10" presetClass="entr" presetSubtype="0" fill="hold" nodeType="withEffect">
+                                  <p:stCondLst>
+                                    <p:cond delay="0"/>
+                                  </p:stCondLst>
+                                  <p:childTnLst>
+                                    <p:set>
+                                      <p:cBhvr>
+                                        <p:cTn id="18" dur="1" fill="hold">
+                                          <p:stCondLst>
+                                            <p:cond delay="0"/>
+                                          </p:stCondLst>
+                                        </p:cTn>
+                                        <p:tgtEl>
+                                          <p:spTgt spid="3">
+                                            <p:txEl>
+                                              <p:pRg st="9" end="9"/>
+                                            </p:txEl>
+                                          </p:spTgt>
+                                        </p:tgtEl>
+                                        <p:attrNameLst>
+                                          <p:attrName>style.visibility</p:attrName>
+                                        </p:attrNameLst>
+                                      </p:cBhvr>
+                                      <p:to>
+                                        <p:strVal val="visible"/>
+                                      </p:to>
+                                    </p:set>
+                                    <p:animEffect transition="in" filter="fade">
+                                      <p:cBhvr>
+                                        <p:cTn id="19" dur="1000"/>
+                                        <p:tgtEl>
+                                          <p:spTgt spid="3">
+                                            <p:txEl>
+                                              <p:pRg st="9" end="9"/>
+                                            </p:txEl>
+                                          </p:spTgt>
+                                        </p:tgtEl>
+                                      </p:cBhvr>
+                                    </p:animEffect>
+                                  </p:childTnLst>
+                                </p:cTn>
+                              </p:par>
+                            </p:childTnLst>
+                          </p:cTn>
+                        </p:par>
+                      </p:childTnLst>
+                    </p:cTn>
+                  </p:par>
+                  <p:par>
+                    <p:cTn id="20" fill="hold">
+                      <p:stCondLst>
+                        <p:cond delay="indefinite"/>
+                      </p:stCondLst>
+                      <p:childTnLst>
+                        <p:par>
+                          <p:cTn id="21" fill="hold">
+                            <p:stCondLst>
+                              <p:cond delay="0"/>
+                            </p:stCondLst>
+                            <p:childTnLst>
+                              <p:par>
+                                <p:cTn id="22" presetID="10" presetClass="entr" presetSubtype="0" fill="hold" nodeType="clickEffect">
+                                  <p:stCondLst>
+                                    <p:cond delay="0"/>
+                                  </p:stCondLst>
+                                  <p:childTnLst>
+                                    <p:set>
+                                      <p:cBhvr>
+                                        <p:cTn id="23" dur="1" fill="hold">
+                                          <p:stCondLst>
+                                            <p:cond delay="0"/>
+                                          </p:stCondLst>
+                                        </p:cTn>
+                                        <p:tgtEl>
+                                          <p:spTgt spid="3">
+                                            <p:txEl>
+                                              <p:pRg st="10" end="10"/>
+                                            </p:txEl>
+                                          </p:spTgt>
+                                        </p:tgtEl>
+                                        <p:attrNameLst>
+                                          <p:attrName>style.visibility</p:attrName>
+                                        </p:attrNameLst>
+                                      </p:cBhvr>
+                                      <p:to>
+                                        <p:strVal val="visible"/>
+                                      </p:to>
+                                    </p:set>
+                                    <p:animEffect transition="in" filter="fade">
+                                      <p:cBhvr>
+                                        <p:cTn id="24" dur="1000"/>
+                                        <p:tgtEl>
+                                          <p:spTgt spid="3">
+                                            <p:txEl>
+                                              <p:pRg st="10" end="10"/>
+                                            </p:txEl>
+                                          </p:spTgt>
+                                        </p:tgtEl>
+                                      </p:cBhvr>
+                                    </p:animEffect>
+                                  </p:childTnLst>
+                                </p:cTn>
+                              </p:par>
+                              <p:par>
+                                <p:cTn id="25" presetID="10" presetClass="entr" presetSubtype="0" fill="hold" nodeType="withEffect">
+                                  <p:stCondLst>
+                                    <p:cond delay="0"/>
+                                  </p:stCondLst>
+                                  <p:childTnLst>
+                                    <p:set>
+                                      <p:cBhvr>
+                                        <p:cTn id="26" dur="1" fill="hold">
+                                          <p:stCondLst>
+                                            <p:cond delay="0"/>
+                                          </p:stCondLst>
+                                        </p:cTn>
+                                        <p:tgtEl>
+                                          <p:spTgt spid="3">
+                                            <p:txEl>
+                                              <p:pRg st="11" end="11"/>
+                                            </p:txEl>
+                                          </p:spTgt>
+                                        </p:tgtEl>
+                                        <p:attrNameLst>
+                                          <p:attrName>style.visibility</p:attrName>
+                                        </p:attrNameLst>
+                                      </p:cBhvr>
+                                      <p:to>
+                                        <p:strVal val="visible"/>
+                                      </p:to>
+                                    </p:set>
+                                    <p:animEffect transition="in" filter="fade">
+                                      <p:cBhvr>
+                                        <p:cTn id="27" dur="1000"/>
+                                        <p:tgtEl>
+                                          <p:spTgt spid="3">
+                                            <p:txEl>
+                                              <p:pRg st="11" end="11"/>
+                                            </p:txEl>
+                                          </p:spTgt>
+                                        </p:tgtEl>
+                                      </p:cBhvr>
+                                    </p:animEffect>
+                                  </p:childTnLst>
+                                </p:cTn>
+                              </p:par>
+                            </p:childTnLst>
+                          </p:cTn>
+                        </p:par>
+                      </p:childTnLst>
+                    </p:cTn>
+                  </p:par>
+                  <p:par>
+                    <p:cTn id="28" fill="hold">
+                      <p:stCondLst>
+                        <p:cond delay="indefinite"/>
+                      </p:stCondLst>
+                      <p:childTnLst>
+                        <p:par>
+                          <p:cTn id="29" fill="hold">
+                            <p:stCondLst>
+                              <p:cond delay="0"/>
+                            </p:stCondLst>
+                            <p:childTnLst>
+                              <p:par>
+                                <p:cTn id="30" presetID="10" presetClass="entr" presetSubtype="0" fill="hold" grpId="0" nodeType="clickEffect">
+                                  <p:stCondLst>
+                                    <p:cond delay="0"/>
+                                  </p:stCondLst>
+                                  <p:childTnLst>
+                                    <p:set>
+                                      <p:cBhvr>
+                                        <p:cTn id="31" dur="1" fill="hold">
                                           <p:stCondLst>
                                             <p:cond delay="0"/>
                                           </p:stCondLst>
@@ -35486,7 +35934,7 @@
                                     </p:set>
                                     <p:animEffect transition="in" filter="fade">
                                       <p:cBhvr>
-                                        <p:cTn id="7" dur="2000"/>
+                                        <p:cTn id="32" dur="1000"/>
                                         <p:tgtEl>
                                           <p:spTgt spid="4"/>
                                         </p:tgtEl>
@@ -35495,39 +35943,21 @@
                                   </p:childTnLst>
                                 </p:cTn>
                               </p:par>
-                            </p:childTnLst>
-                          </p:cTn>
-                        </p:par>
-                      </p:childTnLst>
-                    </p:cTn>
-                  </p:par>
-                  <p:par>
-                    <p:cTn id="8" fill="hold">
-                      <p:stCondLst>
-                        <p:cond delay="indefinite"/>
-                      </p:stCondLst>
-                      <p:childTnLst>
-                        <p:par>
-                          <p:cTn id="9" fill="hold">
-                            <p:stCondLst>
-                              <p:cond delay="0"/>
-                            </p:stCondLst>
-                            <p:childTnLst>
                               <p:par>
-                                <p:cTn id="10" presetID="10" presetClass="entr" presetSubtype="0" fill="hold" nodeType="clickEffect">
+                                <p:cTn id="33" presetID="10" presetClass="entr" presetSubtype="0" fill="hold" grpId="0" nodeType="withEffect">
                                   <p:stCondLst>
                                     <p:cond delay="0"/>
                                   </p:stCondLst>
                                   <p:childTnLst>
                                     <p:set>
                                       <p:cBhvr>
-                                        <p:cTn id="11" dur="1" fill="hold">
+                                        <p:cTn id="34" dur="1" fill="hold">
                                           <p:stCondLst>
                                             <p:cond delay="0"/>
                                           </p:stCondLst>
                                         </p:cTn>
                                         <p:tgtEl>
-                                          <p:spTgt spid="7"/>
+                                          <p:spTgt spid="5"/>
                                         </p:tgtEl>
                                         <p:attrNameLst>
                                           <p:attrName>style.visibility</p:attrName>
@@ -35539,9 +35969,9 @@
                                     </p:set>
                                     <p:animEffect transition="in" filter="fade">
                                       <p:cBhvr>
-                                        <p:cTn id="12" dur="500"/>
+                                        <p:cTn id="35" dur="1000"/>
                                         <p:tgtEl>
-                                          <p:spTgt spid="7"/>
+                                          <p:spTgt spid="5"/>
                                         </p:tgtEl>
                                       </p:cBhvr>
                                     </p:animEffect>
@@ -35576,580 +36006,15 @@
       </p:par>
     </p:tnLst>
     <p:bldLst>
-      <p:bldP spid="4" grpId="0"/>
-    </p:bldLst>
-  </p:timing>
-</p:sld>
-</file>
-
-<file path=ppt/slides/slide3.xml><?xml version="1.0" encoding="utf-8"?>
-<p:sld xmlns:a="http://schemas.openxmlformats.org/drawingml/2006/main" xmlns:r="http://schemas.openxmlformats.org/officeDocument/2006/relationships" xmlns:p="http://schemas.openxmlformats.org/presentationml/2006/main" show="0">
-  <p:cSld>
-    <p:spTree>
-      <p:nvGrpSpPr>
-        <p:cNvPr id="1" name=""/>
-        <p:cNvGrpSpPr/>
-        <p:nvPr/>
-      </p:nvGrpSpPr>
-      <p:grpSpPr>
-        <a:xfrm>
-          <a:off x="0" y="0"/>
-          <a:ext cx="0" cy="0"/>
-          <a:chOff x="0" y="0"/>
-          <a:chExt cx="0" cy="0"/>
-        </a:xfrm>
-      </p:grpSpPr>
-      <p:sp>
-        <p:nvSpPr>
-          <p:cNvPr id="15361" name="Titel 1"/>
-          <p:cNvSpPr>
-            <a:spLocks noGrp="1"/>
-          </p:cNvSpPr>
-          <p:nvPr>
-            <p:ph type="title"/>
-          </p:nvPr>
-        </p:nvSpPr>
-        <p:spPr/>
-        <p:txBody>
-          <a:bodyPr/>
-          <a:lstStyle/>
-          <a:p>
-            <a:r>
-              <a:rPr lang="de-DE" dirty="0" err="1" smtClean="0"/>
-              <a:t>Example</a:t>
-            </a:r>
-            <a:endParaRPr lang="de-DE" dirty="0"/>
-          </a:p>
-        </p:txBody>
-      </p:sp>
-      <p:sp>
-        <p:nvSpPr>
-          <p:cNvPr id="6" name="Inhaltsplatzhalter 5"/>
-          <p:cNvSpPr>
-            <a:spLocks noGrp="1"/>
-          </p:cNvSpPr>
-          <p:nvPr>
-            <p:ph idx="4294967295"/>
-          </p:nvPr>
-        </p:nvSpPr>
-        <p:spPr>
-          <a:xfrm>
-            <a:off x="1631504" y="2132856"/>
-            <a:ext cx="10513168" cy="4594820"/>
-          </a:xfrm>
-        </p:spPr>
-        <p:txBody>
-          <a:bodyPr/>
-          <a:lstStyle/>
-          <a:p>
-            <a:endParaRPr lang="en-US" dirty="0"/>
-          </a:p>
-        </p:txBody>
-      </p:sp>
-      <p:sp>
-        <p:nvSpPr>
-          <p:cNvPr id="5" name="Foliennummernplatzhalter 4"/>
-          <p:cNvSpPr>
-            <a:spLocks noGrp="1"/>
-          </p:cNvSpPr>
-          <p:nvPr>
-            <p:ph type="sldNum" sz="quarter" idx="12"/>
-          </p:nvPr>
-        </p:nvSpPr>
-        <p:spPr/>
-        <p:txBody>
-          <a:bodyPr/>
-          <a:lstStyle/>
-          <a:p>
-            <a:pPr>
-              <a:defRPr/>
-            </a:pPr>
-            <a:fld id="{C5920BBF-02F3-4B42-96EB-9EE6DE206F27}" type="slidenum">
-              <a:rPr lang="de-DE"/>
-              <a:pPr>
-                <a:defRPr/>
-              </a:pPr>
-              <a:t>3</a:t>
-            </a:fld>
-            <a:endParaRPr lang="de-DE"/>
-          </a:p>
-        </p:txBody>
-      </p:sp>
-      <p:pic>
-        <p:nvPicPr>
-          <p:cNvPr id="4098" name="Picture 2"/>
-          <p:cNvPicPr>
-            <a:picLocks noChangeAspect="1" noChangeArrowheads="1"/>
-          </p:cNvPicPr>
-          <p:nvPr/>
-        </p:nvPicPr>
-        <p:blipFill>
-          <a:blip r:embed="rId3"/>
-          <a:srcRect/>
-          <a:stretch>
-            <a:fillRect/>
-          </a:stretch>
-        </p:blipFill>
-        <p:spPr bwMode="auto">
-          <a:xfrm>
-            <a:off x="1703389" y="1711721"/>
-            <a:ext cx="5629275" cy="5173663"/>
-          </a:xfrm>
-          <a:prstGeom prst="rect">
-            <a:avLst/>
-          </a:prstGeom>
-          <a:ln>
-            <a:noFill/>
-          </a:ln>
-          <a:effectLst>
-            <a:outerShdw blurRad="292100" dist="139700" dir="2700000" algn="tl" rotWithShape="0">
-              <a:srgbClr val="333333">
-                <a:alpha val="65000"/>
-              </a:srgbClr>
-            </a:outerShdw>
-          </a:effectLst>
-          <a:extLst/>
-        </p:spPr>
-      </p:pic>
-      <p:sp>
-        <p:nvSpPr>
-          <p:cNvPr id="3" name="Rechteck 2"/>
-          <p:cNvSpPr/>
-          <p:nvPr/>
-        </p:nvSpPr>
-        <p:spPr>
-          <a:xfrm>
-            <a:off x="1774826" y="1810146"/>
-            <a:ext cx="8424863" cy="720725"/>
-          </a:xfrm>
-          <a:prstGeom prst="rect">
-            <a:avLst/>
-          </a:prstGeom>
-          <a:solidFill>
-            <a:srgbClr val="FFC000">
-              <a:alpha val="30000"/>
-            </a:srgbClr>
-          </a:solidFill>
-          <a:ln>
-            <a:noFill/>
-          </a:ln>
-        </p:spPr>
-        <p:style>
-          <a:lnRef idx="2">
-            <a:schemeClr val="accent1">
-              <a:shade val="50000"/>
-            </a:schemeClr>
-          </a:lnRef>
-          <a:fillRef idx="1">
-            <a:schemeClr val="accent1"/>
-          </a:fillRef>
-          <a:effectRef idx="0">
-            <a:schemeClr val="accent1"/>
-          </a:effectRef>
-          <a:fontRef idx="minor">
-            <a:schemeClr val="lt1"/>
-          </a:fontRef>
-        </p:style>
-        <p:txBody>
-          <a:bodyPr anchor="ctr"/>
-          <a:lstStyle/>
-          <a:p>
-            <a:pPr algn="ctr" fontAlgn="auto">
-              <a:spcBef>
-                <a:spcPts val="0"/>
-              </a:spcBef>
-              <a:spcAft>
-                <a:spcPts val="0"/>
-              </a:spcAft>
-              <a:defRPr/>
-            </a:pPr>
-            <a:endParaRPr lang="de-DE" dirty="0"/>
-          </a:p>
-        </p:txBody>
-      </p:sp>
-      <p:sp>
-        <p:nvSpPr>
-          <p:cNvPr id="8" name="Rechteck 7"/>
-          <p:cNvSpPr/>
-          <p:nvPr/>
-        </p:nvSpPr>
-        <p:spPr>
-          <a:xfrm>
-            <a:off x="1774826" y="2534045"/>
-            <a:ext cx="8424863" cy="4229100"/>
-          </a:xfrm>
-          <a:prstGeom prst="rect">
-            <a:avLst/>
-          </a:prstGeom>
-          <a:solidFill>
-            <a:schemeClr val="accent3">
-              <a:lumMod val="75000"/>
-              <a:alpha val="30000"/>
-            </a:schemeClr>
-          </a:solidFill>
-          <a:ln>
-            <a:noFill/>
-          </a:ln>
-        </p:spPr>
-        <p:style>
-          <a:lnRef idx="2">
-            <a:schemeClr val="accent1">
-              <a:shade val="50000"/>
-            </a:schemeClr>
-          </a:lnRef>
-          <a:fillRef idx="1">
-            <a:schemeClr val="accent1"/>
-          </a:fillRef>
-          <a:effectRef idx="0">
-            <a:schemeClr val="accent1"/>
-          </a:effectRef>
-          <a:fontRef idx="minor">
-            <a:schemeClr val="lt1"/>
-          </a:fontRef>
-        </p:style>
-        <p:txBody>
-          <a:bodyPr anchor="ctr"/>
-          <a:lstStyle/>
-          <a:p>
-            <a:pPr algn="ctr" fontAlgn="auto">
-              <a:spcBef>
-                <a:spcPts val="0"/>
-              </a:spcBef>
-              <a:spcAft>
-                <a:spcPts val="0"/>
-              </a:spcAft>
-              <a:defRPr/>
-            </a:pPr>
-            <a:endParaRPr lang="de-DE"/>
-          </a:p>
-        </p:txBody>
-      </p:sp>
-      <p:sp>
-        <p:nvSpPr>
-          <p:cNvPr id="4" name="Textfeld 3"/>
-          <p:cNvSpPr txBox="1">
-            <a:spLocks noChangeArrowheads="1"/>
-          </p:cNvSpPr>
-          <p:nvPr/>
-        </p:nvSpPr>
-        <p:spPr bwMode="auto">
-          <a:xfrm>
-            <a:off x="8112126" y="1908571"/>
-            <a:ext cx="1544077" cy="523220"/>
-          </a:xfrm>
-          <a:prstGeom prst="rect">
-            <a:avLst/>
-          </a:prstGeom>
-          <a:noFill/>
-          <a:ln w="9525">
-            <a:noFill/>
-            <a:miter lim="800000"/>
-            <a:headEnd/>
-            <a:tailEnd/>
-          </a:ln>
-        </p:spPr>
-        <p:txBody>
-          <a:bodyPr wrap="none">
-            <a:spAutoFit/>
-          </a:bodyPr>
-          <a:lstStyle/>
-          <a:p>
-            <a:r>
-              <a:rPr lang="de-DE" sz="2800" dirty="0" err="1" smtClean="0">
-                <a:solidFill>
-                  <a:srgbClr val="FF0000"/>
-                </a:solidFill>
-                <a:latin typeface="Calibri" pitchFamily="34" charset="0"/>
-              </a:rPr>
-              <a:t>Structure</a:t>
-            </a:r>
-            <a:endParaRPr lang="de-DE" sz="2800" dirty="0">
-              <a:solidFill>
-                <a:srgbClr val="FF0000"/>
-              </a:solidFill>
-              <a:latin typeface="Calibri" pitchFamily="34" charset="0"/>
-            </a:endParaRPr>
-          </a:p>
-        </p:txBody>
-      </p:sp>
-      <p:sp>
-        <p:nvSpPr>
-          <p:cNvPr id="9" name="Textfeld 8"/>
-          <p:cNvSpPr txBox="1">
-            <a:spLocks noChangeArrowheads="1"/>
-          </p:cNvSpPr>
-          <p:nvPr/>
-        </p:nvSpPr>
-        <p:spPr bwMode="auto">
-          <a:xfrm>
-            <a:off x="8002588" y="4410470"/>
-            <a:ext cx="1470724" cy="523220"/>
-          </a:xfrm>
-          <a:prstGeom prst="rect">
-            <a:avLst/>
-          </a:prstGeom>
-          <a:noFill/>
-          <a:ln w="9525">
-            <a:noFill/>
-            <a:miter lim="800000"/>
-            <a:headEnd/>
-            <a:tailEnd/>
-          </a:ln>
-        </p:spPr>
-        <p:txBody>
-          <a:bodyPr wrap="none">
-            <a:spAutoFit/>
-          </a:bodyPr>
-          <a:lstStyle/>
-          <a:p>
-            <a:r>
-              <a:rPr lang="de-DE" sz="2800" dirty="0" err="1" smtClean="0">
-                <a:solidFill>
-                  <a:srgbClr val="FF0000"/>
-                </a:solidFill>
-                <a:latin typeface="Calibri" pitchFamily="34" charset="0"/>
-              </a:rPr>
-              <a:t>Behavior</a:t>
-            </a:r>
-            <a:endParaRPr lang="de-DE" sz="2800" dirty="0">
-              <a:solidFill>
-                <a:srgbClr val="FF0000"/>
-              </a:solidFill>
-              <a:latin typeface="Calibri" pitchFamily="34" charset="0"/>
-            </a:endParaRPr>
-          </a:p>
-        </p:txBody>
-      </p:sp>
-    </p:spTree>
-  </p:cSld>
-  <p:clrMapOvr>
-    <a:masterClrMapping/>
-  </p:clrMapOvr>
-  <mc:AlternateContent xmlns:mc="http://schemas.openxmlformats.org/markup-compatibility/2006" xmlns:p14="http://schemas.microsoft.com/office/powerpoint/2010/main">
-    <mc:Choice Requires="p14">
-      <p:transition spd="slow" p14:dur="2000"/>
-    </mc:Choice>
-    <mc:Fallback xmlns="">
-      <p:transition spd="slow"/>
-    </mc:Fallback>
-  </mc:AlternateContent>
-  <p:timing>
-    <p:tnLst>
-      <p:par>
-        <p:cTn id="1" dur="indefinite" restart="never" nodeType="tmRoot">
-          <p:childTnLst>
-            <p:seq concurrent="1" nextAc="seek">
-              <p:cTn id="2" dur="indefinite" nodeType="mainSeq">
-                <p:childTnLst>
-                  <p:par>
-                    <p:cTn id="3" fill="hold">
-                      <p:stCondLst>
-                        <p:cond delay="indefinite"/>
-                      </p:stCondLst>
-                      <p:childTnLst>
-                        <p:par>
-                          <p:cTn id="4" fill="hold">
-                            <p:stCondLst>
-                              <p:cond delay="0"/>
-                            </p:stCondLst>
-                            <p:childTnLst>
-                              <p:par>
-                                <p:cTn id="5" presetID="10" presetClass="entr" presetSubtype="0" fill="hold" grpId="0" nodeType="clickEffect">
-                                  <p:stCondLst>
-                                    <p:cond delay="0"/>
-                                  </p:stCondLst>
-                                  <p:childTnLst>
-                                    <p:set>
-                                      <p:cBhvr>
-                                        <p:cTn id="6" dur="1" fill="hold">
-                                          <p:stCondLst>
-                                            <p:cond delay="0"/>
-                                          </p:stCondLst>
-                                        </p:cTn>
-                                        <p:tgtEl>
-                                          <p:spTgt spid="4"/>
-                                        </p:tgtEl>
-                                        <p:attrNameLst>
-                                          <p:attrName>style.visibility</p:attrName>
-                                        </p:attrNameLst>
-                                      </p:cBhvr>
-                                      <p:to>
-                                        <p:strVal val="visible"/>
-                                      </p:to>
-                                    </p:set>
-                                    <p:animEffect transition="in" filter="fade">
-                                      <p:cBhvr>
-                                        <p:cTn id="7" dur="1000"/>
-                                        <p:tgtEl>
-                                          <p:spTgt spid="4"/>
-                                        </p:tgtEl>
-                                      </p:cBhvr>
-                                    </p:animEffect>
-                                  </p:childTnLst>
-                                </p:cTn>
-                              </p:par>
-                              <p:par>
-                                <p:cTn id="8" presetID="10" presetClass="entr" presetSubtype="0" fill="hold" grpId="0" nodeType="withEffect">
-                                  <p:stCondLst>
-                                    <p:cond delay="0"/>
-                                  </p:stCondLst>
-                                  <p:childTnLst>
-                                    <p:set>
-                                      <p:cBhvr>
-                                        <p:cTn id="9" dur="1" fill="hold">
-                                          <p:stCondLst>
-                                            <p:cond delay="0"/>
-                                          </p:stCondLst>
-                                        </p:cTn>
-                                        <p:tgtEl>
-                                          <p:spTgt spid="3"/>
-                                        </p:tgtEl>
-                                        <p:attrNameLst>
-                                          <p:attrName>style.visibility</p:attrName>
-                                        </p:attrNameLst>
-                                      </p:cBhvr>
-                                      <p:to>
-                                        <p:strVal val="visible"/>
-                                      </p:to>
-                                    </p:set>
-                                    <p:animEffect transition="in" filter="fade">
-                                      <p:cBhvr>
-                                        <p:cTn id="10" dur="1000"/>
-                                        <p:tgtEl>
-                                          <p:spTgt spid="3"/>
-                                        </p:tgtEl>
-                                      </p:cBhvr>
-                                    </p:animEffect>
-                                  </p:childTnLst>
-                                </p:cTn>
-                              </p:par>
-                            </p:childTnLst>
-                          </p:cTn>
-                        </p:par>
-                      </p:childTnLst>
-                    </p:cTn>
-                  </p:par>
-                  <p:par>
-                    <p:cTn id="11" fill="hold">
-                      <p:stCondLst>
-                        <p:cond delay="indefinite"/>
-                      </p:stCondLst>
-                      <p:childTnLst>
-                        <p:par>
-                          <p:cTn id="12" fill="hold">
-                            <p:stCondLst>
-                              <p:cond delay="0"/>
-                            </p:stCondLst>
-                            <p:childTnLst>
-                              <p:par>
-                                <p:cTn id="13" presetID="10" presetClass="entr" presetSubtype="0" fill="hold" grpId="0" nodeType="clickEffect">
-                                  <p:stCondLst>
-                                    <p:cond delay="0"/>
-                                  </p:stCondLst>
-                                  <p:childTnLst>
-                                    <p:set>
-                                      <p:cBhvr>
-                                        <p:cTn id="14" dur="1" fill="hold">
-                                          <p:stCondLst>
-                                            <p:cond delay="0"/>
-                                          </p:stCondLst>
-                                        </p:cTn>
-                                        <p:tgtEl>
-                                          <p:spTgt spid="9"/>
-                                        </p:tgtEl>
-                                        <p:attrNameLst>
-                                          <p:attrName>style.visibility</p:attrName>
-                                        </p:attrNameLst>
-                                      </p:cBhvr>
-                                      <p:to>
-                                        <p:strVal val="visible"/>
-                                      </p:to>
-                                    </p:set>
-                                    <p:animEffect transition="in" filter="fade">
-                                      <p:cBhvr>
-                                        <p:cTn id="15" dur="1000"/>
-                                        <p:tgtEl>
-                                          <p:spTgt spid="9"/>
-                                        </p:tgtEl>
-                                      </p:cBhvr>
-                                    </p:animEffect>
-                                  </p:childTnLst>
-                                </p:cTn>
-                              </p:par>
-                              <p:par>
-                                <p:cTn id="16" presetID="10" presetClass="entr" presetSubtype="0" fill="hold" grpId="0" nodeType="withEffect">
-                                  <p:stCondLst>
-                                    <p:cond delay="0"/>
-                                  </p:stCondLst>
-                                  <p:childTnLst>
-                                    <p:set>
-                                      <p:cBhvr>
-                                        <p:cTn id="17" dur="1" fill="hold">
-                                          <p:stCondLst>
-                                            <p:cond delay="0"/>
-                                          </p:stCondLst>
-                                        </p:cTn>
-                                        <p:tgtEl>
-                                          <p:spTgt spid="8"/>
-                                        </p:tgtEl>
-                                        <p:attrNameLst>
-                                          <p:attrName>style.visibility</p:attrName>
-                                        </p:attrNameLst>
-                                      </p:cBhvr>
-                                      <p:to>
-                                        <p:strVal val="visible"/>
-                                      </p:to>
-                                    </p:set>
-                                    <p:animEffect transition="in" filter="fade">
-                                      <p:cBhvr>
-                                        <p:cTn id="18" dur="1000"/>
-                                        <p:tgtEl>
-                                          <p:spTgt spid="8"/>
-                                        </p:tgtEl>
-                                      </p:cBhvr>
-                                    </p:animEffect>
-                                  </p:childTnLst>
-                                </p:cTn>
-                              </p:par>
-                            </p:childTnLst>
-                          </p:cTn>
-                        </p:par>
-                      </p:childTnLst>
-                    </p:cTn>
-                  </p:par>
-                </p:childTnLst>
-              </p:cTn>
-              <p:prevCondLst>
-                <p:cond evt="onPrev" delay="0">
-                  <p:tgtEl>
-                    <p:sldTgt/>
-                  </p:tgtEl>
-                </p:cond>
-              </p:prevCondLst>
-              <p:nextCondLst>
-                <p:cond evt="onNext" delay="0">
-                  <p:tgtEl>
-                    <p:sldTgt/>
-                  </p:tgtEl>
-                </p:cond>
-              </p:nextCondLst>
-            </p:seq>
-          </p:childTnLst>
-        </p:cTn>
-      </p:par>
-    </p:tnLst>
-    <p:bldLst>
-      <p:bldP spid="3" grpId="0" animBg="1"/>
-      <p:bldP spid="8" grpId="0" animBg="1"/>
-      <p:bldP spid="4" grpId="0"/>
-      <p:bldP spid="9" grpId="0"/>
+      <p:bldP spid="4" grpId="0" animBg="1"/>
+      <p:bldP spid="5" grpId="0"/>
     </p:bldLst>
   </p:timing>
 </p:sld>
 </file>
 
 <file path=ppt/slides/slide30.xml><?xml version="1.0" encoding="utf-8"?>
-<p:sld xmlns:a="http://schemas.openxmlformats.org/drawingml/2006/main" xmlns:r="http://schemas.openxmlformats.org/officeDocument/2006/relationships" xmlns:p="http://schemas.openxmlformats.org/presentationml/2006/main">
+<p:sld xmlns:a="http://schemas.openxmlformats.org/drawingml/2006/main" xmlns:r="http://schemas.openxmlformats.org/officeDocument/2006/relationships" xmlns:p="http://schemas.openxmlformats.org/presentationml/2006/main" show="0">
   <p:cSld>
     <p:spTree>
       <p:nvGrpSpPr>
@@ -37147,6 +37012,14 @@
   <p:clrMapOvr>
     <a:masterClrMapping/>
   </p:clrMapOvr>
+  <mc:AlternateContent xmlns:mc="http://schemas.openxmlformats.org/markup-compatibility/2006">
+    <mc:Choice xmlns:p14="http://schemas.microsoft.com/office/powerpoint/2010/main" Requires="p14">
+      <p:transition spd="slow" p14:dur="2000"/>
+    </mc:Choice>
+    <mc:Fallback>
+      <p:transition spd="slow"/>
+    </mc:Fallback>
+  </mc:AlternateContent>
   <p:timing>
     <p:tnLst>
       <p:par>
@@ -38337,7 +38210,7 @@
             </a:r>
             <a:r>
               <a:rPr lang="de-DE" dirty="0" err="1" smtClean="0"/>
-              <a:t>stateiments</a:t>
+              <a:t>statements</a:t>
             </a:r>
             <a:r>
               <a:rPr lang="de-DE" dirty="0" smtClean="0"/>
@@ -39297,6 +39170,572 @@
 </file>
 
 <file path=ppt/slides/slide4.xml><?xml version="1.0" encoding="utf-8"?>
+<p:sld xmlns:a="http://schemas.openxmlformats.org/drawingml/2006/main" xmlns:r="http://schemas.openxmlformats.org/officeDocument/2006/relationships" xmlns:p="http://schemas.openxmlformats.org/presentationml/2006/main" show="0">
+  <p:cSld>
+    <p:spTree>
+      <p:nvGrpSpPr>
+        <p:cNvPr id="1" name=""/>
+        <p:cNvGrpSpPr/>
+        <p:nvPr/>
+      </p:nvGrpSpPr>
+      <p:grpSpPr>
+        <a:xfrm>
+          <a:off x="0" y="0"/>
+          <a:ext cx="0" cy="0"/>
+          <a:chOff x="0" y="0"/>
+          <a:chExt cx="0" cy="0"/>
+        </a:xfrm>
+      </p:grpSpPr>
+      <p:sp>
+        <p:nvSpPr>
+          <p:cNvPr id="15361" name="Titel 1"/>
+          <p:cNvSpPr>
+            <a:spLocks noGrp="1"/>
+          </p:cNvSpPr>
+          <p:nvPr>
+            <p:ph type="title"/>
+          </p:nvPr>
+        </p:nvSpPr>
+        <p:spPr/>
+        <p:txBody>
+          <a:bodyPr/>
+          <a:lstStyle/>
+          <a:p>
+            <a:r>
+              <a:rPr lang="de-DE" dirty="0" err="1" smtClean="0"/>
+              <a:t>Example</a:t>
+            </a:r>
+            <a:endParaRPr lang="de-DE" dirty="0"/>
+          </a:p>
+        </p:txBody>
+      </p:sp>
+      <p:sp>
+        <p:nvSpPr>
+          <p:cNvPr id="6" name="Inhaltsplatzhalter 5"/>
+          <p:cNvSpPr>
+            <a:spLocks noGrp="1"/>
+          </p:cNvSpPr>
+          <p:nvPr>
+            <p:ph idx="4294967295"/>
+          </p:nvPr>
+        </p:nvSpPr>
+        <p:spPr>
+          <a:xfrm>
+            <a:off x="1631504" y="2132856"/>
+            <a:ext cx="10513168" cy="4594820"/>
+          </a:xfrm>
+        </p:spPr>
+        <p:txBody>
+          <a:bodyPr/>
+          <a:lstStyle/>
+          <a:p>
+            <a:endParaRPr lang="en-US" dirty="0"/>
+          </a:p>
+        </p:txBody>
+      </p:sp>
+      <p:sp>
+        <p:nvSpPr>
+          <p:cNvPr id="5" name="Foliennummernplatzhalter 4"/>
+          <p:cNvSpPr>
+            <a:spLocks noGrp="1"/>
+          </p:cNvSpPr>
+          <p:nvPr>
+            <p:ph type="sldNum" sz="quarter" idx="12"/>
+          </p:nvPr>
+        </p:nvSpPr>
+        <p:spPr/>
+        <p:txBody>
+          <a:bodyPr/>
+          <a:lstStyle/>
+          <a:p>
+            <a:pPr>
+              <a:defRPr/>
+            </a:pPr>
+            <a:fld id="{C5920BBF-02F3-4B42-96EB-9EE6DE206F27}" type="slidenum">
+              <a:rPr lang="de-DE"/>
+              <a:pPr>
+                <a:defRPr/>
+              </a:pPr>
+              <a:t>4</a:t>
+            </a:fld>
+            <a:endParaRPr lang="de-DE"/>
+          </a:p>
+        </p:txBody>
+      </p:sp>
+      <p:pic>
+        <p:nvPicPr>
+          <p:cNvPr id="4098" name="Picture 2"/>
+          <p:cNvPicPr>
+            <a:picLocks noChangeAspect="1" noChangeArrowheads="1"/>
+          </p:cNvPicPr>
+          <p:nvPr/>
+        </p:nvPicPr>
+        <p:blipFill>
+          <a:blip r:embed="rId3"/>
+          <a:srcRect/>
+          <a:stretch>
+            <a:fillRect/>
+          </a:stretch>
+        </p:blipFill>
+        <p:spPr bwMode="auto">
+          <a:xfrm>
+            <a:off x="1703389" y="1711721"/>
+            <a:ext cx="5629275" cy="5173663"/>
+          </a:xfrm>
+          <a:prstGeom prst="rect">
+            <a:avLst/>
+          </a:prstGeom>
+          <a:ln>
+            <a:noFill/>
+          </a:ln>
+          <a:effectLst>
+            <a:outerShdw blurRad="292100" dist="139700" dir="2700000" algn="tl" rotWithShape="0">
+              <a:srgbClr val="333333">
+                <a:alpha val="65000"/>
+              </a:srgbClr>
+            </a:outerShdw>
+          </a:effectLst>
+          <a:extLst/>
+        </p:spPr>
+      </p:pic>
+      <p:sp>
+        <p:nvSpPr>
+          <p:cNvPr id="3" name="Rechteck 2"/>
+          <p:cNvSpPr/>
+          <p:nvPr/>
+        </p:nvSpPr>
+        <p:spPr>
+          <a:xfrm>
+            <a:off x="1774826" y="1810146"/>
+            <a:ext cx="8424863" cy="720725"/>
+          </a:xfrm>
+          <a:prstGeom prst="rect">
+            <a:avLst/>
+          </a:prstGeom>
+          <a:solidFill>
+            <a:srgbClr val="FFC000">
+              <a:alpha val="30000"/>
+            </a:srgbClr>
+          </a:solidFill>
+          <a:ln>
+            <a:noFill/>
+          </a:ln>
+        </p:spPr>
+        <p:style>
+          <a:lnRef idx="2">
+            <a:schemeClr val="accent1">
+              <a:shade val="50000"/>
+            </a:schemeClr>
+          </a:lnRef>
+          <a:fillRef idx="1">
+            <a:schemeClr val="accent1"/>
+          </a:fillRef>
+          <a:effectRef idx="0">
+            <a:schemeClr val="accent1"/>
+          </a:effectRef>
+          <a:fontRef idx="minor">
+            <a:schemeClr val="lt1"/>
+          </a:fontRef>
+        </p:style>
+        <p:txBody>
+          <a:bodyPr anchor="ctr"/>
+          <a:lstStyle/>
+          <a:p>
+            <a:pPr algn="ctr" fontAlgn="auto">
+              <a:spcBef>
+                <a:spcPts val="0"/>
+              </a:spcBef>
+              <a:spcAft>
+                <a:spcPts val="0"/>
+              </a:spcAft>
+              <a:defRPr/>
+            </a:pPr>
+            <a:endParaRPr lang="de-DE" dirty="0"/>
+          </a:p>
+        </p:txBody>
+      </p:sp>
+      <p:sp>
+        <p:nvSpPr>
+          <p:cNvPr id="8" name="Rechteck 7"/>
+          <p:cNvSpPr/>
+          <p:nvPr/>
+        </p:nvSpPr>
+        <p:spPr>
+          <a:xfrm>
+            <a:off x="1774826" y="2534045"/>
+            <a:ext cx="8424863" cy="4229100"/>
+          </a:xfrm>
+          <a:prstGeom prst="rect">
+            <a:avLst/>
+          </a:prstGeom>
+          <a:solidFill>
+            <a:schemeClr val="accent3">
+              <a:lumMod val="75000"/>
+              <a:alpha val="30000"/>
+            </a:schemeClr>
+          </a:solidFill>
+          <a:ln>
+            <a:noFill/>
+          </a:ln>
+        </p:spPr>
+        <p:style>
+          <a:lnRef idx="2">
+            <a:schemeClr val="accent1">
+              <a:shade val="50000"/>
+            </a:schemeClr>
+          </a:lnRef>
+          <a:fillRef idx="1">
+            <a:schemeClr val="accent1"/>
+          </a:fillRef>
+          <a:effectRef idx="0">
+            <a:schemeClr val="accent1"/>
+          </a:effectRef>
+          <a:fontRef idx="minor">
+            <a:schemeClr val="lt1"/>
+          </a:fontRef>
+        </p:style>
+        <p:txBody>
+          <a:bodyPr anchor="ctr"/>
+          <a:lstStyle/>
+          <a:p>
+            <a:pPr algn="ctr" fontAlgn="auto">
+              <a:spcBef>
+                <a:spcPts val="0"/>
+              </a:spcBef>
+              <a:spcAft>
+                <a:spcPts val="0"/>
+              </a:spcAft>
+              <a:defRPr/>
+            </a:pPr>
+            <a:endParaRPr lang="de-DE"/>
+          </a:p>
+        </p:txBody>
+      </p:sp>
+      <p:sp>
+        <p:nvSpPr>
+          <p:cNvPr id="4" name="Textfeld 3"/>
+          <p:cNvSpPr txBox="1">
+            <a:spLocks noChangeArrowheads="1"/>
+          </p:cNvSpPr>
+          <p:nvPr/>
+        </p:nvSpPr>
+        <p:spPr bwMode="auto">
+          <a:xfrm>
+            <a:off x="8112126" y="1908571"/>
+            <a:ext cx="1544077" cy="523220"/>
+          </a:xfrm>
+          <a:prstGeom prst="rect">
+            <a:avLst/>
+          </a:prstGeom>
+          <a:noFill/>
+          <a:ln w="9525">
+            <a:noFill/>
+            <a:miter lim="800000"/>
+            <a:headEnd/>
+            <a:tailEnd/>
+          </a:ln>
+        </p:spPr>
+        <p:txBody>
+          <a:bodyPr wrap="none">
+            <a:spAutoFit/>
+          </a:bodyPr>
+          <a:lstStyle/>
+          <a:p>
+            <a:r>
+              <a:rPr lang="de-DE" sz="2800" dirty="0" err="1" smtClean="0">
+                <a:solidFill>
+                  <a:srgbClr val="FF0000"/>
+                </a:solidFill>
+                <a:latin typeface="Calibri" pitchFamily="34" charset="0"/>
+              </a:rPr>
+              <a:t>Structure</a:t>
+            </a:r>
+            <a:endParaRPr lang="de-DE" sz="2800" dirty="0">
+              <a:solidFill>
+                <a:srgbClr val="FF0000"/>
+              </a:solidFill>
+              <a:latin typeface="Calibri" pitchFamily="34" charset="0"/>
+            </a:endParaRPr>
+          </a:p>
+        </p:txBody>
+      </p:sp>
+      <p:sp>
+        <p:nvSpPr>
+          <p:cNvPr id="9" name="Textfeld 8"/>
+          <p:cNvSpPr txBox="1">
+            <a:spLocks noChangeArrowheads="1"/>
+          </p:cNvSpPr>
+          <p:nvPr/>
+        </p:nvSpPr>
+        <p:spPr bwMode="auto">
+          <a:xfrm>
+            <a:off x="8002588" y="4410470"/>
+            <a:ext cx="1470724" cy="523220"/>
+          </a:xfrm>
+          <a:prstGeom prst="rect">
+            <a:avLst/>
+          </a:prstGeom>
+          <a:noFill/>
+          <a:ln w="9525">
+            <a:noFill/>
+            <a:miter lim="800000"/>
+            <a:headEnd/>
+            <a:tailEnd/>
+          </a:ln>
+        </p:spPr>
+        <p:txBody>
+          <a:bodyPr wrap="none">
+            <a:spAutoFit/>
+          </a:bodyPr>
+          <a:lstStyle/>
+          <a:p>
+            <a:r>
+              <a:rPr lang="de-DE" sz="2800" dirty="0" err="1" smtClean="0">
+                <a:solidFill>
+                  <a:srgbClr val="FF0000"/>
+                </a:solidFill>
+                <a:latin typeface="Calibri" pitchFamily="34" charset="0"/>
+              </a:rPr>
+              <a:t>Behavior</a:t>
+            </a:r>
+            <a:endParaRPr lang="de-DE" sz="2800" dirty="0">
+              <a:solidFill>
+                <a:srgbClr val="FF0000"/>
+              </a:solidFill>
+              <a:latin typeface="Calibri" pitchFamily="34" charset="0"/>
+            </a:endParaRPr>
+          </a:p>
+        </p:txBody>
+      </p:sp>
+    </p:spTree>
+  </p:cSld>
+  <p:clrMapOvr>
+    <a:masterClrMapping/>
+  </p:clrMapOvr>
+  <mc:AlternateContent xmlns:mc="http://schemas.openxmlformats.org/markup-compatibility/2006" xmlns:p14="http://schemas.microsoft.com/office/powerpoint/2010/main">
+    <mc:Choice Requires="p14">
+      <p:transition spd="slow" p14:dur="2000"/>
+    </mc:Choice>
+    <mc:Fallback xmlns="">
+      <p:transition spd="slow"/>
+    </mc:Fallback>
+  </mc:AlternateContent>
+  <p:timing>
+    <p:tnLst>
+      <p:par>
+        <p:cTn id="1" dur="indefinite" restart="never" nodeType="tmRoot">
+          <p:childTnLst>
+            <p:seq concurrent="1" nextAc="seek">
+              <p:cTn id="2" dur="indefinite" nodeType="mainSeq">
+                <p:childTnLst>
+                  <p:par>
+                    <p:cTn id="3" fill="hold">
+                      <p:stCondLst>
+                        <p:cond delay="indefinite"/>
+                      </p:stCondLst>
+                      <p:childTnLst>
+                        <p:par>
+                          <p:cTn id="4" fill="hold">
+                            <p:stCondLst>
+                              <p:cond delay="0"/>
+                            </p:stCondLst>
+                            <p:childTnLst>
+                              <p:par>
+                                <p:cTn id="5" presetID="10" presetClass="entr" presetSubtype="0" fill="hold" grpId="0" nodeType="clickEffect">
+                                  <p:stCondLst>
+                                    <p:cond delay="0"/>
+                                  </p:stCondLst>
+                                  <p:childTnLst>
+                                    <p:set>
+                                      <p:cBhvr>
+                                        <p:cTn id="6" dur="1" fill="hold">
+                                          <p:stCondLst>
+                                            <p:cond delay="0"/>
+                                          </p:stCondLst>
+                                        </p:cTn>
+                                        <p:tgtEl>
+                                          <p:spTgt spid="4"/>
+                                        </p:tgtEl>
+                                        <p:attrNameLst>
+                                          <p:attrName>style.visibility</p:attrName>
+                                        </p:attrNameLst>
+                                      </p:cBhvr>
+                                      <p:to>
+                                        <p:strVal val="visible"/>
+                                      </p:to>
+                                    </p:set>
+                                    <p:animEffect transition="in" filter="fade">
+                                      <p:cBhvr>
+                                        <p:cTn id="7" dur="1000"/>
+                                        <p:tgtEl>
+                                          <p:spTgt spid="4"/>
+                                        </p:tgtEl>
+                                      </p:cBhvr>
+                                    </p:animEffect>
+                                  </p:childTnLst>
+                                </p:cTn>
+                              </p:par>
+                              <p:par>
+                                <p:cTn id="8" presetID="10" presetClass="entr" presetSubtype="0" fill="hold" grpId="0" nodeType="withEffect">
+                                  <p:stCondLst>
+                                    <p:cond delay="0"/>
+                                  </p:stCondLst>
+                                  <p:childTnLst>
+                                    <p:set>
+                                      <p:cBhvr>
+                                        <p:cTn id="9" dur="1" fill="hold">
+                                          <p:stCondLst>
+                                            <p:cond delay="0"/>
+                                          </p:stCondLst>
+                                        </p:cTn>
+                                        <p:tgtEl>
+                                          <p:spTgt spid="3"/>
+                                        </p:tgtEl>
+                                        <p:attrNameLst>
+                                          <p:attrName>style.visibility</p:attrName>
+                                        </p:attrNameLst>
+                                      </p:cBhvr>
+                                      <p:to>
+                                        <p:strVal val="visible"/>
+                                      </p:to>
+                                    </p:set>
+                                    <p:animEffect transition="in" filter="fade">
+                                      <p:cBhvr>
+                                        <p:cTn id="10" dur="1000"/>
+                                        <p:tgtEl>
+                                          <p:spTgt spid="3"/>
+                                        </p:tgtEl>
+                                      </p:cBhvr>
+                                    </p:animEffect>
+                                  </p:childTnLst>
+                                </p:cTn>
+                              </p:par>
+                            </p:childTnLst>
+                          </p:cTn>
+                        </p:par>
+                      </p:childTnLst>
+                    </p:cTn>
+                  </p:par>
+                  <p:par>
+                    <p:cTn id="11" fill="hold">
+                      <p:stCondLst>
+                        <p:cond delay="indefinite"/>
+                      </p:stCondLst>
+                      <p:childTnLst>
+                        <p:par>
+                          <p:cTn id="12" fill="hold">
+                            <p:stCondLst>
+                              <p:cond delay="0"/>
+                            </p:stCondLst>
+                            <p:childTnLst>
+                              <p:par>
+                                <p:cTn id="13" presetID="10" presetClass="entr" presetSubtype="0" fill="hold" grpId="0" nodeType="clickEffect">
+                                  <p:stCondLst>
+                                    <p:cond delay="0"/>
+                                  </p:stCondLst>
+                                  <p:childTnLst>
+                                    <p:set>
+                                      <p:cBhvr>
+                                        <p:cTn id="14" dur="1" fill="hold">
+                                          <p:stCondLst>
+                                            <p:cond delay="0"/>
+                                          </p:stCondLst>
+                                        </p:cTn>
+                                        <p:tgtEl>
+                                          <p:spTgt spid="9"/>
+                                        </p:tgtEl>
+                                        <p:attrNameLst>
+                                          <p:attrName>style.visibility</p:attrName>
+                                        </p:attrNameLst>
+                                      </p:cBhvr>
+                                      <p:to>
+                                        <p:strVal val="visible"/>
+                                      </p:to>
+                                    </p:set>
+                                    <p:animEffect transition="in" filter="fade">
+                                      <p:cBhvr>
+                                        <p:cTn id="15" dur="1000"/>
+                                        <p:tgtEl>
+                                          <p:spTgt spid="9"/>
+                                        </p:tgtEl>
+                                      </p:cBhvr>
+                                    </p:animEffect>
+                                  </p:childTnLst>
+                                </p:cTn>
+                              </p:par>
+                              <p:par>
+                                <p:cTn id="16" presetID="10" presetClass="entr" presetSubtype="0" fill="hold" grpId="0" nodeType="withEffect">
+                                  <p:stCondLst>
+                                    <p:cond delay="0"/>
+                                  </p:stCondLst>
+                                  <p:childTnLst>
+                                    <p:set>
+                                      <p:cBhvr>
+                                        <p:cTn id="17" dur="1" fill="hold">
+                                          <p:stCondLst>
+                                            <p:cond delay="0"/>
+                                          </p:stCondLst>
+                                        </p:cTn>
+                                        <p:tgtEl>
+                                          <p:spTgt spid="8"/>
+                                        </p:tgtEl>
+                                        <p:attrNameLst>
+                                          <p:attrName>style.visibility</p:attrName>
+                                        </p:attrNameLst>
+                                      </p:cBhvr>
+                                      <p:to>
+                                        <p:strVal val="visible"/>
+                                      </p:to>
+                                    </p:set>
+                                    <p:animEffect transition="in" filter="fade">
+                                      <p:cBhvr>
+                                        <p:cTn id="18" dur="1000"/>
+                                        <p:tgtEl>
+                                          <p:spTgt spid="8"/>
+                                        </p:tgtEl>
+                                      </p:cBhvr>
+                                    </p:animEffect>
+                                  </p:childTnLst>
+                                </p:cTn>
+                              </p:par>
+                            </p:childTnLst>
+                          </p:cTn>
+                        </p:par>
+                      </p:childTnLst>
+                    </p:cTn>
+                  </p:par>
+                </p:childTnLst>
+              </p:cTn>
+              <p:prevCondLst>
+                <p:cond evt="onPrev" delay="0">
+                  <p:tgtEl>
+                    <p:sldTgt/>
+                  </p:tgtEl>
+                </p:cond>
+              </p:prevCondLst>
+              <p:nextCondLst>
+                <p:cond evt="onNext" delay="0">
+                  <p:tgtEl>
+                    <p:sldTgt/>
+                  </p:tgtEl>
+                </p:cond>
+              </p:nextCondLst>
+            </p:seq>
+          </p:childTnLst>
+        </p:cTn>
+      </p:par>
+    </p:tnLst>
+    <p:bldLst>
+      <p:bldP spid="3" grpId="0" animBg="1"/>
+      <p:bldP spid="8" grpId="0" animBg="1"/>
+      <p:bldP spid="4" grpId="0"/>
+      <p:bldP spid="9" grpId="0"/>
+    </p:bldLst>
+  </p:timing>
+</p:sld>
+</file>
+
+<file path=ppt/slides/slide5.xml><?xml version="1.0" encoding="utf-8"?>
 <p:sld xmlns:a="http://schemas.openxmlformats.org/drawingml/2006/main" xmlns:r="http://schemas.openxmlformats.org/officeDocument/2006/relationships" xmlns:p="http://schemas.openxmlformats.org/presentationml/2006/main">
   <p:cSld>
     <p:spTree>
@@ -39503,7 +39942,7 @@
               <a:pPr>
                 <a:defRPr/>
               </a:pPr>
-              <a:t>4</a:t>
+              <a:t>5</a:t>
             </a:fld>
             <a:endParaRPr lang="de-DE"/>
           </a:p>
@@ -40226,7 +40665,7 @@
 </p:sld>
 </file>
 
-<file path=ppt/slides/slide5.xml><?xml version="1.0" encoding="utf-8"?>
+<file path=ppt/slides/slide6.xml><?xml version="1.0" encoding="utf-8"?>
 <p:sld xmlns:a="http://schemas.openxmlformats.org/drawingml/2006/main" xmlns:r="http://schemas.openxmlformats.org/officeDocument/2006/relationships" xmlns:p="http://schemas.openxmlformats.org/presentationml/2006/main">
   <p:cSld>
     <p:spTree>
@@ -40570,7 +41009,7 @@
               <a:pPr>
                 <a:defRPr/>
               </a:pPr>
-              <a:t>5</a:t>
+              <a:t>6</a:t>
             </a:fld>
             <a:endParaRPr lang="de-DE"/>
           </a:p>
@@ -40584,7 +41023,7 @@
 </p:sld>
 </file>
 
-<file path=ppt/slides/slide6.xml><?xml version="1.0" encoding="utf-8"?>
+<file path=ppt/slides/slide7.xml><?xml version="1.0" encoding="utf-8"?>
 <p:sld xmlns:a="http://schemas.openxmlformats.org/drawingml/2006/main" xmlns:r="http://schemas.openxmlformats.org/officeDocument/2006/relationships" xmlns:p="http://schemas.openxmlformats.org/presentationml/2006/main">
   <p:cSld>
     <p:spTree>
@@ -40844,7 +41283,7 @@
               <a:pPr>
                 <a:defRPr/>
               </a:pPr>
-              <a:t>6</a:t>
+              <a:t>7</a:t>
             </a:fld>
             <a:endParaRPr lang="de-DE"/>
           </a:p>
@@ -40865,7 +41304,7 @@
 </p:sld>
 </file>
 
-<file path=ppt/slides/slide7.xml><?xml version="1.0" encoding="utf-8"?>
+<file path=ppt/slides/slide8.xml><?xml version="1.0" encoding="utf-8"?>
 <p:sld xmlns:a="http://schemas.openxmlformats.org/drawingml/2006/main" xmlns:r="http://schemas.openxmlformats.org/officeDocument/2006/relationships" xmlns:p="http://schemas.openxmlformats.org/presentationml/2006/main">
   <p:cSld>
     <p:spTree>
@@ -41218,7 +41657,7 @@
               <a:pPr>
                 <a:defRPr/>
               </a:pPr>
-              <a:t>7</a:t>
+              <a:t>8</a:t>
             </a:fld>
             <a:endParaRPr lang="de-DE"/>
           </a:p>
@@ -42166,7 +42605,7 @@
 </p:sld>
 </file>
 
-<file path=ppt/slides/slide8.xml><?xml version="1.0" encoding="utf-8"?>
+<file path=ppt/slides/slide9.xml><?xml version="1.0" encoding="utf-8"?>
 <p:sld xmlns:a="http://schemas.openxmlformats.org/drawingml/2006/main" xmlns:r="http://schemas.openxmlformats.org/officeDocument/2006/relationships" xmlns:p="http://schemas.openxmlformats.org/presentationml/2006/main">
   <p:cSld>
     <p:spTree>
@@ -42264,7 +42703,7 @@
               <a:pPr>
                 <a:defRPr/>
               </a:pPr>
-              <a:t>8</a:t>
+              <a:t>9</a:t>
             </a:fld>
             <a:endParaRPr lang="de-DE"/>
           </a:p>
@@ -43923,1133 +44362,6 @@
         <p:cTn id="1" dur="indefinite" restart="never" nodeType="tmRoot"/>
       </p:par>
     </p:tnLst>
-  </p:timing>
-</p:sld>
-</file>
-
-<file path=ppt/slides/slide9.xml><?xml version="1.0" encoding="utf-8"?>
-<p:sld xmlns:a="http://schemas.openxmlformats.org/drawingml/2006/main" xmlns:r="http://schemas.openxmlformats.org/officeDocument/2006/relationships" xmlns:p="http://schemas.openxmlformats.org/presentationml/2006/main">
-  <p:cSld>
-    <p:spTree>
-      <p:nvGrpSpPr>
-        <p:cNvPr id="1" name=""/>
-        <p:cNvGrpSpPr/>
-        <p:nvPr/>
-      </p:nvGrpSpPr>
-      <p:grpSpPr>
-        <a:xfrm>
-          <a:off x="0" y="0"/>
-          <a:ext cx="0" cy="0"/>
-          <a:chOff x="0" y="0"/>
-          <a:chExt cx="0" cy="0"/>
-        </a:xfrm>
-      </p:grpSpPr>
-      <p:sp>
-        <p:nvSpPr>
-          <p:cNvPr id="38913" name="Titel 1"/>
-          <p:cNvSpPr>
-            <a:spLocks noGrp="1"/>
-          </p:cNvSpPr>
-          <p:nvPr>
-            <p:ph type="title"/>
-          </p:nvPr>
-        </p:nvSpPr>
-        <p:spPr/>
-        <p:txBody>
-          <a:bodyPr/>
-          <a:lstStyle/>
-          <a:p>
-            <a:r>
-              <a:rPr lang="de-DE" dirty="0"/>
-              <a:t>Data </a:t>
-            </a:r>
-            <a:r>
-              <a:rPr lang="de-DE" dirty="0" err="1" smtClean="0"/>
-              <a:t>Types</a:t>
-            </a:r>
-            <a:r>
-              <a:rPr lang="de-DE" dirty="0" smtClean="0"/>
-              <a:t> </a:t>
-            </a:r>
-            <a:r>
-              <a:rPr lang="de-DE" dirty="0"/>
-              <a:t>in Java </a:t>
-            </a:r>
-            <a:r>
-              <a:rPr lang="de-DE" dirty="0" smtClean="0"/>
-              <a:t>II</a:t>
-            </a:r>
-            <a:endParaRPr lang="de-DE" dirty="0"/>
-          </a:p>
-        </p:txBody>
-      </p:sp>
-      <p:sp>
-        <p:nvSpPr>
-          <p:cNvPr id="38914" name="Inhaltsplatzhalter 2"/>
-          <p:cNvSpPr>
-            <a:spLocks noGrp="1"/>
-          </p:cNvSpPr>
-          <p:nvPr>
-            <p:ph idx="4294967295"/>
-          </p:nvPr>
-        </p:nvSpPr>
-        <p:spPr>
-          <a:xfrm>
-            <a:off x="1631504" y="2132856"/>
-            <a:ext cx="10513168" cy="4594820"/>
-          </a:xfrm>
-        </p:spPr>
-        <p:txBody>
-          <a:bodyPr/>
-          <a:lstStyle/>
-          <a:p>
-            <a:r>
-              <a:rPr lang="de-DE" b="1" dirty="0"/>
-              <a:t>Primitive </a:t>
-            </a:r>
-            <a:r>
-              <a:rPr lang="de-DE" b="1" dirty="0" err="1" smtClean="0"/>
-              <a:t>data</a:t>
-            </a:r>
-            <a:r>
-              <a:rPr lang="de-DE" b="1" dirty="0" smtClean="0"/>
-              <a:t> </a:t>
-            </a:r>
-            <a:r>
-              <a:rPr lang="de-DE" b="1" dirty="0" err="1" smtClean="0"/>
-              <a:t>types</a:t>
-            </a:r>
-            <a:r>
-              <a:rPr lang="de-DE" b="1" dirty="0" smtClean="0"/>
-              <a:t> </a:t>
-            </a:r>
-            <a:r>
-              <a:rPr lang="de-DE" dirty="0" err="1" smtClean="0"/>
-              <a:t>are</a:t>
-            </a:r>
-            <a:r>
-              <a:rPr lang="de-DE" dirty="0" smtClean="0"/>
-              <a:t> fundamental </a:t>
-            </a:r>
-            <a:r>
-              <a:rPr lang="de-DE" dirty="0" err="1" smtClean="0"/>
-              <a:t>elements</a:t>
-            </a:r>
-            <a:r>
-              <a:rPr lang="de-DE" dirty="0" smtClean="0"/>
-              <a:t> </a:t>
-            </a:r>
-            <a:r>
-              <a:rPr lang="de-DE" dirty="0" err="1" smtClean="0"/>
-              <a:t>of</a:t>
-            </a:r>
-            <a:r>
-              <a:rPr lang="de-DE" dirty="0" smtClean="0"/>
-              <a:t> </a:t>
-            </a:r>
-            <a:r>
-              <a:rPr lang="de-DE" dirty="0" err="1" smtClean="0"/>
-              <a:t>every</a:t>
-            </a:r>
-            <a:r>
-              <a:rPr lang="de-DE" dirty="0" smtClean="0"/>
-              <a:t> </a:t>
-            </a:r>
-            <a:r>
-              <a:rPr lang="de-DE" dirty="0" err="1" smtClean="0"/>
-              <a:t>program</a:t>
-            </a:r>
-            <a:endParaRPr lang="de-DE" dirty="0"/>
-          </a:p>
-          <a:p>
-            <a:r>
-              <a:rPr lang="de-DE" b="1" dirty="0" err="1" smtClean="0"/>
-              <a:t>Complex</a:t>
-            </a:r>
-            <a:r>
-              <a:rPr lang="de-DE" b="1" dirty="0"/>
-              <a:t> </a:t>
-            </a:r>
-            <a:r>
-              <a:rPr lang="de-DE" b="1" dirty="0" err="1"/>
-              <a:t>data</a:t>
-            </a:r>
-            <a:r>
-              <a:rPr lang="de-DE" b="1" dirty="0"/>
-              <a:t> </a:t>
-            </a:r>
-            <a:r>
-              <a:rPr lang="de-DE" b="1" dirty="0" err="1"/>
-              <a:t>types</a:t>
-            </a:r>
-            <a:r>
-              <a:rPr lang="de-DE" dirty="0" smtClean="0"/>
-              <a:t> </a:t>
-            </a:r>
-            <a:r>
-              <a:rPr lang="de-DE" dirty="0" err="1" smtClean="0"/>
-              <a:t>are</a:t>
-            </a:r>
-            <a:r>
-              <a:rPr lang="de-DE" dirty="0" smtClean="0"/>
-              <a:t> </a:t>
-            </a:r>
-            <a:r>
-              <a:rPr lang="de-DE" dirty="0" err="1" smtClean="0"/>
-              <a:t>composed</a:t>
-            </a:r>
-            <a:r>
-              <a:rPr lang="de-DE" dirty="0" smtClean="0"/>
-              <a:t> </a:t>
-            </a:r>
-            <a:r>
-              <a:rPr lang="de-DE" dirty="0" err="1" smtClean="0"/>
-              <a:t>of</a:t>
-            </a:r>
-            <a:r>
-              <a:rPr lang="de-DE" dirty="0" smtClean="0"/>
-              <a:t> primitive </a:t>
-            </a:r>
-            <a:r>
-              <a:rPr lang="de-DE" dirty="0" err="1" smtClean="0"/>
-              <a:t>data</a:t>
-            </a:r>
-            <a:r>
-              <a:rPr lang="de-DE" dirty="0" smtClean="0"/>
-              <a:t> </a:t>
-            </a:r>
-            <a:r>
-              <a:rPr lang="de-DE" dirty="0" err="1" smtClean="0"/>
-              <a:t>types</a:t>
-            </a:r>
-            <a:r>
-              <a:rPr lang="de-DE" dirty="0" smtClean="0"/>
-              <a:t> </a:t>
-            </a:r>
-            <a:r>
-              <a:rPr lang="de-DE" dirty="0" err="1" smtClean="0"/>
-              <a:t>and</a:t>
-            </a:r>
-            <a:r>
-              <a:rPr lang="de-DE" dirty="0" smtClean="0"/>
-              <a:t> </a:t>
-            </a:r>
-            <a:r>
-              <a:rPr lang="de-DE" dirty="0" err="1" smtClean="0"/>
-              <a:t>other</a:t>
-            </a:r>
-            <a:r>
-              <a:rPr lang="de-DE" dirty="0" smtClean="0"/>
-              <a:t> </a:t>
-            </a:r>
-            <a:r>
-              <a:rPr lang="de-DE" dirty="0" err="1" smtClean="0"/>
-              <a:t>complex</a:t>
-            </a:r>
-            <a:r>
-              <a:rPr lang="de-DE" dirty="0" smtClean="0"/>
-              <a:t> </a:t>
-            </a:r>
-            <a:r>
-              <a:rPr lang="de-DE" dirty="0" err="1" smtClean="0"/>
-              <a:t>data</a:t>
-            </a:r>
-            <a:r>
-              <a:rPr lang="de-DE" dirty="0" smtClean="0"/>
-              <a:t> </a:t>
-            </a:r>
-            <a:r>
-              <a:rPr lang="de-DE" dirty="0" err="1" smtClean="0"/>
-              <a:t>types</a:t>
-            </a:r>
-            <a:endParaRPr lang="de-DE" dirty="0"/>
-          </a:p>
-        </p:txBody>
-      </p:sp>
-      <p:sp>
-        <p:nvSpPr>
-          <p:cNvPr id="4" name="Foliennummernplatzhalter 3"/>
-          <p:cNvSpPr>
-            <a:spLocks noGrp="1"/>
-          </p:cNvSpPr>
-          <p:nvPr>
-            <p:ph type="sldNum" sz="quarter" idx="12"/>
-          </p:nvPr>
-        </p:nvSpPr>
-        <p:spPr/>
-        <p:txBody>
-          <a:bodyPr/>
-          <a:lstStyle/>
-          <a:p>
-            <a:pPr>
-              <a:defRPr/>
-            </a:pPr>
-            <a:fld id="{925D5A30-CB02-431B-A064-CFAEC7090E85}" type="slidenum">
-              <a:rPr lang="de-DE"/>
-              <a:pPr>
-                <a:defRPr/>
-              </a:pPr>
-              <a:t>9</a:t>
-            </a:fld>
-            <a:endParaRPr lang="de-DE"/>
-          </a:p>
-        </p:txBody>
-      </p:sp>
-      <p:sp>
-        <p:nvSpPr>
-          <p:cNvPr id="5" name="Rechteck 4"/>
-          <p:cNvSpPr>
-            <a:spLocks noChangeArrowheads="1"/>
-          </p:cNvSpPr>
-          <p:nvPr/>
-        </p:nvSpPr>
-        <p:spPr bwMode="auto">
-          <a:xfrm>
-            <a:off x="4151313" y="4724401"/>
-            <a:ext cx="4572000" cy="1755775"/>
-          </a:xfrm>
-          <a:prstGeom prst="rect">
-            <a:avLst/>
-          </a:prstGeom>
-          <a:noFill/>
-          <a:ln w="9525">
-            <a:noFill/>
-            <a:miter lim="800000"/>
-            <a:headEnd/>
-            <a:tailEnd/>
-          </a:ln>
-        </p:spPr>
-        <p:txBody>
-          <a:bodyPr>
-            <a:spAutoFit/>
-          </a:bodyPr>
-          <a:lstStyle/>
-          <a:p>
-            <a:r>
-              <a:rPr lang="de-DE" b="1" dirty="0" err="1">
-                <a:solidFill>
-                  <a:srgbClr val="7F0055"/>
-                </a:solidFill>
-                <a:latin typeface="Consolas" pitchFamily="49" charset="0"/>
-              </a:rPr>
-              <a:t>class</a:t>
-            </a:r>
-            <a:r>
-              <a:rPr lang="de-DE" b="1" dirty="0">
-                <a:solidFill>
-                  <a:srgbClr val="000000"/>
-                </a:solidFill>
-                <a:latin typeface="Consolas" pitchFamily="49" charset="0"/>
-              </a:rPr>
-              <a:t> Person {</a:t>
-            </a:r>
-          </a:p>
-          <a:p>
-            <a:r>
-              <a:rPr lang="de-DE" dirty="0">
-                <a:solidFill>
-                  <a:srgbClr val="000000"/>
-                </a:solidFill>
-                <a:latin typeface="Consolas" pitchFamily="49" charset="0"/>
-              </a:rPr>
-              <a:t>  String </a:t>
-            </a:r>
-            <a:r>
-              <a:rPr lang="de-DE" dirty="0" err="1" smtClean="0">
-                <a:solidFill>
-                  <a:srgbClr val="0000C0"/>
-                </a:solidFill>
-                <a:latin typeface="Consolas" pitchFamily="49" charset="0"/>
-              </a:rPr>
-              <a:t>givenName</a:t>
-            </a:r>
-            <a:r>
-              <a:rPr lang="de-DE" dirty="0" smtClean="0">
-                <a:solidFill>
-                  <a:srgbClr val="000000"/>
-                </a:solidFill>
-                <a:latin typeface="Consolas" pitchFamily="49" charset="0"/>
-              </a:rPr>
-              <a:t>;</a:t>
-            </a:r>
-            <a:endParaRPr lang="de-DE" dirty="0">
-              <a:solidFill>
-                <a:srgbClr val="000000"/>
-              </a:solidFill>
-              <a:latin typeface="Consolas" pitchFamily="49" charset="0"/>
-            </a:endParaRPr>
-          </a:p>
-          <a:p>
-            <a:r>
-              <a:rPr lang="de-DE" dirty="0">
-                <a:solidFill>
-                  <a:srgbClr val="000000"/>
-                </a:solidFill>
-                <a:latin typeface="Consolas" pitchFamily="49" charset="0"/>
-              </a:rPr>
-              <a:t>  </a:t>
-            </a:r>
-            <a:r>
-              <a:rPr lang="de-DE" dirty="0" smtClean="0">
-                <a:solidFill>
-                  <a:srgbClr val="000000"/>
-                </a:solidFill>
-                <a:latin typeface="Consolas" pitchFamily="49" charset="0"/>
-              </a:rPr>
-              <a:t>String </a:t>
-            </a:r>
-            <a:r>
-              <a:rPr lang="de-DE" dirty="0" err="1" smtClean="0">
-                <a:solidFill>
-                  <a:srgbClr val="0000C0"/>
-                </a:solidFill>
-                <a:latin typeface="Consolas" pitchFamily="49" charset="0"/>
-              </a:rPr>
-              <a:t>name</a:t>
-            </a:r>
-            <a:r>
-              <a:rPr lang="de-DE" dirty="0">
-                <a:solidFill>
-                  <a:srgbClr val="000000"/>
-                </a:solidFill>
-                <a:latin typeface="Consolas" pitchFamily="49" charset="0"/>
-              </a:rPr>
-              <a:t>;</a:t>
-            </a:r>
-          </a:p>
-          <a:p>
-            <a:r>
-              <a:rPr lang="de-DE" b="1" dirty="0">
-                <a:solidFill>
-                  <a:srgbClr val="7F0055"/>
-                </a:solidFill>
-                <a:latin typeface="Consolas" pitchFamily="49" charset="0"/>
-              </a:rPr>
-              <a:t>  </a:t>
-            </a:r>
-            <a:r>
-              <a:rPr lang="de-DE" b="1" dirty="0" err="1">
-                <a:solidFill>
-                  <a:srgbClr val="7F0055"/>
-                </a:solidFill>
-                <a:latin typeface="Consolas" pitchFamily="49" charset="0"/>
-              </a:rPr>
-              <a:t>int</a:t>
-            </a:r>
-            <a:r>
-              <a:rPr lang="de-DE" b="1" dirty="0">
-                <a:solidFill>
-                  <a:srgbClr val="000000"/>
-                </a:solidFill>
-                <a:latin typeface="Consolas" pitchFamily="49" charset="0"/>
-              </a:rPr>
-              <a:t> </a:t>
-            </a:r>
-            <a:r>
-              <a:rPr lang="de-DE" dirty="0" err="1" smtClean="0">
-                <a:solidFill>
-                  <a:srgbClr val="0000C0"/>
-                </a:solidFill>
-                <a:latin typeface="Consolas" pitchFamily="49" charset="0"/>
-              </a:rPr>
-              <a:t>age</a:t>
-            </a:r>
-            <a:r>
-              <a:rPr lang="de-DE" dirty="0" smtClean="0">
-                <a:solidFill>
-                  <a:srgbClr val="000000"/>
-                </a:solidFill>
-                <a:latin typeface="Consolas" pitchFamily="49" charset="0"/>
-              </a:rPr>
-              <a:t>;</a:t>
-            </a:r>
-            <a:endParaRPr lang="de-DE" dirty="0">
-              <a:solidFill>
-                <a:srgbClr val="000000"/>
-              </a:solidFill>
-              <a:latin typeface="Consolas" pitchFamily="49" charset="0"/>
-            </a:endParaRPr>
-          </a:p>
-          <a:p>
-            <a:r>
-              <a:rPr lang="de-DE" dirty="0">
-                <a:solidFill>
-                  <a:srgbClr val="000000"/>
-                </a:solidFill>
-                <a:latin typeface="Consolas" pitchFamily="49" charset="0"/>
-              </a:rPr>
-              <a:t>  </a:t>
-            </a:r>
-            <a:r>
-              <a:rPr lang="de-DE" dirty="0" err="1" smtClean="0">
-                <a:solidFill>
-                  <a:srgbClr val="000000"/>
-                </a:solidFill>
-                <a:latin typeface="Consolas" pitchFamily="49" charset="0"/>
-              </a:rPr>
-              <a:t>Address</a:t>
-            </a:r>
-            <a:r>
-              <a:rPr lang="de-DE" dirty="0" smtClean="0">
-                <a:solidFill>
-                  <a:srgbClr val="000000"/>
-                </a:solidFill>
-                <a:latin typeface="Consolas" pitchFamily="49" charset="0"/>
-              </a:rPr>
-              <a:t> </a:t>
-            </a:r>
-            <a:r>
-              <a:rPr lang="de-DE" dirty="0" err="1" smtClean="0">
-                <a:solidFill>
-                  <a:srgbClr val="0000C0"/>
-                </a:solidFill>
-                <a:latin typeface="Consolas" pitchFamily="49" charset="0"/>
-              </a:rPr>
-              <a:t>address</a:t>
-            </a:r>
-            <a:r>
-              <a:rPr lang="de-DE" dirty="0" smtClean="0">
-                <a:solidFill>
-                  <a:srgbClr val="000000"/>
-                </a:solidFill>
-                <a:latin typeface="Consolas" pitchFamily="49" charset="0"/>
-              </a:rPr>
-              <a:t>;</a:t>
-            </a:r>
-            <a:endParaRPr lang="de-DE" dirty="0">
-              <a:solidFill>
-                <a:srgbClr val="000000"/>
-              </a:solidFill>
-              <a:latin typeface="Consolas" pitchFamily="49" charset="0"/>
-            </a:endParaRPr>
-          </a:p>
-          <a:p>
-            <a:r>
-              <a:rPr lang="de-DE" dirty="0">
-                <a:solidFill>
-                  <a:srgbClr val="000000"/>
-                </a:solidFill>
-                <a:latin typeface="Consolas" pitchFamily="49" charset="0"/>
-              </a:rPr>
-              <a:t>}</a:t>
-            </a:r>
-          </a:p>
-        </p:txBody>
-      </p:sp>
-      <p:sp>
-        <p:nvSpPr>
-          <p:cNvPr id="6" name="Textfeld 5"/>
-          <p:cNvSpPr txBox="1">
-            <a:spLocks noChangeArrowheads="1"/>
-          </p:cNvSpPr>
-          <p:nvPr/>
-        </p:nvSpPr>
-        <p:spPr bwMode="auto">
-          <a:xfrm>
-            <a:off x="2208214" y="5226050"/>
-            <a:ext cx="992187" cy="368300"/>
-          </a:xfrm>
-          <a:prstGeom prst="rect">
-            <a:avLst/>
-          </a:prstGeom>
-          <a:noFill/>
-          <a:ln w="9525">
-            <a:noFill/>
-            <a:miter lim="800000"/>
-            <a:headEnd/>
-            <a:tailEnd/>
-          </a:ln>
-        </p:spPr>
-        <p:txBody>
-          <a:bodyPr wrap="none">
-            <a:spAutoFit/>
-          </a:bodyPr>
-          <a:lstStyle/>
-          <a:p>
-            <a:r>
-              <a:rPr lang="de-DE" dirty="0" err="1" smtClean="0">
-                <a:latin typeface="Calibri" pitchFamily="34" charset="0"/>
-              </a:rPr>
-              <a:t>Complex</a:t>
-            </a:r>
-            <a:endParaRPr lang="de-DE" dirty="0">
-              <a:latin typeface="Calibri" pitchFamily="34" charset="0"/>
-            </a:endParaRPr>
-          </a:p>
-        </p:txBody>
-      </p:sp>
-      <p:sp>
-        <p:nvSpPr>
-          <p:cNvPr id="7" name="Textfeld 6"/>
-          <p:cNvSpPr txBox="1">
-            <a:spLocks noChangeArrowheads="1"/>
-          </p:cNvSpPr>
-          <p:nvPr/>
-        </p:nvSpPr>
-        <p:spPr bwMode="auto">
-          <a:xfrm>
-            <a:off x="7824788" y="5226050"/>
-            <a:ext cx="1020792" cy="369332"/>
-          </a:xfrm>
-          <a:prstGeom prst="rect">
-            <a:avLst/>
-          </a:prstGeom>
-          <a:noFill/>
-          <a:ln w="9525">
-            <a:noFill/>
-            <a:miter lim="800000"/>
-            <a:headEnd/>
-            <a:tailEnd/>
-          </a:ln>
-        </p:spPr>
-        <p:txBody>
-          <a:bodyPr wrap="none">
-            <a:spAutoFit/>
-          </a:bodyPr>
-          <a:lstStyle/>
-          <a:p>
-            <a:r>
-              <a:rPr lang="de-DE" dirty="0" smtClean="0">
-                <a:latin typeface="Calibri" pitchFamily="34" charset="0"/>
-              </a:rPr>
-              <a:t>Primitive</a:t>
-            </a:r>
-            <a:endParaRPr lang="de-DE" dirty="0">
-              <a:latin typeface="Calibri" pitchFamily="34" charset="0"/>
-            </a:endParaRPr>
-          </a:p>
-        </p:txBody>
-      </p:sp>
-      <p:cxnSp>
-        <p:nvCxnSpPr>
-          <p:cNvPr id="9" name="Gerade Verbindung mit Pfeil 8"/>
-          <p:cNvCxnSpPr>
-            <a:stCxn id="6" idx="3"/>
-          </p:cNvCxnSpPr>
-          <p:nvPr/>
-        </p:nvCxnSpPr>
-        <p:spPr>
-          <a:xfrm flipV="1">
-            <a:off x="3200401" y="4941888"/>
-            <a:ext cx="1743075" cy="468312"/>
-          </a:xfrm>
-          <a:prstGeom prst="straightConnector1">
-            <a:avLst/>
-          </a:prstGeom>
-          <a:ln>
-            <a:tailEnd type="arrow"/>
-          </a:ln>
-        </p:spPr>
-        <p:style>
-          <a:lnRef idx="1">
-            <a:schemeClr val="accent1"/>
-          </a:lnRef>
-          <a:fillRef idx="0">
-            <a:schemeClr val="accent1"/>
-          </a:fillRef>
-          <a:effectRef idx="0">
-            <a:schemeClr val="accent1"/>
-          </a:effectRef>
-          <a:fontRef idx="minor">
-            <a:schemeClr val="tx1"/>
-          </a:fontRef>
-        </p:style>
-      </p:cxnSp>
-      <p:cxnSp>
-        <p:nvCxnSpPr>
-          <p:cNvPr id="10" name="Gerade Verbindung mit Pfeil 9"/>
-          <p:cNvCxnSpPr>
-            <a:stCxn id="6" idx="3"/>
-          </p:cNvCxnSpPr>
-          <p:nvPr/>
-        </p:nvCxnSpPr>
-        <p:spPr>
-          <a:xfrm flipV="1">
-            <a:off x="3200401" y="5175250"/>
-            <a:ext cx="1311275" cy="234950"/>
-          </a:xfrm>
-          <a:prstGeom prst="straightConnector1">
-            <a:avLst/>
-          </a:prstGeom>
-          <a:ln>
-            <a:tailEnd type="arrow"/>
-          </a:ln>
-        </p:spPr>
-        <p:style>
-          <a:lnRef idx="1">
-            <a:schemeClr val="accent1"/>
-          </a:lnRef>
-          <a:fillRef idx="0">
-            <a:schemeClr val="accent1"/>
-          </a:fillRef>
-          <a:effectRef idx="0">
-            <a:schemeClr val="accent1"/>
-          </a:effectRef>
-          <a:fontRef idx="minor">
-            <a:schemeClr val="tx1"/>
-          </a:fontRef>
-        </p:style>
-      </p:cxnSp>
-      <p:cxnSp>
-        <p:nvCxnSpPr>
-          <p:cNvPr id="13" name="Gerade Verbindung mit Pfeil 12"/>
-          <p:cNvCxnSpPr>
-            <a:stCxn id="6" idx="3"/>
-          </p:cNvCxnSpPr>
-          <p:nvPr/>
-        </p:nvCxnSpPr>
-        <p:spPr>
-          <a:xfrm>
-            <a:off x="3200401" y="5410201"/>
-            <a:ext cx="1311275" cy="34925"/>
-          </a:xfrm>
-          <a:prstGeom prst="straightConnector1">
-            <a:avLst/>
-          </a:prstGeom>
-          <a:ln>
-            <a:tailEnd type="arrow"/>
-          </a:ln>
-        </p:spPr>
-        <p:style>
-          <a:lnRef idx="1">
-            <a:schemeClr val="accent1"/>
-          </a:lnRef>
-          <a:fillRef idx="0">
-            <a:schemeClr val="accent1"/>
-          </a:fillRef>
-          <a:effectRef idx="0">
-            <a:schemeClr val="accent1"/>
-          </a:effectRef>
-          <a:fontRef idx="minor">
-            <a:schemeClr val="tx1"/>
-          </a:fontRef>
-        </p:style>
-      </p:cxnSp>
-      <p:cxnSp>
-        <p:nvCxnSpPr>
-          <p:cNvPr id="15" name="Gerade Verbindung mit Pfeil 14"/>
-          <p:cNvCxnSpPr>
-            <a:stCxn id="6" idx="3"/>
-          </p:cNvCxnSpPr>
-          <p:nvPr/>
-        </p:nvCxnSpPr>
-        <p:spPr>
-          <a:xfrm>
-            <a:off x="3200401" y="5410200"/>
-            <a:ext cx="1311275" cy="611188"/>
-          </a:xfrm>
-          <a:prstGeom prst="straightConnector1">
-            <a:avLst/>
-          </a:prstGeom>
-          <a:ln>
-            <a:tailEnd type="arrow"/>
-          </a:ln>
-        </p:spPr>
-        <p:style>
-          <a:lnRef idx="1">
-            <a:schemeClr val="accent1"/>
-          </a:lnRef>
-          <a:fillRef idx="0">
-            <a:schemeClr val="accent1"/>
-          </a:fillRef>
-          <a:effectRef idx="0">
-            <a:schemeClr val="accent1"/>
-          </a:effectRef>
-          <a:fontRef idx="minor">
-            <a:schemeClr val="tx1"/>
-          </a:fontRef>
-        </p:style>
-      </p:cxnSp>
-      <p:cxnSp>
-        <p:nvCxnSpPr>
-          <p:cNvPr id="22" name="Gerade Verbindung mit Pfeil 21"/>
-          <p:cNvCxnSpPr>
-            <a:stCxn id="7" idx="1"/>
-          </p:cNvCxnSpPr>
-          <p:nvPr/>
-        </p:nvCxnSpPr>
-        <p:spPr>
-          <a:xfrm flipH="1">
-            <a:off x="4872038" y="5410716"/>
-            <a:ext cx="2952750" cy="304284"/>
-          </a:xfrm>
-          <a:prstGeom prst="straightConnector1">
-            <a:avLst/>
-          </a:prstGeom>
-          <a:ln>
-            <a:tailEnd type="arrow"/>
-          </a:ln>
-        </p:spPr>
-        <p:style>
-          <a:lnRef idx="1">
-            <a:schemeClr val="accent1"/>
-          </a:lnRef>
-          <a:fillRef idx="0">
-            <a:schemeClr val="accent1"/>
-          </a:fillRef>
-          <a:effectRef idx="0">
-            <a:schemeClr val="accent1"/>
-          </a:effectRef>
-          <a:fontRef idx="minor">
-            <a:schemeClr val="tx1"/>
-          </a:fontRef>
-        </p:style>
-      </p:cxnSp>
-    </p:spTree>
-  </p:cSld>
-  <p:clrMapOvr>
-    <a:masterClrMapping/>
-  </p:clrMapOvr>
-  <p:timing>
-    <p:tnLst>
-      <p:par>
-        <p:cTn id="1" dur="indefinite" restart="never" nodeType="tmRoot">
-          <p:childTnLst>
-            <p:seq concurrent="1" nextAc="seek">
-              <p:cTn id="2" dur="indefinite" nodeType="mainSeq">
-                <p:childTnLst>
-                  <p:par>
-                    <p:cTn id="3" fill="hold">
-                      <p:stCondLst>
-                        <p:cond delay="indefinite"/>
-                      </p:stCondLst>
-                      <p:childTnLst>
-                        <p:par>
-                          <p:cTn id="4" fill="hold">
-                            <p:stCondLst>
-                              <p:cond delay="0"/>
-                            </p:stCondLst>
-                            <p:childTnLst>
-                              <p:par>
-                                <p:cTn id="5" presetID="10" presetClass="entr" presetSubtype="0" fill="hold" grpId="0" nodeType="clickEffect">
-                                  <p:stCondLst>
-                                    <p:cond delay="0"/>
-                                  </p:stCondLst>
-                                  <p:childTnLst>
-                                    <p:set>
-                                      <p:cBhvr>
-                                        <p:cTn id="6" dur="1" fill="hold">
-                                          <p:stCondLst>
-                                            <p:cond delay="0"/>
-                                          </p:stCondLst>
-                                        </p:cTn>
-                                        <p:tgtEl>
-                                          <p:spTgt spid="5"/>
-                                        </p:tgtEl>
-                                        <p:attrNameLst>
-                                          <p:attrName>style.visibility</p:attrName>
-                                        </p:attrNameLst>
-                                      </p:cBhvr>
-                                      <p:to>
-                                        <p:strVal val="visible"/>
-                                      </p:to>
-                                    </p:set>
-                                    <p:animEffect transition="in" filter="fade">
-                                      <p:cBhvr>
-                                        <p:cTn id="7" dur="2000"/>
-                                        <p:tgtEl>
-                                          <p:spTgt spid="5"/>
-                                        </p:tgtEl>
-                                      </p:cBhvr>
-                                    </p:animEffect>
-                                  </p:childTnLst>
-                                </p:cTn>
-                              </p:par>
-                            </p:childTnLst>
-                          </p:cTn>
-                        </p:par>
-                      </p:childTnLst>
-                    </p:cTn>
-                  </p:par>
-                  <p:par>
-                    <p:cTn id="8" fill="hold">
-                      <p:stCondLst>
-                        <p:cond delay="indefinite"/>
-                      </p:stCondLst>
-                      <p:childTnLst>
-                        <p:par>
-                          <p:cTn id="9" fill="hold">
-                            <p:stCondLst>
-                              <p:cond delay="0"/>
-                            </p:stCondLst>
-                            <p:childTnLst>
-                              <p:par>
-                                <p:cTn id="10" presetID="10" presetClass="entr" presetSubtype="0" fill="hold" grpId="0" nodeType="clickEffect">
-                                  <p:stCondLst>
-                                    <p:cond delay="0"/>
-                                  </p:stCondLst>
-                                  <p:childTnLst>
-                                    <p:set>
-                                      <p:cBhvr>
-                                        <p:cTn id="11" dur="1" fill="hold">
-                                          <p:stCondLst>
-                                            <p:cond delay="0"/>
-                                          </p:stCondLst>
-                                        </p:cTn>
-                                        <p:tgtEl>
-                                          <p:spTgt spid="6"/>
-                                        </p:tgtEl>
-                                        <p:attrNameLst>
-                                          <p:attrName>style.visibility</p:attrName>
-                                        </p:attrNameLst>
-                                      </p:cBhvr>
-                                      <p:to>
-                                        <p:strVal val="visible"/>
-                                      </p:to>
-                                    </p:set>
-                                    <p:animEffect transition="in" filter="fade">
-                                      <p:cBhvr>
-                                        <p:cTn id="12" dur="2000"/>
-                                        <p:tgtEl>
-                                          <p:spTgt spid="6"/>
-                                        </p:tgtEl>
-                                      </p:cBhvr>
-                                    </p:animEffect>
-                                  </p:childTnLst>
-                                </p:cTn>
-                              </p:par>
-                              <p:par>
-                                <p:cTn id="13" presetID="10" presetClass="entr" presetSubtype="0" fill="hold" grpId="0" nodeType="withEffect">
-                                  <p:stCondLst>
-                                    <p:cond delay="0"/>
-                                  </p:stCondLst>
-                                  <p:childTnLst>
-                                    <p:set>
-                                      <p:cBhvr>
-                                        <p:cTn id="14" dur="1" fill="hold">
-                                          <p:stCondLst>
-                                            <p:cond delay="0"/>
-                                          </p:stCondLst>
-                                        </p:cTn>
-                                        <p:tgtEl>
-                                          <p:spTgt spid="7"/>
-                                        </p:tgtEl>
-                                        <p:attrNameLst>
-                                          <p:attrName>style.visibility</p:attrName>
-                                        </p:attrNameLst>
-                                      </p:cBhvr>
-                                      <p:to>
-                                        <p:strVal val="visible"/>
-                                      </p:to>
-                                    </p:set>
-                                    <p:animEffect transition="in" filter="fade">
-                                      <p:cBhvr>
-                                        <p:cTn id="15" dur="2000"/>
-                                        <p:tgtEl>
-                                          <p:spTgt spid="7"/>
-                                        </p:tgtEl>
-                                      </p:cBhvr>
-                                    </p:animEffect>
-                                  </p:childTnLst>
-                                </p:cTn>
-                              </p:par>
-                              <p:par>
-                                <p:cTn id="16" presetID="10" presetClass="entr" presetSubtype="0" fill="hold" nodeType="withEffect">
-                                  <p:stCondLst>
-                                    <p:cond delay="0"/>
-                                  </p:stCondLst>
-                                  <p:childTnLst>
-                                    <p:set>
-                                      <p:cBhvr>
-                                        <p:cTn id="17" dur="1" fill="hold">
-                                          <p:stCondLst>
-                                            <p:cond delay="0"/>
-                                          </p:stCondLst>
-                                        </p:cTn>
-                                        <p:tgtEl>
-                                          <p:spTgt spid="9"/>
-                                        </p:tgtEl>
-                                        <p:attrNameLst>
-                                          <p:attrName>style.visibility</p:attrName>
-                                        </p:attrNameLst>
-                                      </p:cBhvr>
-                                      <p:to>
-                                        <p:strVal val="visible"/>
-                                      </p:to>
-                                    </p:set>
-                                    <p:animEffect transition="in" filter="fade">
-                                      <p:cBhvr>
-                                        <p:cTn id="18" dur="2000"/>
-                                        <p:tgtEl>
-                                          <p:spTgt spid="9"/>
-                                        </p:tgtEl>
-                                      </p:cBhvr>
-                                    </p:animEffect>
-                                  </p:childTnLst>
-                                </p:cTn>
-                              </p:par>
-                              <p:par>
-                                <p:cTn id="19" presetID="10" presetClass="entr" presetSubtype="0" fill="hold" nodeType="withEffect">
-                                  <p:stCondLst>
-                                    <p:cond delay="0"/>
-                                  </p:stCondLst>
-                                  <p:childTnLst>
-                                    <p:set>
-                                      <p:cBhvr>
-                                        <p:cTn id="20" dur="1" fill="hold">
-                                          <p:stCondLst>
-                                            <p:cond delay="0"/>
-                                          </p:stCondLst>
-                                        </p:cTn>
-                                        <p:tgtEl>
-                                          <p:spTgt spid="10"/>
-                                        </p:tgtEl>
-                                        <p:attrNameLst>
-                                          <p:attrName>style.visibility</p:attrName>
-                                        </p:attrNameLst>
-                                      </p:cBhvr>
-                                      <p:to>
-                                        <p:strVal val="visible"/>
-                                      </p:to>
-                                    </p:set>
-                                    <p:animEffect transition="in" filter="fade">
-                                      <p:cBhvr>
-                                        <p:cTn id="21" dur="2000"/>
-                                        <p:tgtEl>
-                                          <p:spTgt spid="10"/>
-                                        </p:tgtEl>
-                                      </p:cBhvr>
-                                    </p:animEffect>
-                                  </p:childTnLst>
-                                </p:cTn>
-                              </p:par>
-                              <p:par>
-                                <p:cTn id="22" presetID="10" presetClass="entr" presetSubtype="0" fill="hold" nodeType="withEffect">
-                                  <p:stCondLst>
-                                    <p:cond delay="0"/>
-                                  </p:stCondLst>
-                                  <p:childTnLst>
-                                    <p:set>
-                                      <p:cBhvr>
-                                        <p:cTn id="23" dur="1" fill="hold">
-                                          <p:stCondLst>
-                                            <p:cond delay="0"/>
-                                          </p:stCondLst>
-                                        </p:cTn>
-                                        <p:tgtEl>
-                                          <p:spTgt spid="13"/>
-                                        </p:tgtEl>
-                                        <p:attrNameLst>
-                                          <p:attrName>style.visibility</p:attrName>
-                                        </p:attrNameLst>
-                                      </p:cBhvr>
-                                      <p:to>
-                                        <p:strVal val="visible"/>
-                                      </p:to>
-                                    </p:set>
-                                    <p:animEffect transition="in" filter="fade">
-                                      <p:cBhvr>
-                                        <p:cTn id="24" dur="2000"/>
-                                        <p:tgtEl>
-                                          <p:spTgt spid="13"/>
-                                        </p:tgtEl>
-                                      </p:cBhvr>
-                                    </p:animEffect>
-                                  </p:childTnLst>
-                                </p:cTn>
-                              </p:par>
-                              <p:par>
-                                <p:cTn id="25" presetID="10" presetClass="entr" presetSubtype="0" fill="hold" nodeType="withEffect">
-                                  <p:stCondLst>
-                                    <p:cond delay="0"/>
-                                  </p:stCondLst>
-                                  <p:childTnLst>
-                                    <p:set>
-                                      <p:cBhvr>
-                                        <p:cTn id="26" dur="1" fill="hold">
-                                          <p:stCondLst>
-                                            <p:cond delay="0"/>
-                                          </p:stCondLst>
-                                        </p:cTn>
-                                        <p:tgtEl>
-                                          <p:spTgt spid="15"/>
-                                        </p:tgtEl>
-                                        <p:attrNameLst>
-                                          <p:attrName>style.visibility</p:attrName>
-                                        </p:attrNameLst>
-                                      </p:cBhvr>
-                                      <p:to>
-                                        <p:strVal val="visible"/>
-                                      </p:to>
-                                    </p:set>
-                                    <p:animEffect transition="in" filter="fade">
-                                      <p:cBhvr>
-                                        <p:cTn id="27" dur="2000"/>
-                                        <p:tgtEl>
-                                          <p:spTgt spid="15"/>
-                                        </p:tgtEl>
-                                      </p:cBhvr>
-                                    </p:animEffect>
-                                  </p:childTnLst>
-                                </p:cTn>
-                              </p:par>
-                              <p:par>
-                                <p:cTn id="28" presetID="10" presetClass="entr" presetSubtype="0" fill="hold" nodeType="withEffect">
-                                  <p:stCondLst>
-                                    <p:cond delay="0"/>
-                                  </p:stCondLst>
-                                  <p:childTnLst>
-                                    <p:set>
-                                      <p:cBhvr>
-                                        <p:cTn id="29" dur="1" fill="hold">
-                                          <p:stCondLst>
-                                            <p:cond delay="0"/>
-                                          </p:stCondLst>
-                                        </p:cTn>
-                                        <p:tgtEl>
-                                          <p:spTgt spid="22"/>
-                                        </p:tgtEl>
-                                        <p:attrNameLst>
-                                          <p:attrName>style.visibility</p:attrName>
-                                        </p:attrNameLst>
-                                      </p:cBhvr>
-                                      <p:to>
-                                        <p:strVal val="visible"/>
-                                      </p:to>
-                                    </p:set>
-                                    <p:animEffect transition="in" filter="fade">
-                                      <p:cBhvr>
-                                        <p:cTn id="30" dur="2000"/>
-                                        <p:tgtEl>
-                                          <p:spTgt spid="22"/>
-                                        </p:tgtEl>
-                                      </p:cBhvr>
-                                    </p:animEffect>
-                                  </p:childTnLst>
-                                </p:cTn>
-                              </p:par>
-                            </p:childTnLst>
-                          </p:cTn>
-                        </p:par>
-                      </p:childTnLst>
-                    </p:cTn>
-                  </p:par>
-                </p:childTnLst>
-              </p:cTn>
-              <p:prevCondLst>
-                <p:cond evt="onPrev" delay="0">
-                  <p:tgtEl>
-                    <p:sldTgt/>
-                  </p:tgtEl>
-                </p:cond>
-              </p:prevCondLst>
-              <p:nextCondLst>
-                <p:cond evt="onNext" delay="0">
-                  <p:tgtEl>
-                    <p:sldTgt/>
-                  </p:tgtEl>
-                </p:cond>
-              </p:nextCondLst>
-            </p:seq>
-          </p:childTnLst>
-        </p:cTn>
-      </p:par>
-    </p:tnLst>
-    <p:bldLst>
-      <p:bldP spid="5" grpId="0"/>
-      <p:bldP spid="6" grpId="0"/>
-      <p:bldP spid="7" grpId="0"/>
-    </p:bldLst>
   </p:timing>
 </p:sld>
 </file>
